--- a/Slides/17. Interação com o Mouse.pptx
+++ b/Slides/17. Interação com o Mouse.pptx
@@ -137,7 +137,7 @@
 <file path=ppt/revisionInfo.xml><?xml version="1.0" encoding="utf-8"?>
 <p1510:revInfo xmlns:a="http://schemas.openxmlformats.org/drawingml/2006/main" xmlns:r="http://schemas.openxmlformats.org/officeDocument/2006/relationships" xmlns:p1510="http://schemas.microsoft.com/office/powerpoint/2015/10/main">
   <p1510:revLst>
-    <p1510:client id="{E2293499-0B09-4799-93C6-EEC7B113B1CF}" v="129" dt="2019-07-03T19:01:00.371"/>
+    <p1510:client id="{83FD7739-D505-4725-A985-EBCEAA38D47E}" v="19" dt="2021-09-22T22:36:37.118"/>
   </p1510:revLst>
 </p1510:revInfo>
 </file>
@@ -821,6 +821,977 @@
           </ac:grpSpMkLst>
         </pc:grpChg>
       </pc:sldChg>
+    </pc:docChg>
+  </pc:docChgLst>
+  <pc:docChgLst>
+    <pc:chgData name="Judson Santiago" userId="ebb108da2f256286" providerId="LiveId" clId="{83FD7739-D505-4725-A985-EBCEAA38D47E}"/>
+    <pc:docChg chg="undo custSel modSld sldOrd modMainMaster">
+      <pc:chgData name="Judson Santiago" userId="ebb108da2f256286" providerId="LiveId" clId="{83FD7739-D505-4725-A985-EBCEAA38D47E}" dt="2021-09-22T22:36:37.118" v="427"/>
+      <pc:docMkLst>
+        <pc:docMk/>
+      </pc:docMkLst>
+      <pc:sldChg chg="modSp mod">
+        <pc:chgData name="Judson Santiago" userId="ebb108da2f256286" providerId="LiveId" clId="{83FD7739-D505-4725-A985-EBCEAA38D47E}" dt="2021-09-22T05:41:08.616" v="28" actId="403"/>
+        <pc:sldMkLst>
+          <pc:docMk/>
+          <pc:sldMk cId="0" sldId="256"/>
+        </pc:sldMkLst>
+        <pc:spChg chg="mod">
+          <ac:chgData name="Judson Santiago" userId="ebb108da2f256286" providerId="LiveId" clId="{83FD7739-D505-4725-A985-EBCEAA38D47E}" dt="2021-09-22T05:41:08.616" v="28" actId="403"/>
+          <ac:spMkLst>
+            <pc:docMk/>
+            <pc:sldMk cId="0" sldId="256"/>
+            <ac:spMk id="2" creationId="{00000000-0000-0000-0000-000000000000}"/>
+          </ac:spMkLst>
+        </pc:spChg>
+        <pc:spChg chg="mod">
+          <ac:chgData name="Judson Santiago" userId="ebb108da2f256286" providerId="LiveId" clId="{83FD7739-D505-4725-A985-EBCEAA38D47E}" dt="2021-09-22T05:40:57.568" v="14" actId="403"/>
+          <ac:spMkLst>
+            <pc:docMk/>
+            <pc:sldMk cId="0" sldId="256"/>
+            <ac:spMk id="3" creationId="{00000000-0000-0000-0000-000000000000}"/>
+          </ac:spMkLst>
+        </pc:spChg>
+      </pc:sldChg>
+      <pc:sldChg chg="modSp mod modTransition">
+        <pc:chgData name="Judson Santiago" userId="ebb108da2f256286" providerId="LiveId" clId="{83FD7739-D505-4725-A985-EBCEAA38D47E}" dt="2021-09-22T22:36:37.118" v="427"/>
+        <pc:sldMkLst>
+          <pc:docMk/>
+          <pc:sldMk cId="904695914" sldId="325"/>
+        </pc:sldMkLst>
+        <pc:spChg chg="mod">
+          <ac:chgData name="Judson Santiago" userId="ebb108da2f256286" providerId="LiveId" clId="{83FD7739-D505-4725-A985-EBCEAA38D47E}" dt="2021-09-22T19:13:26.572" v="425" actId="6549"/>
+          <ac:spMkLst>
+            <pc:docMk/>
+            <pc:sldMk cId="904695914" sldId="325"/>
+            <ac:spMk id="2" creationId="{00000000-0000-0000-0000-000000000000}"/>
+          </ac:spMkLst>
+        </pc:spChg>
+      </pc:sldChg>
+      <pc:sldChg chg="addSp delSp modSp mod modTransition">
+        <pc:chgData name="Judson Santiago" userId="ebb108da2f256286" providerId="LiveId" clId="{83FD7739-D505-4725-A985-EBCEAA38D47E}" dt="2021-09-22T22:36:37.118" v="427"/>
+        <pc:sldMkLst>
+          <pc:docMk/>
+          <pc:sldMk cId="754064701" sldId="347"/>
+        </pc:sldMkLst>
+        <pc:spChg chg="mod">
+          <ac:chgData name="Judson Santiago" userId="ebb108da2f256286" providerId="LiveId" clId="{83FD7739-D505-4725-A985-EBCEAA38D47E}" dt="2021-09-22T18:42:40.190" v="144" actId="207"/>
+          <ac:spMkLst>
+            <pc:docMk/>
+            <pc:sldMk cId="754064701" sldId="347"/>
+            <ac:spMk id="2" creationId="{0AA4A0BA-6329-4DF2-B9C4-B3853C062645}"/>
+          </ac:spMkLst>
+        </pc:spChg>
+        <pc:spChg chg="mod">
+          <ac:chgData name="Judson Santiago" userId="ebb108da2f256286" providerId="LiveId" clId="{83FD7739-D505-4725-A985-EBCEAA38D47E}" dt="2021-09-22T18:43:11.831" v="145" actId="1076"/>
+          <ac:spMkLst>
+            <pc:docMk/>
+            <pc:sldMk cId="754064701" sldId="347"/>
+            <ac:spMk id="6" creationId="{9078317A-FE3C-4A16-B149-40AE1644E29C}"/>
+          </ac:spMkLst>
+        </pc:spChg>
+        <pc:spChg chg="add del mod">
+          <ac:chgData name="Judson Santiago" userId="ebb108da2f256286" providerId="LiveId" clId="{83FD7739-D505-4725-A985-EBCEAA38D47E}" dt="2021-09-22T18:45:19.883" v="172" actId="767"/>
+          <ac:spMkLst>
+            <pc:docMk/>
+            <pc:sldMk cId="754064701" sldId="347"/>
+            <ac:spMk id="7" creationId="{31C14062-2A45-4068-80C7-41BA8F42D53F}"/>
+          </ac:spMkLst>
+        </pc:spChg>
+        <pc:spChg chg="add mod">
+          <ac:chgData name="Judson Santiago" userId="ebb108da2f256286" providerId="LiveId" clId="{83FD7739-D505-4725-A985-EBCEAA38D47E}" dt="2021-09-22T18:45:57.553" v="201" actId="1076"/>
+          <ac:spMkLst>
+            <pc:docMk/>
+            <pc:sldMk cId="754064701" sldId="347"/>
+            <ac:spMk id="8" creationId="{757D14DA-F0CA-4D5E-9794-C563216F0A8B}"/>
+          </ac:spMkLst>
+        </pc:spChg>
+        <pc:spChg chg="mod ord">
+          <ac:chgData name="Judson Santiago" userId="ebb108da2f256286" providerId="LiveId" clId="{83FD7739-D505-4725-A985-EBCEAA38D47E}" dt="2021-09-22T18:44:29.742" v="161" actId="164"/>
+          <ac:spMkLst>
+            <pc:docMk/>
+            <pc:sldMk cId="754064701" sldId="347"/>
+            <ac:spMk id="27" creationId="{7230570F-B9DC-4242-B65B-041688A8A0E5}"/>
+          </ac:spMkLst>
+        </pc:spChg>
+        <pc:spChg chg="mod">
+          <ac:chgData name="Judson Santiago" userId="ebb108da2f256286" providerId="LiveId" clId="{83FD7739-D505-4725-A985-EBCEAA38D47E}" dt="2021-09-22T18:42:20.145" v="142" actId="1076"/>
+          <ac:spMkLst>
+            <pc:docMk/>
+            <pc:sldMk cId="754064701" sldId="347"/>
+            <ac:spMk id="28" creationId="{9C97A18E-7664-430F-A50A-00A9F4F11F30}"/>
+          </ac:spMkLst>
+        </pc:spChg>
+        <pc:spChg chg="mod">
+          <ac:chgData name="Judson Santiago" userId="ebb108da2f256286" providerId="LiveId" clId="{83FD7739-D505-4725-A985-EBCEAA38D47E}" dt="2021-09-22T05:44:34.881" v="30"/>
+          <ac:spMkLst>
+            <pc:docMk/>
+            <pc:sldMk cId="754064701" sldId="347"/>
+            <ac:spMk id="30" creationId="{97684C44-6C92-4104-9132-C84C7CED5FE7}"/>
+          </ac:spMkLst>
+        </pc:spChg>
+        <pc:spChg chg="mod">
+          <ac:chgData name="Judson Santiago" userId="ebb108da2f256286" providerId="LiveId" clId="{83FD7739-D505-4725-A985-EBCEAA38D47E}" dt="2021-09-22T05:44:34.881" v="30"/>
+          <ac:spMkLst>
+            <pc:docMk/>
+            <pc:sldMk cId="754064701" sldId="347"/>
+            <ac:spMk id="31" creationId="{7E0ADFE2-57E6-4E43-AA8A-4F2EB41322D4}"/>
+          </ac:spMkLst>
+        </pc:spChg>
+        <pc:spChg chg="mod">
+          <ac:chgData name="Judson Santiago" userId="ebb108da2f256286" providerId="LiveId" clId="{83FD7739-D505-4725-A985-EBCEAA38D47E}" dt="2021-09-22T05:44:34.881" v="30"/>
+          <ac:spMkLst>
+            <pc:docMk/>
+            <pc:sldMk cId="754064701" sldId="347"/>
+            <ac:spMk id="32" creationId="{2396D0F8-060B-4E9B-A30A-FDC56EA945D3}"/>
+          </ac:spMkLst>
+        </pc:spChg>
+        <pc:spChg chg="mod">
+          <ac:chgData name="Judson Santiago" userId="ebb108da2f256286" providerId="LiveId" clId="{83FD7739-D505-4725-A985-EBCEAA38D47E}" dt="2021-09-22T05:44:34.881" v="30"/>
+          <ac:spMkLst>
+            <pc:docMk/>
+            <pc:sldMk cId="754064701" sldId="347"/>
+            <ac:spMk id="36" creationId="{DA2DEC91-4AF9-4578-B64D-1755682C7978}"/>
+          </ac:spMkLst>
+        </pc:spChg>
+        <pc:spChg chg="mod">
+          <ac:chgData name="Judson Santiago" userId="ebb108da2f256286" providerId="LiveId" clId="{83FD7739-D505-4725-A985-EBCEAA38D47E}" dt="2021-09-22T05:44:34.881" v="30"/>
+          <ac:spMkLst>
+            <pc:docMk/>
+            <pc:sldMk cId="754064701" sldId="347"/>
+            <ac:spMk id="37" creationId="{59A35185-5E93-49D7-ABC4-FF1BC4E15D23}"/>
+          </ac:spMkLst>
+        </pc:spChg>
+        <pc:spChg chg="mod">
+          <ac:chgData name="Judson Santiago" userId="ebb108da2f256286" providerId="LiveId" clId="{83FD7739-D505-4725-A985-EBCEAA38D47E}" dt="2021-09-22T05:44:34.881" v="30"/>
+          <ac:spMkLst>
+            <pc:docMk/>
+            <pc:sldMk cId="754064701" sldId="347"/>
+            <ac:spMk id="38" creationId="{D56D1AF5-3720-4D04-A568-897EB74DA7C8}"/>
+          </ac:spMkLst>
+        </pc:spChg>
+        <pc:spChg chg="mod">
+          <ac:chgData name="Judson Santiago" userId="ebb108da2f256286" providerId="LiveId" clId="{83FD7739-D505-4725-A985-EBCEAA38D47E}" dt="2021-09-22T05:44:34.881" v="30"/>
+          <ac:spMkLst>
+            <pc:docMk/>
+            <pc:sldMk cId="754064701" sldId="347"/>
+            <ac:spMk id="41" creationId="{939EC8FC-5BDB-4FEF-9B82-A5D9A0C6C9A5}"/>
+          </ac:spMkLst>
+        </pc:spChg>
+        <pc:spChg chg="mod">
+          <ac:chgData name="Judson Santiago" userId="ebb108da2f256286" providerId="LiveId" clId="{83FD7739-D505-4725-A985-EBCEAA38D47E}" dt="2021-09-22T05:44:34.881" v="30"/>
+          <ac:spMkLst>
+            <pc:docMk/>
+            <pc:sldMk cId="754064701" sldId="347"/>
+            <ac:spMk id="42" creationId="{7CE5F9F9-6AAD-453C-A943-0C71DEA89667}"/>
+          </ac:spMkLst>
+        </pc:spChg>
+        <pc:spChg chg="mod">
+          <ac:chgData name="Judson Santiago" userId="ebb108da2f256286" providerId="LiveId" clId="{83FD7739-D505-4725-A985-EBCEAA38D47E}" dt="2021-09-22T05:44:34.881" v="30"/>
+          <ac:spMkLst>
+            <pc:docMk/>
+            <pc:sldMk cId="754064701" sldId="347"/>
+            <ac:spMk id="44" creationId="{D691FBF1-268F-41ED-A931-7C7A00F89463}"/>
+          </ac:spMkLst>
+        </pc:spChg>
+        <pc:spChg chg="mod">
+          <ac:chgData name="Judson Santiago" userId="ebb108da2f256286" providerId="LiveId" clId="{83FD7739-D505-4725-A985-EBCEAA38D47E}" dt="2021-09-22T05:44:34.881" v="30"/>
+          <ac:spMkLst>
+            <pc:docMk/>
+            <pc:sldMk cId="754064701" sldId="347"/>
+            <ac:spMk id="45" creationId="{B3BF59CF-E9FD-46C1-ABD4-390A56841D14}"/>
+          </ac:spMkLst>
+        </pc:spChg>
+        <pc:spChg chg="add mod">
+          <ac:chgData name="Judson Santiago" userId="ebb108da2f256286" providerId="LiveId" clId="{83FD7739-D505-4725-A985-EBCEAA38D47E}" dt="2021-09-22T18:44:57.977" v="163" actId="1076"/>
+          <ac:spMkLst>
+            <pc:docMk/>
+            <pc:sldMk cId="754064701" sldId="347"/>
+            <ac:spMk id="46" creationId="{13FD1EBF-33F4-4033-8F3C-AD53D93111DB}"/>
+          </ac:spMkLst>
+        </pc:spChg>
+        <pc:grpChg chg="add mod">
+          <ac:chgData name="Judson Santiago" userId="ebb108da2f256286" providerId="LiveId" clId="{83FD7739-D505-4725-A985-EBCEAA38D47E}" dt="2021-09-22T18:45:02.149" v="164" actId="1076"/>
+          <ac:grpSpMkLst>
+            <pc:docMk/>
+            <pc:sldMk cId="754064701" sldId="347"/>
+            <ac:grpSpMk id="5" creationId="{1812B2A8-4C44-4572-8E39-A33E9791227A}"/>
+          </ac:grpSpMkLst>
+        </pc:grpChg>
+        <pc:grpChg chg="del">
+          <ac:chgData name="Judson Santiago" userId="ebb108da2f256286" providerId="LiveId" clId="{83FD7739-D505-4725-A985-EBCEAA38D47E}" dt="2021-09-22T05:44:34.429" v="29" actId="478"/>
+          <ac:grpSpMkLst>
+            <pc:docMk/>
+            <pc:sldMk cId="754064701" sldId="347"/>
+            <ac:grpSpMk id="25" creationId="{3263B061-5820-4AB7-9042-4A8C68252780}"/>
+          </ac:grpSpMkLst>
+        </pc:grpChg>
+        <pc:grpChg chg="add mod">
+          <ac:chgData name="Judson Santiago" userId="ebb108da2f256286" providerId="LiveId" clId="{83FD7739-D505-4725-A985-EBCEAA38D47E}" dt="2021-09-22T18:42:20.145" v="142" actId="1076"/>
+          <ac:grpSpMkLst>
+            <pc:docMk/>
+            <pc:sldMk cId="754064701" sldId="347"/>
+            <ac:grpSpMk id="26" creationId="{C6A292C0-F64D-4196-9570-83606A11451A}"/>
+          </ac:grpSpMkLst>
+        </pc:grpChg>
+        <pc:grpChg chg="mod">
+          <ac:chgData name="Judson Santiago" userId="ebb108da2f256286" providerId="LiveId" clId="{83FD7739-D505-4725-A985-EBCEAA38D47E}" dt="2021-09-22T05:44:34.881" v="30"/>
+          <ac:grpSpMkLst>
+            <pc:docMk/>
+            <pc:sldMk cId="754064701" sldId="347"/>
+            <ac:grpSpMk id="29" creationId="{38EAD00E-097C-4385-9D76-DC3A7F2C206D}"/>
+          </ac:grpSpMkLst>
+        </pc:grpChg>
+        <pc:picChg chg="mod">
+          <ac:chgData name="Judson Santiago" userId="ebb108da2f256286" providerId="LiveId" clId="{83FD7739-D505-4725-A985-EBCEAA38D47E}" dt="2021-09-22T18:43:11.831" v="145" actId="1076"/>
+          <ac:picMkLst>
+            <pc:docMk/>
+            <pc:sldMk cId="754064701" sldId="347"/>
+            <ac:picMk id="4" creationId="{37047149-6A9E-4780-8873-0FE9B11EB114}"/>
+          </ac:picMkLst>
+        </pc:picChg>
+        <pc:cxnChg chg="mod">
+          <ac:chgData name="Judson Santiago" userId="ebb108da2f256286" providerId="LiveId" clId="{83FD7739-D505-4725-A985-EBCEAA38D47E}" dt="2021-09-22T05:44:34.429" v="29" actId="478"/>
+          <ac:cxnSpMkLst>
+            <pc:docMk/>
+            <pc:sldMk cId="754064701" sldId="347"/>
+            <ac:cxnSpMk id="21" creationId="{4FC2E751-D06C-4943-BD5D-22F0D36EA277}"/>
+          </ac:cxnSpMkLst>
+        </pc:cxnChg>
+        <pc:cxnChg chg="del mod">
+          <ac:chgData name="Judson Santiago" userId="ebb108da2f256286" providerId="LiveId" clId="{83FD7739-D505-4725-A985-EBCEAA38D47E}" dt="2021-09-22T18:43:24.702" v="146" actId="478"/>
+          <ac:cxnSpMkLst>
+            <pc:docMk/>
+            <pc:sldMk cId="754064701" sldId="347"/>
+            <ac:cxnSpMk id="24" creationId="{743C9629-739A-465F-840D-140AB822B4AD}"/>
+          </ac:cxnSpMkLst>
+        </pc:cxnChg>
+        <pc:cxnChg chg="mod">
+          <ac:chgData name="Judson Santiago" userId="ebb108da2f256286" providerId="LiveId" clId="{83FD7739-D505-4725-A985-EBCEAA38D47E}" dt="2021-09-22T05:44:34.881" v="30"/>
+          <ac:cxnSpMkLst>
+            <pc:docMk/>
+            <pc:sldMk cId="754064701" sldId="347"/>
+            <ac:cxnSpMk id="33" creationId="{1412C8A2-572D-4DD3-AC78-DBE713A9B15A}"/>
+          </ac:cxnSpMkLst>
+        </pc:cxnChg>
+        <pc:cxnChg chg="mod">
+          <ac:chgData name="Judson Santiago" userId="ebb108da2f256286" providerId="LiveId" clId="{83FD7739-D505-4725-A985-EBCEAA38D47E}" dt="2021-09-22T05:44:34.881" v="30"/>
+          <ac:cxnSpMkLst>
+            <pc:docMk/>
+            <pc:sldMk cId="754064701" sldId="347"/>
+            <ac:cxnSpMk id="34" creationId="{E371A7E3-C3D3-491B-A331-4592410D91EB}"/>
+          </ac:cxnSpMkLst>
+        </pc:cxnChg>
+        <pc:cxnChg chg="mod">
+          <ac:chgData name="Judson Santiago" userId="ebb108da2f256286" providerId="LiveId" clId="{83FD7739-D505-4725-A985-EBCEAA38D47E}" dt="2021-09-22T05:44:34.881" v="30"/>
+          <ac:cxnSpMkLst>
+            <pc:docMk/>
+            <pc:sldMk cId="754064701" sldId="347"/>
+            <ac:cxnSpMk id="35" creationId="{386A32D8-E98A-4144-8F34-E2AA4DEE2D92}"/>
+          </ac:cxnSpMkLst>
+        </pc:cxnChg>
+        <pc:cxnChg chg="mod">
+          <ac:chgData name="Judson Santiago" userId="ebb108da2f256286" providerId="LiveId" clId="{83FD7739-D505-4725-A985-EBCEAA38D47E}" dt="2021-09-22T05:44:34.881" v="30"/>
+          <ac:cxnSpMkLst>
+            <pc:docMk/>
+            <pc:sldMk cId="754064701" sldId="347"/>
+            <ac:cxnSpMk id="39" creationId="{3CE1AC35-7D70-43D4-884C-54219440EAED}"/>
+          </ac:cxnSpMkLst>
+        </pc:cxnChg>
+        <pc:cxnChg chg="mod">
+          <ac:chgData name="Judson Santiago" userId="ebb108da2f256286" providerId="LiveId" clId="{83FD7739-D505-4725-A985-EBCEAA38D47E}" dt="2021-09-22T05:44:34.881" v="30"/>
+          <ac:cxnSpMkLst>
+            <pc:docMk/>
+            <pc:sldMk cId="754064701" sldId="347"/>
+            <ac:cxnSpMk id="40" creationId="{302F12DE-85DE-4948-BA4A-B63A3FCB1D91}"/>
+          </ac:cxnSpMkLst>
+        </pc:cxnChg>
+        <pc:cxnChg chg="mod">
+          <ac:chgData name="Judson Santiago" userId="ebb108da2f256286" providerId="LiveId" clId="{83FD7739-D505-4725-A985-EBCEAA38D47E}" dt="2021-09-22T05:44:34.881" v="30"/>
+          <ac:cxnSpMkLst>
+            <pc:docMk/>
+            <pc:sldMk cId="754064701" sldId="347"/>
+            <ac:cxnSpMk id="43" creationId="{5B80F8F8-032B-4C0A-B534-C9C21535EF73}"/>
+          </ac:cxnSpMkLst>
+        </pc:cxnChg>
+      </pc:sldChg>
+      <pc:sldChg chg="modSp mod modTransition">
+        <pc:chgData name="Judson Santiago" userId="ebb108da2f256286" providerId="LiveId" clId="{83FD7739-D505-4725-A985-EBCEAA38D47E}" dt="2021-09-22T22:36:37.118" v="427"/>
+        <pc:sldMkLst>
+          <pc:docMk/>
+          <pc:sldMk cId="2785842759" sldId="348"/>
+        </pc:sldMkLst>
+        <pc:spChg chg="mod">
+          <ac:chgData name="Judson Santiago" userId="ebb108da2f256286" providerId="LiveId" clId="{83FD7739-D505-4725-A985-EBCEAA38D47E}" dt="2021-09-22T18:47:55.851" v="209" actId="20577"/>
+          <ac:spMkLst>
+            <pc:docMk/>
+            <pc:sldMk cId="2785842759" sldId="348"/>
+            <ac:spMk id="4" creationId="{928B1D23-F2D2-413E-8EAD-6A3A2EA9C765}"/>
+          </ac:spMkLst>
+        </pc:spChg>
+      </pc:sldChg>
+      <pc:sldChg chg="addSp delSp modSp mod modTransition">
+        <pc:chgData name="Judson Santiago" userId="ebb108da2f256286" providerId="LiveId" clId="{83FD7739-D505-4725-A985-EBCEAA38D47E}" dt="2021-09-22T22:36:37.118" v="427"/>
+        <pc:sldMkLst>
+          <pc:docMk/>
+          <pc:sldMk cId="595529663" sldId="349"/>
+        </pc:sldMkLst>
+        <pc:spChg chg="mod">
+          <ac:chgData name="Judson Santiago" userId="ebb108da2f256286" providerId="LiveId" clId="{83FD7739-D505-4725-A985-EBCEAA38D47E}" dt="2021-09-22T18:48:53.987" v="210" actId="207"/>
+          <ac:spMkLst>
+            <pc:docMk/>
+            <pc:sldMk cId="595529663" sldId="349"/>
+            <ac:spMk id="2" creationId="{4F708BE8-840F-4C08-B27F-E649ED2937B6}"/>
+          </ac:spMkLst>
+        </pc:spChg>
+        <pc:spChg chg="mod topLvl">
+          <ac:chgData name="Judson Santiago" userId="ebb108da2f256286" providerId="LiveId" clId="{83FD7739-D505-4725-A985-EBCEAA38D47E}" dt="2021-09-22T18:50:39.445" v="223" actId="12788"/>
+          <ac:spMkLst>
+            <pc:docMk/>
+            <pc:sldMk cId="595529663" sldId="349"/>
+            <ac:spMk id="29" creationId="{30C0D0D7-87D4-42A9-926A-B8BC7F87C0F7}"/>
+          </ac:spMkLst>
+        </pc:spChg>
+        <pc:spChg chg="mod topLvl">
+          <ac:chgData name="Judson Santiago" userId="ebb108da2f256286" providerId="LiveId" clId="{83FD7739-D505-4725-A985-EBCEAA38D47E}" dt="2021-09-22T18:50:20.571" v="220" actId="1076"/>
+          <ac:spMkLst>
+            <pc:docMk/>
+            <pc:sldMk cId="595529663" sldId="349"/>
+            <ac:spMk id="30" creationId="{B5CB98EA-86EA-4323-86FF-05C4D8812D4D}"/>
+          </ac:spMkLst>
+        </pc:spChg>
+        <pc:spChg chg="mod">
+          <ac:chgData name="Judson Santiago" userId="ebb108da2f256286" providerId="LiveId" clId="{83FD7739-D505-4725-A985-EBCEAA38D47E}" dt="2021-09-22T18:58:44.111" v="355" actId="20577"/>
+          <ac:spMkLst>
+            <pc:docMk/>
+            <pc:sldMk cId="595529663" sldId="349"/>
+            <ac:spMk id="31" creationId="{5312382F-FAC5-4CFD-AC2E-EBC8E6125CC3}"/>
+          </ac:spMkLst>
+        </pc:spChg>
+        <pc:spChg chg="mod topLvl">
+          <ac:chgData name="Judson Santiago" userId="ebb108da2f256286" providerId="LiveId" clId="{83FD7739-D505-4725-A985-EBCEAA38D47E}" dt="2021-09-22T18:50:20.571" v="220" actId="1076"/>
+          <ac:spMkLst>
+            <pc:docMk/>
+            <pc:sldMk cId="595529663" sldId="349"/>
+            <ac:spMk id="33" creationId="{8A0D7960-7B59-4E86-B262-A13755067C34}"/>
+          </ac:spMkLst>
+        </pc:spChg>
+        <pc:spChg chg="mod topLvl">
+          <ac:chgData name="Judson Santiago" userId="ebb108da2f256286" providerId="LiveId" clId="{83FD7739-D505-4725-A985-EBCEAA38D47E}" dt="2021-09-22T18:50:20.571" v="220" actId="1076"/>
+          <ac:spMkLst>
+            <pc:docMk/>
+            <pc:sldMk cId="595529663" sldId="349"/>
+            <ac:spMk id="34" creationId="{A47FB74B-2303-4F53-9849-15A98C29F7D4}"/>
+          </ac:spMkLst>
+        </pc:spChg>
+        <pc:spChg chg="mod topLvl">
+          <ac:chgData name="Judson Santiago" userId="ebb108da2f256286" providerId="LiveId" clId="{83FD7739-D505-4725-A985-EBCEAA38D47E}" dt="2021-09-22T18:50:20.571" v="220" actId="1076"/>
+          <ac:spMkLst>
+            <pc:docMk/>
+            <pc:sldMk cId="595529663" sldId="349"/>
+            <ac:spMk id="35" creationId="{C6D58677-9A88-45D5-A1E1-49372B1B165E}"/>
+          </ac:spMkLst>
+        </pc:spChg>
+        <pc:spChg chg="mod topLvl">
+          <ac:chgData name="Judson Santiago" userId="ebb108da2f256286" providerId="LiveId" clId="{83FD7739-D505-4725-A985-EBCEAA38D47E}" dt="2021-09-22T18:51:07.242" v="229" actId="1036"/>
+          <ac:spMkLst>
+            <pc:docMk/>
+            <pc:sldMk cId="595529663" sldId="349"/>
+            <ac:spMk id="36" creationId="{60370CE7-7D39-4F8E-BAA3-22410B1B5D2A}"/>
+          </ac:spMkLst>
+        </pc:spChg>
+        <pc:spChg chg="mod topLvl">
+          <ac:chgData name="Judson Santiago" userId="ebb108da2f256286" providerId="LiveId" clId="{83FD7739-D505-4725-A985-EBCEAA38D47E}" dt="2021-09-22T18:50:20.571" v="220" actId="1076"/>
+          <ac:spMkLst>
+            <pc:docMk/>
+            <pc:sldMk cId="595529663" sldId="349"/>
+            <ac:spMk id="37" creationId="{0B671BDC-70AA-43AD-8568-CAAF506A882E}"/>
+          </ac:spMkLst>
+        </pc:spChg>
+        <pc:spChg chg="mod topLvl">
+          <ac:chgData name="Judson Santiago" userId="ebb108da2f256286" providerId="LiveId" clId="{83FD7739-D505-4725-A985-EBCEAA38D47E}" dt="2021-09-22T18:50:20.571" v="220" actId="1076"/>
+          <ac:spMkLst>
+            <pc:docMk/>
+            <pc:sldMk cId="595529663" sldId="349"/>
+            <ac:spMk id="38" creationId="{7DCC268D-20B6-44C0-8AB0-1E78B03D496C}"/>
+          </ac:spMkLst>
+        </pc:spChg>
+        <pc:spChg chg="mod topLvl">
+          <ac:chgData name="Judson Santiago" userId="ebb108da2f256286" providerId="LiveId" clId="{83FD7739-D505-4725-A985-EBCEAA38D47E}" dt="2021-09-22T18:50:20.571" v="220" actId="1076"/>
+          <ac:spMkLst>
+            <pc:docMk/>
+            <pc:sldMk cId="595529663" sldId="349"/>
+            <ac:spMk id="39" creationId="{81D55924-A84A-459C-A24C-2D664EBC097D}"/>
+          </ac:spMkLst>
+        </pc:spChg>
+        <pc:spChg chg="mod topLvl">
+          <ac:chgData name="Judson Santiago" userId="ebb108da2f256286" providerId="LiveId" clId="{83FD7739-D505-4725-A985-EBCEAA38D47E}" dt="2021-09-22T18:51:14.196" v="231" actId="1076"/>
+          <ac:spMkLst>
+            <pc:docMk/>
+            <pc:sldMk cId="595529663" sldId="349"/>
+            <ac:spMk id="48" creationId="{7FACB9C3-8117-4C4C-A35B-4C6A2CFF5286}"/>
+          </ac:spMkLst>
+        </pc:spChg>
+        <pc:spChg chg="mod topLvl">
+          <ac:chgData name="Judson Santiago" userId="ebb108da2f256286" providerId="LiveId" clId="{83FD7739-D505-4725-A985-EBCEAA38D47E}" dt="2021-09-22T18:50:20.571" v="220" actId="1076"/>
+          <ac:spMkLst>
+            <pc:docMk/>
+            <pc:sldMk cId="595529663" sldId="349"/>
+            <ac:spMk id="50" creationId="{11A8C15A-4921-4F13-950F-4D49C98894ED}"/>
+          </ac:spMkLst>
+        </pc:spChg>
+        <pc:spChg chg="mod topLvl">
+          <ac:chgData name="Judson Santiago" userId="ebb108da2f256286" providerId="LiveId" clId="{83FD7739-D505-4725-A985-EBCEAA38D47E}" dt="2021-09-22T18:50:20.571" v="220" actId="1076"/>
+          <ac:spMkLst>
+            <pc:docMk/>
+            <pc:sldMk cId="595529663" sldId="349"/>
+            <ac:spMk id="53" creationId="{784BF9B6-F6EC-4C77-9728-2A0C8BA86832}"/>
+          </ac:spMkLst>
+        </pc:spChg>
+        <pc:spChg chg="mod topLvl">
+          <ac:chgData name="Judson Santiago" userId="ebb108da2f256286" providerId="LiveId" clId="{83FD7739-D505-4725-A985-EBCEAA38D47E}" dt="2021-09-22T18:50:20.571" v="220" actId="1076"/>
+          <ac:spMkLst>
+            <pc:docMk/>
+            <pc:sldMk cId="595529663" sldId="349"/>
+            <ac:spMk id="54" creationId="{F6BF2EEF-0876-4DC1-B604-3D90FC342666}"/>
+          </ac:spMkLst>
+        </pc:spChg>
+        <pc:spChg chg="mod">
+          <ac:chgData name="Judson Santiago" userId="ebb108da2f256286" providerId="LiveId" clId="{83FD7739-D505-4725-A985-EBCEAA38D47E}" dt="2021-09-22T18:50:12.055" v="219" actId="165"/>
+          <ac:spMkLst>
+            <pc:docMk/>
+            <pc:sldMk cId="595529663" sldId="349"/>
+            <ac:spMk id="56" creationId="{A14F9373-1078-419E-9D5B-F9C07543F790}"/>
+          </ac:spMkLst>
+        </pc:spChg>
+        <pc:spChg chg="mod">
+          <ac:chgData name="Judson Santiago" userId="ebb108da2f256286" providerId="LiveId" clId="{83FD7739-D505-4725-A985-EBCEAA38D47E}" dt="2021-09-22T18:50:12.055" v="219" actId="165"/>
+          <ac:spMkLst>
+            <pc:docMk/>
+            <pc:sldMk cId="595529663" sldId="349"/>
+            <ac:spMk id="57" creationId="{600970F2-9EBB-483B-95C2-67AB158A13AE}"/>
+          </ac:spMkLst>
+        </pc:spChg>
+        <pc:spChg chg="mod">
+          <ac:chgData name="Judson Santiago" userId="ebb108da2f256286" providerId="LiveId" clId="{83FD7739-D505-4725-A985-EBCEAA38D47E}" dt="2021-09-22T18:50:12.055" v="219" actId="165"/>
+          <ac:spMkLst>
+            <pc:docMk/>
+            <pc:sldMk cId="595529663" sldId="349"/>
+            <ac:spMk id="58" creationId="{6759A542-A2C9-4E1E-828A-5E8C385C5E2F}"/>
+          </ac:spMkLst>
+        </pc:spChg>
+        <pc:spChg chg="mod">
+          <ac:chgData name="Judson Santiago" userId="ebb108da2f256286" providerId="LiveId" clId="{83FD7739-D505-4725-A985-EBCEAA38D47E}" dt="2021-09-22T18:50:12.055" v="219" actId="165"/>
+          <ac:spMkLst>
+            <pc:docMk/>
+            <pc:sldMk cId="595529663" sldId="349"/>
+            <ac:spMk id="59" creationId="{987EBFD2-E77D-4E2F-8006-F9A3DDE0ABD3}"/>
+          </ac:spMkLst>
+        </pc:spChg>
+        <pc:spChg chg="add del mod">
+          <ac:chgData name="Judson Santiago" userId="ebb108da2f256286" providerId="LiveId" clId="{83FD7739-D505-4725-A985-EBCEAA38D47E}" dt="2021-09-22T18:55:19.932" v="269" actId="21"/>
+          <ac:spMkLst>
+            <pc:docMk/>
+            <pc:sldMk cId="595529663" sldId="349"/>
+            <ac:spMk id="70" creationId="{CF9B92C5-E63C-4DC0-8BEC-2353F975F50A}"/>
+          </ac:spMkLst>
+        </pc:spChg>
+        <pc:spChg chg="add del mod">
+          <ac:chgData name="Judson Santiago" userId="ebb108da2f256286" providerId="LiveId" clId="{83FD7739-D505-4725-A985-EBCEAA38D47E}" dt="2021-09-22T18:56:47.352" v="301" actId="21"/>
+          <ac:spMkLst>
+            <pc:docMk/>
+            <pc:sldMk cId="595529663" sldId="349"/>
+            <ac:spMk id="75" creationId="{3BF6F658-8ED7-4B42-8F3C-4159C94D0774}"/>
+          </ac:spMkLst>
+        </pc:spChg>
+        <pc:spChg chg="add del mod">
+          <ac:chgData name="Judson Santiago" userId="ebb108da2f256286" providerId="LiveId" clId="{83FD7739-D505-4725-A985-EBCEAA38D47E}" dt="2021-09-22T18:56:47.352" v="301" actId="21"/>
+          <ac:spMkLst>
+            <pc:docMk/>
+            <pc:sldMk cId="595529663" sldId="349"/>
+            <ac:spMk id="78" creationId="{4D4AED87-5920-4CBC-A84B-0B3460FC1B0B}"/>
+          </ac:spMkLst>
+        </pc:spChg>
+        <pc:grpChg chg="add del mod">
+          <ac:chgData name="Judson Santiago" userId="ebb108da2f256286" providerId="LiveId" clId="{83FD7739-D505-4725-A985-EBCEAA38D47E}" dt="2021-09-22T18:50:12.055" v="219" actId="165"/>
+          <ac:grpSpMkLst>
+            <pc:docMk/>
+            <pc:sldMk cId="595529663" sldId="349"/>
+            <ac:grpSpMk id="28" creationId="{B63DCD4C-516A-4ABF-B583-227A81B33820}"/>
+          </ac:grpSpMkLst>
+        </pc:grpChg>
+        <pc:grpChg chg="del">
+          <ac:chgData name="Judson Santiago" userId="ebb108da2f256286" providerId="LiveId" clId="{83FD7739-D505-4725-A985-EBCEAA38D47E}" dt="2021-09-22T18:49:21.554" v="211" actId="478"/>
+          <ac:grpSpMkLst>
+            <pc:docMk/>
+            <pc:sldMk cId="595529663" sldId="349"/>
+            <ac:grpSpMk id="32" creationId="{674FE917-75F5-4A76-A1EA-620B09226A00}"/>
+          </ac:grpSpMkLst>
+        </pc:grpChg>
+        <pc:grpChg chg="mod topLvl">
+          <ac:chgData name="Judson Santiago" userId="ebb108da2f256286" providerId="LiveId" clId="{83FD7739-D505-4725-A985-EBCEAA38D47E}" dt="2021-09-22T18:52:45.874" v="253" actId="1035"/>
+          <ac:grpSpMkLst>
+            <pc:docMk/>
+            <pc:sldMk cId="595529663" sldId="349"/>
+            <ac:grpSpMk id="43" creationId="{96AA2252-DA64-4167-B545-62FF75DB2540}"/>
+          </ac:grpSpMkLst>
+        </pc:grpChg>
+        <pc:cxnChg chg="mod">
+          <ac:chgData name="Judson Santiago" userId="ebb108da2f256286" providerId="LiveId" clId="{83FD7739-D505-4725-A985-EBCEAA38D47E}" dt="2021-09-22T18:49:21.554" v="211" actId="478"/>
+          <ac:cxnSpMkLst>
+            <pc:docMk/>
+            <pc:sldMk cId="595529663" sldId="349"/>
+            <ac:cxnSpMk id="11" creationId="{42B33C52-F508-4481-BAB9-B9EBD1ACC34A}"/>
+          </ac:cxnSpMkLst>
+        </pc:cxnChg>
+        <pc:cxnChg chg="mod">
+          <ac:chgData name="Judson Santiago" userId="ebb108da2f256286" providerId="LiveId" clId="{83FD7739-D505-4725-A985-EBCEAA38D47E}" dt="2021-09-22T18:49:21.554" v="211" actId="478"/>
+          <ac:cxnSpMkLst>
+            <pc:docMk/>
+            <pc:sldMk cId="595529663" sldId="349"/>
+            <ac:cxnSpMk id="12" creationId="{216A66C2-51FB-40E2-BFA4-7A3B74B33E10}"/>
+          </ac:cxnSpMkLst>
+        </pc:cxnChg>
+        <pc:cxnChg chg="mod">
+          <ac:chgData name="Judson Santiago" userId="ebb108da2f256286" providerId="LiveId" clId="{83FD7739-D505-4725-A985-EBCEAA38D47E}" dt="2021-09-22T18:49:21.554" v="211" actId="478"/>
+          <ac:cxnSpMkLst>
+            <pc:docMk/>
+            <pc:sldMk cId="595529663" sldId="349"/>
+            <ac:cxnSpMk id="13" creationId="{96634DCF-DCA7-47DE-AFDC-246EB3957771}"/>
+          </ac:cxnSpMkLst>
+        </pc:cxnChg>
+        <pc:cxnChg chg="mod">
+          <ac:chgData name="Judson Santiago" userId="ebb108da2f256286" providerId="LiveId" clId="{83FD7739-D505-4725-A985-EBCEAA38D47E}" dt="2021-09-22T18:49:21.554" v="211" actId="478"/>
+          <ac:cxnSpMkLst>
+            <pc:docMk/>
+            <pc:sldMk cId="595529663" sldId="349"/>
+            <ac:cxnSpMk id="19" creationId="{8862F526-2E8D-4E50-BC73-AE3C8F19E575}"/>
+          </ac:cxnSpMkLst>
+        </pc:cxnChg>
+        <pc:cxnChg chg="mod">
+          <ac:chgData name="Judson Santiago" userId="ebb108da2f256286" providerId="LiveId" clId="{83FD7739-D505-4725-A985-EBCEAA38D47E}" dt="2021-09-22T18:49:21.554" v="211" actId="478"/>
+          <ac:cxnSpMkLst>
+            <pc:docMk/>
+            <pc:sldMk cId="595529663" sldId="349"/>
+            <ac:cxnSpMk id="20" creationId="{9E988AB6-9059-48B7-9AA0-8744D404A195}"/>
+          </ac:cxnSpMkLst>
+        </pc:cxnChg>
+        <pc:cxnChg chg="mod">
+          <ac:chgData name="Judson Santiago" userId="ebb108da2f256286" providerId="LiveId" clId="{83FD7739-D505-4725-A985-EBCEAA38D47E}" dt="2021-09-22T18:49:21.554" v="211" actId="478"/>
+          <ac:cxnSpMkLst>
+            <pc:docMk/>
+            <pc:sldMk cId="595529663" sldId="349"/>
+            <ac:cxnSpMk id="22" creationId="{EABACA06-A96D-40F8-A10F-05042B096E94}"/>
+          </ac:cxnSpMkLst>
+        </pc:cxnChg>
+        <pc:cxnChg chg="mod">
+          <ac:chgData name="Judson Santiago" userId="ebb108da2f256286" providerId="LiveId" clId="{83FD7739-D505-4725-A985-EBCEAA38D47E}" dt="2021-09-22T18:49:21.554" v="211" actId="478"/>
+          <ac:cxnSpMkLst>
+            <pc:docMk/>
+            <pc:sldMk cId="595529663" sldId="349"/>
+            <ac:cxnSpMk id="24" creationId="{86AF623C-71E7-4907-B219-AB4D936B0291}"/>
+          </ac:cxnSpMkLst>
+        </pc:cxnChg>
+        <pc:cxnChg chg="mod topLvl">
+          <ac:chgData name="Judson Santiago" userId="ebb108da2f256286" providerId="LiveId" clId="{83FD7739-D505-4725-A985-EBCEAA38D47E}" dt="2021-09-22T18:50:20.571" v="220" actId="1076"/>
+          <ac:cxnSpMkLst>
+            <pc:docMk/>
+            <pc:sldMk cId="595529663" sldId="349"/>
+            <ac:cxnSpMk id="40" creationId="{E6037298-8704-4F70-86FB-B0307D9A11C8}"/>
+          </ac:cxnSpMkLst>
+        </pc:cxnChg>
+        <pc:cxnChg chg="mod topLvl">
+          <ac:chgData name="Judson Santiago" userId="ebb108da2f256286" providerId="LiveId" clId="{83FD7739-D505-4725-A985-EBCEAA38D47E}" dt="2021-09-22T18:50:20.571" v="220" actId="1076"/>
+          <ac:cxnSpMkLst>
+            <pc:docMk/>
+            <pc:sldMk cId="595529663" sldId="349"/>
+            <ac:cxnSpMk id="41" creationId="{3EC6A144-F42F-42F3-9E05-DD5ED1142273}"/>
+          </ac:cxnSpMkLst>
+        </pc:cxnChg>
+        <pc:cxnChg chg="mod topLvl">
+          <ac:chgData name="Judson Santiago" userId="ebb108da2f256286" providerId="LiveId" clId="{83FD7739-D505-4725-A985-EBCEAA38D47E}" dt="2021-09-22T18:50:20.571" v="220" actId="1076"/>
+          <ac:cxnSpMkLst>
+            <pc:docMk/>
+            <pc:sldMk cId="595529663" sldId="349"/>
+            <ac:cxnSpMk id="42" creationId="{E540245D-3EC7-45AD-B997-FF975A657EB1}"/>
+          </ac:cxnSpMkLst>
+        </pc:cxnChg>
+        <pc:cxnChg chg="mod topLvl">
+          <ac:chgData name="Judson Santiago" userId="ebb108da2f256286" providerId="LiveId" clId="{83FD7739-D505-4725-A985-EBCEAA38D47E}" dt="2021-09-22T18:50:20.571" v="220" actId="1076"/>
+          <ac:cxnSpMkLst>
+            <pc:docMk/>
+            <pc:sldMk cId="595529663" sldId="349"/>
+            <ac:cxnSpMk id="44" creationId="{C17E4EAD-DD18-43D6-BCAF-62C3EC56AC3A}"/>
+          </ac:cxnSpMkLst>
+        </pc:cxnChg>
+        <pc:cxnChg chg="mod topLvl">
+          <ac:chgData name="Judson Santiago" userId="ebb108da2f256286" providerId="LiveId" clId="{83FD7739-D505-4725-A985-EBCEAA38D47E}" dt="2021-09-22T18:57:23.836" v="302" actId="14100"/>
+          <ac:cxnSpMkLst>
+            <pc:docMk/>
+            <pc:sldMk cId="595529663" sldId="349"/>
+            <ac:cxnSpMk id="45" creationId="{A6D0E107-F8F2-4815-9A00-467EA0101AE5}"/>
+          </ac:cxnSpMkLst>
+        </pc:cxnChg>
+        <pc:cxnChg chg="del mod topLvl">
+          <ac:chgData name="Judson Santiago" userId="ebb108da2f256286" providerId="LiveId" clId="{83FD7739-D505-4725-A985-EBCEAA38D47E}" dt="2021-09-22T18:52:33.030" v="252" actId="478"/>
+          <ac:cxnSpMkLst>
+            <pc:docMk/>
+            <pc:sldMk cId="595529663" sldId="349"/>
+            <ac:cxnSpMk id="46" creationId="{7F4CC0AC-7D78-4DBA-97EB-B857BB7AE464}"/>
+          </ac:cxnSpMkLst>
+        </pc:cxnChg>
+        <pc:cxnChg chg="mod topLvl">
+          <ac:chgData name="Judson Santiago" userId="ebb108da2f256286" providerId="LiveId" clId="{83FD7739-D505-4725-A985-EBCEAA38D47E}" dt="2021-09-22T18:51:09.977" v="230" actId="14100"/>
+          <ac:cxnSpMkLst>
+            <pc:docMk/>
+            <pc:sldMk cId="595529663" sldId="349"/>
+            <ac:cxnSpMk id="47" creationId="{518EBFA5-F3E9-49FA-8D90-E8EE3030279A}"/>
+          </ac:cxnSpMkLst>
+        </pc:cxnChg>
+        <pc:cxnChg chg="mod topLvl">
+          <ac:chgData name="Judson Santiago" userId="ebb108da2f256286" providerId="LiveId" clId="{83FD7739-D505-4725-A985-EBCEAA38D47E}" dt="2021-09-22T18:50:20.571" v="220" actId="1076"/>
+          <ac:cxnSpMkLst>
+            <pc:docMk/>
+            <pc:sldMk cId="595529663" sldId="349"/>
+            <ac:cxnSpMk id="49" creationId="{35A39429-475C-4A6A-8EE8-FA04BDE1535C}"/>
+          </ac:cxnSpMkLst>
+        </pc:cxnChg>
+        <pc:cxnChg chg="mod topLvl">
+          <ac:chgData name="Judson Santiago" userId="ebb108da2f256286" providerId="LiveId" clId="{83FD7739-D505-4725-A985-EBCEAA38D47E}" dt="2021-09-22T18:50:20.571" v="220" actId="1076"/>
+          <ac:cxnSpMkLst>
+            <pc:docMk/>
+            <pc:sldMk cId="595529663" sldId="349"/>
+            <ac:cxnSpMk id="51" creationId="{29D291E9-21D9-483E-9BD1-8004DF1F34C8}"/>
+          </ac:cxnSpMkLst>
+        </pc:cxnChg>
+        <pc:cxnChg chg="mod topLvl">
+          <ac:chgData name="Judson Santiago" userId="ebb108da2f256286" providerId="LiveId" clId="{83FD7739-D505-4725-A985-EBCEAA38D47E}" dt="2021-09-22T18:50:20.571" v="220" actId="1076"/>
+          <ac:cxnSpMkLst>
+            <pc:docMk/>
+            <pc:sldMk cId="595529663" sldId="349"/>
+            <ac:cxnSpMk id="52" creationId="{41499995-0B6B-4628-97E6-7758C3E7BDC8}"/>
+          </ac:cxnSpMkLst>
+        </pc:cxnChg>
+        <pc:cxnChg chg="del mod topLvl">
+          <ac:chgData name="Judson Santiago" userId="ebb108da2f256286" providerId="LiveId" clId="{83FD7739-D505-4725-A985-EBCEAA38D47E}" dt="2021-09-22T18:52:01.561" v="242" actId="478"/>
+          <ac:cxnSpMkLst>
+            <pc:docMk/>
+            <pc:sldMk cId="595529663" sldId="349"/>
+            <ac:cxnSpMk id="55" creationId="{7EE7BA63-7781-452D-A304-D51E88A6660F}"/>
+          </ac:cxnSpMkLst>
+        </pc:cxnChg>
+        <pc:cxnChg chg="add del mod">
+          <ac:chgData name="Judson Santiago" userId="ebb108da2f256286" providerId="LiveId" clId="{83FD7739-D505-4725-A985-EBCEAA38D47E}" dt="2021-09-22T18:56:47.352" v="301" actId="21"/>
+          <ac:cxnSpMkLst>
+            <pc:docMk/>
+            <pc:sldMk cId="595529663" sldId="349"/>
+            <ac:cxnSpMk id="60" creationId="{EA78BE36-27E0-46A1-9BBD-ACB77CF7EFB0}"/>
+          </ac:cxnSpMkLst>
+        </pc:cxnChg>
+        <pc:cxnChg chg="add mod">
+          <ac:chgData name="Judson Santiago" userId="ebb108da2f256286" providerId="LiveId" clId="{83FD7739-D505-4725-A985-EBCEAA38D47E}" dt="2021-09-22T18:56:47.352" v="301" actId="21"/>
+          <ac:cxnSpMkLst>
+            <pc:docMk/>
+            <pc:sldMk cId="595529663" sldId="349"/>
+            <ac:cxnSpMk id="66" creationId="{BEA682C9-9FC2-47F1-82B6-B83C1CF89D05}"/>
+          </ac:cxnSpMkLst>
+        </pc:cxnChg>
+      </pc:sldChg>
+      <pc:sldChg chg="modSp mod modTransition">
+        <pc:chgData name="Judson Santiago" userId="ebb108da2f256286" providerId="LiveId" clId="{83FD7739-D505-4725-A985-EBCEAA38D47E}" dt="2021-09-22T22:36:37.118" v="427"/>
+        <pc:sldMkLst>
+          <pc:docMk/>
+          <pc:sldMk cId="2207807527" sldId="350"/>
+        </pc:sldMkLst>
+        <pc:spChg chg="mod">
+          <ac:chgData name="Judson Santiago" userId="ebb108da2f256286" providerId="LiveId" clId="{83FD7739-D505-4725-A985-EBCEAA38D47E}" dt="2021-09-22T19:04:09.794" v="363" actId="20577"/>
+          <ac:spMkLst>
+            <pc:docMk/>
+            <pc:sldMk cId="2207807527" sldId="350"/>
+            <ac:spMk id="2" creationId="{8631BD87-E73F-4BCD-8EAF-CA426C38DC1E}"/>
+          </ac:spMkLst>
+        </pc:spChg>
+        <pc:spChg chg="mod">
+          <ac:chgData name="Judson Santiago" userId="ebb108da2f256286" providerId="LiveId" clId="{83FD7739-D505-4725-A985-EBCEAA38D47E}" dt="2021-09-22T19:01:15.809" v="359" actId="6549"/>
+          <ac:spMkLst>
+            <pc:docMk/>
+            <pc:sldMk cId="2207807527" sldId="350"/>
+            <ac:spMk id="4" creationId="{A4479FD4-ED55-4E28-9D8B-BDB76B9C6297}"/>
+          </ac:spMkLst>
+        </pc:spChg>
+      </pc:sldChg>
+      <pc:sldChg chg="modSp mod ord modTransition">
+        <pc:chgData name="Judson Santiago" userId="ebb108da2f256286" providerId="LiveId" clId="{83FD7739-D505-4725-A985-EBCEAA38D47E}" dt="2021-09-22T22:36:37.118" v="427"/>
+        <pc:sldMkLst>
+          <pc:docMk/>
+          <pc:sldMk cId="3445707367" sldId="351"/>
+        </pc:sldMkLst>
+        <pc:spChg chg="mod">
+          <ac:chgData name="Judson Santiago" userId="ebb108da2f256286" providerId="LiveId" clId="{83FD7739-D505-4725-A985-EBCEAA38D47E}" dt="2021-09-22T19:05:46.659" v="368" actId="20577"/>
+          <ac:spMkLst>
+            <pc:docMk/>
+            <pc:sldMk cId="3445707367" sldId="351"/>
+            <ac:spMk id="2" creationId="{7A1C204A-D05D-4A2A-9E7A-7DB11602561E}"/>
+          </ac:spMkLst>
+        </pc:spChg>
+        <pc:spChg chg="mod">
+          <ac:chgData name="Judson Santiago" userId="ebb108da2f256286" providerId="LiveId" clId="{83FD7739-D505-4725-A985-EBCEAA38D47E}" dt="2021-09-22T19:05:54.206" v="373" actId="20577"/>
+          <ac:spMkLst>
+            <pc:docMk/>
+            <pc:sldMk cId="3445707367" sldId="351"/>
+            <ac:spMk id="4" creationId="{EDFDFC05-204E-4F2A-A55B-21DEC849004D}"/>
+          </ac:spMkLst>
+        </pc:spChg>
+      </pc:sldChg>
+      <pc:sldChg chg="modSp mod modTransition">
+        <pc:chgData name="Judson Santiago" userId="ebb108da2f256286" providerId="LiveId" clId="{83FD7739-D505-4725-A985-EBCEAA38D47E}" dt="2021-09-22T22:36:37.118" v="427"/>
+        <pc:sldMkLst>
+          <pc:docMk/>
+          <pc:sldMk cId="1402639054" sldId="352"/>
+        </pc:sldMkLst>
+        <pc:spChg chg="mod">
+          <ac:chgData name="Judson Santiago" userId="ebb108da2f256286" providerId="LiveId" clId="{83FD7739-D505-4725-A985-EBCEAA38D47E}" dt="2021-09-22T19:09:10.452" v="384" actId="20577"/>
+          <ac:spMkLst>
+            <pc:docMk/>
+            <pc:sldMk cId="1402639054" sldId="352"/>
+            <ac:spMk id="2" creationId="{DA9AFE49-355A-4C7C-8DDC-F9D60614348B}"/>
+          </ac:spMkLst>
+        </pc:spChg>
+        <pc:spChg chg="mod">
+          <ac:chgData name="Judson Santiago" userId="ebb108da2f256286" providerId="LiveId" clId="{83FD7739-D505-4725-A985-EBCEAA38D47E}" dt="2021-09-22T19:10:36.628" v="420" actId="20577"/>
+          <ac:spMkLst>
+            <pc:docMk/>
+            <pc:sldMk cId="1402639054" sldId="352"/>
+            <ac:spMk id="4" creationId="{A4572EB5-B11F-41FC-83F4-24BD05BEA306}"/>
+          </ac:spMkLst>
+        </pc:spChg>
+        <pc:spChg chg="mod">
+          <ac:chgData name="Judson Santiago" userId="ebb108da2f256286" providerId="LiveId" clId="{83FD7739-D505-4725-A985-EBCEAA38D47E}" dt="2021-09-22T19:09:15.554" v="385" actId="1076"/>
+          <ac:spMkLst>
+            <pc:docMk/>
+            <pc:sldMk cId="1402639054" sldId="352"/>
+            <ac:spMk id="5" creationId="{B49BCFF7-2135-45D0-B08A-88783A5CEC4A}"/>
+          </ac:spMkLst>
+        </pc:spChg>
+      </pc:sldChg>
+      <pc:sldChg chg="modTransition">
+        <pc:chgData name="Judson Santiago" userId="ebb108da2f256286" providerId="LiveId" clId="{83FD7739-D505-4725-A985-EBCEAA38D47E}" dt="2021-09-22T22:36:37.118" v="427"/>
+        <pc:sldMkLst>
+          <pc:docMk/>
+          <pc:sldMk cId="3526383362" sldId="353"/>
+        </pc:sldMkLst>
+      </pc:sldChg>
+      <pc:sldMasterChg chg="addSp delSp modSp mod modSldLayout">
+        <pc:chgData name="Judson Santiago" userId="ebb108da2f256286" providerId="LiveId" clId="{83FD7739-D505-4725-A985-EBCEAA38D47E}" dt="2021-09-22T19:39:24.915" v="426" actId="21"/>
+        <pc:sldMasterMkLst>
+          <pc:docMk/>
+          <pc:sldMasterMk cId="0" sldId="2147483780"/>
+        </pc:sldMasterMkLst>
+        <pc:spChg chg="del">
+          <ac:chgData name="Judson Santiago" userId="ebb108da2f256286" providerId="LiveId" clId="{83FD7739-D505-4725-A985-EBCEAA38D47E}" dt="2021-09-22T05:39:40.068" v="2" actId="478"/>
+          <ac:spMkLst>
+            <pc:docMk/>
+            <pc:sldMasterMk cId="0" sldId="2147483780"/>
+            <ac:spMk id="12" creationId="{00000000-0000-0000-0000-000000000000}"/>
+          </ac:spMkLst>
+        </pc:spChg>
+        <pc:spChg chg="del">
+          <ac:chgData name="Judson Santiago" userId="ebb108da2f256286" providerId="LiveId" clId="{83FD7739-D505-4725-A985-EBCEAA38D47E}" dt="2021-09-22T05:39:41.076" v="3" actId="478"/>
+          <ac:spMkLst>
+            <pc:docMk/>
+            <pc:sldMasterMk cId="0" sldId="2147483780"/>
+            <ac:spMk id="13" creationId="{00000000-0000-0000-0000-000000000000}"/>
+          </ac:spMkLst>
+        </pc:spChg>
+        <pc:spChg chg="del">
+          <ac:chgData name="Judson Santiago" userId="ebb108da2f256286" providerId="LiveId" clId="{83FD7739-D505-4725-A985-EBCEAA38D47E}" dt="2021-09-22T05:39:38.500" v="1" actId="478"/>
+          <ac:spMkLst>
+            <pc:docMk/>
+            <pc:sldMasterMk cId="0" sldId="2147483780"/>
+            <ac:spMk id="14" creationId="{00000000-0000-0000-0000-000000000000}"/>
+          </ac:spMkLst>
+        </pc:spChg>
+        <pc:spChg chg="mod">
+          <ac:chgData name="Judson Santiago" userId="ebb108da2f256286" providerId="LiveId" clId="{83FD7739-D505-4725-A985-EBCEAA38D47E}" dt="2021-09-19T21:54:56.352" v="0"/>
+          <ac:spMkLst>
+            <pc:docMk/>
+            <pc:sldMasterMk cId="0" sldId="2147483780"/>
+            <ac:spMk id="16" creationId="{BEAA896D-46FC-413E-BD6D-740030D7AA55}"/>
+          </ac:spMkLst>
+        </pc:spChg>
+        <pc:spChg chg="add mod ord">
+          <ac:chgData name="Judson Santiago" userId="ebb108da2f256286" providerId="LiveId" clId="{83FD7739-D505-4725-A985-EBCEAA38D47E}" dt="2021-09-22T05:39:54.914" v="5" actId="167"/>
+          <ac:spMkLst>
+            <pc:docMk/>
+            <pc:sldMasterMk cId="0" sldId="2147483780"/>
+            <ac:spMk id="17" creationId="{F0A8D50F-12D4-4E9A-9EDB-042F9A784E9D}"/>
+          </ac:spMkLst>
+        </pc:spChg>
+        <pc:spChg chg="mod">
+          <ac:chgData name="Judson Santiago" userId="ebb108da2f256286" providerId="LiveId" clId="{83FD7739-D505-4725-A985-EBCEAA38D47E}" dt="2021-09-22T05:39:42.987" v="4"/>
+          <ac:spMkLst>
+            <pc:docMk/>
+            <pc:sldMasterMk cId="0" sldId="2147483780"/>
+            <ac:spMk id="20" creationId="{CD1FDD5C-D142-4DAE-BBD9-F893766AA2B2}"/>
+          </ac:spMkLst>
+        </pc:spChg>
+        <pc:spChg chg="mod">
+          <ac:chgData name="Judson Santiago" userId="ebb108da2f256286" providerId="LiveId" clId="{83FD7739-D505-4725-A985-EBCEAA38D47E}" dt="2021-09-22T05:39:42.987" v="4"/>
+          <ac:spMkLst>
+            <pc:docMk/>
+            <pc:sldMasterMk cId="0" sldId="2147483780"/>
+            <ac:spMk id="21" creationId="{12CC344D-CDD6-4862-9F24-D8E10D28E8F6}"/>
+          </ac:spMkLst>
+        </pc:spChg>
+        <pc:spChg chg="mod">
+          <ac:chgData name="Judson Santiago" userId="ebb108da2f256286" providerId="LiveId" clId="{83FD7739-D505-4725-A985-EBCEAA38D47E}" dt="2021-09-22T05:39:42.987" v="4"/>
+          <ac:spMkLst>
+            <pc:docMk/>
+            <pc:sldMasterMk cId="0" sldId="2147483780"/>
+            <ac:spMk id="23" creationId="{A5A0BC08-22C4-47EF-942E-862015EFB097}"/>
+          </ac:spMkLst>
+        </pc:spChg>
+        <pc:grpChg chg="add del mod">
+          <ac:chgData name="Judson Santiago" userId="ebb108da2f256286" providerId="LiveId" clId="{83FD7739-D505-4725-A985-EBCEAA38D47E}" dt="2021-09-22T19:39:24.915" v="426" actId="21"/>
+          <ac:grpSpMkLst>
+            <pc:docMk/>
+            <pc:sldMasterMk cId="0" sldId="2147483780"/>
+            <ac:grpSpMk id="11" creationId="{03EE3295-0D5F-441B-AD16-41CD57262ACB}"/>
+          </ac:grpSpMkLst>
+        </pc:grpChg>
+        <pc:grpChg chg="add mod ord">
+          <ac:chgData name="Judson Santiago" userId="ebb108da2f256286" providerId="LiveId" clId="{83FD7739-D505-4725-A985-EBCEAA38D47E}" dt="2021-09-22T05:39:54.914" v="5" actId="167"/>
+          <ac:grpSpMkLst>
+            <pc:docMk/>
+            <pc:sldMasterMk cId="0" sldId="2147483780"/>
+            <ac:grpSpMk id="19" creationId="{C25853BF-1D12-40F4-9E4F-FBFC6C5B7F6B}"/>
+          </ac:grpSpMkLst>
+        </pc:grpChg>
+        <pc:picChg chg="mod">
+          <ac:chgData name="Judson Santiago" userId="ebb108da2f256286" providerId="LiveId" clId="{83FD7739-D505-4725-A985-EBCEAA38D47E}" dt="2021-09-19T21:54:56.352" v="0"/>
+          <ac:picMkLst>
+            <pc:docMk/>
+            <pc:sldMasterMk cId="0" sldId="2147483780"/>
+            <ac:picMk id="15" creationId="{60E03B77-0A12-403A-A045-787920271301}"/>
+          </ac:picMkLst>
+        </pc:picChg>
+        <pc:sldLayoutChg chg="addSp delSp modSp mod">
+          <pc:chgData name="Judson Santiago" userId="ebb108da2f256286" providerId="LiveId" clId="{83FD7739-D505-4725-A985-EBCEAA38D47E}" dt="2021-09-22T05:40:39.755" v="11" actId="167"/>
+          <pc:sldLayoutMkLst>
+            <pc:docMk/>
+            <pc:sldMasterMk cId="0" sldId="2147483780"/>
+            <pc:sldLayoutMk cId="0" sldId="2147483781"/>
+          </pc:sldLayoutMkLst>
+          <pc:spChg chg="mod">
+            <ac:chgData name="Judson Santiago" userId="ebb108da2f256286" providerId="LiveId" clId="{83FD7739-D505-4725-A985-EBCEAA38D47E}" dt="2021-09-22T05:40:31.888" v="10"/>
+            <ac:spMkLst>
+              <pc:docMk/>
+              <pc:sldMasterMk cId="0" sldId="2147483780"/>
+              <pc:sldLayoutMk cId="0" sldId="2147483781"/>
+              <ac:spMk id="10" creationId="{D2B592A1-D412-43B4-94A6-6B9522219B74}"/>
+            </ac:spMkLst>
+          </pc:spChg>
+          <pc:spChg chg="del">
+            <ac:chgData name="Judson Santiago" userId="ebb108da2f256286" providerId="LiveId" clId="{83FD7739-D505-4725-A985-EBCEAA38D47E}" dt="2021-09-22T05:40:22.324" v="9" actId="478"/>
+            <ac:spMkLst>
+              <pc:docMk/>
+              <pc:sldMasterMk cId="0" sldId="2147483780"/>
+              <pc:sldLayoutMk cId="0" sldId="2147483781"/>
+              <ac:spMk id="12" creationId="{7324CB5F-D67A-48D3-B993-C6490D8F0F9B}"/>
+            </ac:spMkLst>
+          </pc:spChg>
+          <pc:spChg chg="mod">
+            <ac:chgData name="Judson Santiago" userId="ebb108da2f256286" providerId="LiveId" clId="{83FD7739-D505-4725-A985-EBCEAA38D47E}" dt="2021-09-22T05:40:31.888" v="10"/>
+            <ac:spMkLst>
+              <pc:docMk/>
+              <pc:sldMasterMk cId="0" sldId="2147483780"/>
+              <pc:sldLayoutMk cId="0" sldId="2147483781"/>
+              <ac:spMk id="13" creationId="{46D639C4-2BE4-487D-9682-4ED887D4D6E7}"/>
+            </ac:spMkLst>
+          </pc:spChg>
+          <pc:spChg chg="mod">
+            <ac:chgData name="Judson Santiago" userId="ebb108da2f256286" providerId="LiveId" clId="{83FD7739-D505-4725-A985-EBCEAA38D47E}" dt="2021-09-22T05:40:31.888" v="10"/>
+            <ac:spMkLst>
+              <pc:docMk/>
+              <pc:sldMasterMk cId="0" sldId="2147483780"/>
+              <pc:sldLayoutMk cId="0" sldId="2147483781"/>
+              <ac:spMk id="14" creationId="{BA51298A-DB35-41CE-A316-FF5521C73CA9}"/>
+            </ac:spMkLst>
+          </pc:spChg>
+          <pc:spChg chg="mod">
+            <ac:chgData name="Judson Santiago" userId="ebb108da2f256286" providerId="LiveId" clId="{83FD7739-D505-4725-A985-EBCEAA38D47E}" dt="2021-09-22T05:40:31.888" v="10"/>
+            <ac:spMkLst>
+              <pc:docMk/>
+              <pc:sldMasterMk cId="0" sldId="2147483780"/>
+              <pc:sldLayoutMk cId="0" sldId="2147483781"/>
+              <ac:spMk id="15" creationId="{F51D75E1-D8F4-4895-8ECA-A235E8937C0B}"/>
+            </ac:spMkLst>
+          </pc:spChg>
+          <pc:spChg chg="mod">
+            <ac:chgData name="Judson Santiago" userId="ebb108da2f256286" providerId="LiveId" clId="{83FD7739-D505-4725-A985-EBCEAA38D47E}" dt="2021-09-22T05:40:31.888" v="10"/>
+            <ac:spMkLst>
+              <pc:docMk/>
+              <pc:sldMasterMk cId="0" sldId="2147483780"/>
+              <pc:sldLayoutMk cId="0" sldId="2147483781"/>
+              <ac:spMk id="17" creationId="{C5FE71F8-A577-40B9-BF65-A13233103BE0}"/>
+            </ac:spMkLst>
+          </pc:spChg>
+          <pc:spChg chg="del">
+            <ac:chgData name="Judson Santiago" userId="ebb108da2f256286" providerId="LiveId" clId="{83FD7739-D505-4725-A985-EBCEAA38D47E}" dt="2021-09-22T05:40:17.981" v="6" actId="478"/>
+            <ac:spMkLst>
+              <pc:docMk/>
+              <pc:sldMasterMk cId="0" sldId="2147483780"/>
+              <pc:sldLayoutMk cId="0" sldId="2147483781"/>
+              <ac:spMk id="18" creationId="{98B2195E-138A-44E4-B87B-0704CEF02590}"/>
+            </ac:spMkLst>
+          </pc:spChg>
+          <pc:spChg chg="mod">
+            <ac:chgData name="Judson Santiago" userId="ebb108da2f256286" providerId="LiveId" clId="{83FD7739-D505-4725-A985-EBCEAA38D47E}" dt="2021-09-22T05:40:31.888" v="10"/>
+            <ac:spMkLst>
+              <pc:docMk/>
+              <pc:sldMasterMk cId="0" sldId="2147483780"/>
+              <pc:sldLayoutMk cId="0" sldId="2147483781"/>
+              <ac:spMk id="19" creationId="{B145E670-F511-447E-8BD0-B5174ACC6E0B}"/>
+            </ac:spMkLst>
+          </pc:spChg>
+          <pc:spChg chg="del">
+            <ac:chgData name="Judson Santiago" userId="ebb108da2f256286" providerId="LiveId" clId="{83FD7739-D505-4725-A985-EBCEAA38D47E}" dt="2021-09-22T05:40:20.084" v="7" actId="478"/>
+            <ac:spMkLst>
+              <pc:docMk/>
+              <pc:sldMasterMk cId="0" sldId="2147483780"/>
+              <pc:sldLayoutMk cId="0" sldId="2147483781"/>
+              <ac:spMk id="21" creationId="{5F9F209C-0402-4EA6-B176-57AC70F88A3C}"/>
+            </ac:spMkLst>
+          </pc:spChg>
+          <pc:spChg chg="del">
+            <ac:chgData name="Judson Santiago" userId="ebb108da2f256286" providerId="LiveId" clId="{83FD7739-D505-4725-A985-EBCEAA38D47E}" dt="2021-09-22T05:40:21.412" v="8" actId="478"/>
+            <ac:spMkLst>
+              <pc:docMk/>
+              <pc:sldMasterMk cId="0" sldId="2147483780"/>
+              <pc:sldLayoutMk cId="0" sldId="2147483781"/>
+              <ac:spMk id="22" creationId="{C1BCEA78-C28C-4FCD-9C09-8ED7BAF35E06}"/>
+            </ac:spMkLst>
+          </pc:spChg>
+          <pc:grpChg chg="add mod ord">
+            <ac:chgData name="Judson Santiago" userId="ebb108da2f256286" providerId="LiveId" clId="{83FD7739-D505-4725-A985-EBCEAA38D47E}" dt="2021-09-22T05:40:39.755" v="11" actId="167"/>
+            <ac:grpSpMkLst>
+              <pc:docMk/>
+              <pc:sldMasterMk cId="0" sldId="2147483780"/>
+              <pc:sldLayoutMk cId="0" sldId="2147483781"/>
+              <ac:grpSpMk id="9" creationId="{E145B446-95BE-4B74-BB42-3770296FA397}"/>
+            </ac:grpSpMkLst>
+          </pc:grpChg>
+          <pc:grpChg chg="add mod ord">
+            <ac:chgData name="Judson Santiago" userId="ebb108da2f256286" providerId="LiveId" clId="{83FD7739-D505-4725-A985-EBCEAA38D47E}" dt="2021-09-22T05:40:39.755" v="11" actId="167"/>
+            <ac:grpSpMkLst>
+              <pc:docMk/>
+              <pc:sldMasterMk cId="0" sldId="2147483780"/>
+              <pc:sldLayoutMk cId="0" sldId="2147483781"/>
+              <ac:grpSpMk id="16" creationId="{C3167270-73CA-4A82-AC23-BE6681A12D8D}"/>
+            </ac:grpSpMkLst>
+          </pc:grpChg>
+        </pc:sldLayoutChg>
+      </pc:sldMasterChg>
     </pc:docChg>
   </pc:docChgLst>
   <pc:docChgLst>
@@ -933,7 +1904,7 @@
             <a:fld id="{4C457FC9-8E1D-4A40-BFF1-0E630693B1AB}" type="datetimeFigureOut">
               <a:rPr lang="pt-BR" smtClean="0"/>
               <a:pPr/>
-              <a:t>03/07/2019</a:t>
+              <a:t>22/09/2021</a:t>
             </a:fld>
             <a:endParaRPr lang="pt-BR"/>
           </a:p>
@@ -1449,6 +2420,593 @@
           <a:chExt cx="0" cy="0"/>
         </a:xfrm>
       </p:grpSpPr>
+      <p:grpSp>
+        <p:nvGrpSpPr>
+          <p:cNvPr id="9" name="Agrupar 8">
+            <a:extLst>
+              <a:ext uri="{FF2B5EF4-FFF2-40B4-BE49-F238E27FC236}">
+                <a16:creationId xmlns:a16="http://schemas.microsoft.com/office/drawing/2014/main" id="{E145B446-95BE-4B74-BB42-3770296FA397}"/>
+              </a:ext>
+            </a:extLst>
+          </p:cNvPr>
+          <p:cNvGrpSpPr/>
+          <p:nvPr userDrawn="1"/>
+        </p:nvGrpSpPr>
+        <p:grpSpPr>
+          <a:xfrm>
+            <a:off x="-2" y="5142592"/>
+            <a:ext cx="12192002" cy="1728726"/>
+            <a:chOff x="-2" y="5142592"/>
+            <a:chExt cx="12192002" cy="1728726"/>
+          </a:xfrm>
+        </p:grpSpPr>
+        <p:sp>
+          <p:nvSpPr>
+            <p:cNvPr id="10" name="Triângulo retângulo 13">
+              <a:extLst>
+                <a:ext uri="{FF2B5EF4-FFF2-40B4-BE49-F238E27FC236}">
+                  <a16:creationId xmlns:a16="http://schemas.microsoft.com/office/drawing/2014/main" id="{D2B592A1-D412-43B4-94A6-6B9522219B74}"/>
+                </a:ext>
+              </a:extLst>
+            </p:cNvPr>
+            <p:cNvSpPr>
+              <a:spLocks/>
+            </p:cNvSpPr>
+            <p:nvPr userDrawn="1"/>
+          </p:nvSpPr>
+          <p:spPr bwMode="auto">
+            <a:xfrm>
+              <a:off x="-2" y="5142592"/>
+              <a:ext cx="9192346" cy="1715408"/>
+            </a:xfrm>
+            <a:prstGeom prst="rtTriangle">
+              <a:avLst/>
+            </a:prstGeom>
+            <a:blipFill>
+              <a:blip r:embed="rId2">
+                <a:alphaModFix amt="50000"/>
+              </a:blip>
+              <a:tile tx="0" ty="0" sx="50000" sy="50000" flip="none" algn="t"/>
+            </a:blipFill>
+            <a:ln w="12700" cap="rnd" cmpd="thickThin" algn="ctr">
+              <a:noFill/>
+              <a:prstDash val="solid"/>
+            </a:ln>
+            <a:effectLst>
+              <a:fillOverlay blend="mult">
+                <a:gradFill flip="none" rotWithShape="1">
+                  <a:gsLst>
+                    <a:gs pos="0">
+                      <a:schemeClr val="accent1">
+                        <a:shade val="20000"/>
+                        <a:satMod val="176000"/>
+                        <a:alpha val="100000"/>
+                      </a:schemeClr>
+                    </a:gs>
+                    <a:gs pos="18000">
+                      <a:schemeClr val="accent1">
+                        <a:shade val="48000"/>
+                        <a:satMod val="153000"/>
+                        <a:alpha val="100000"/>
+                      </a:schemeClr>
+                    </a:gs>
+                    <a:gs pos="43000">
+                      <a:schemeClr val="accent1">
+                        <a:tint val="86000"/>
+                        <a:satMod val="149000"/>
+                        <a:alpha val="100000"/>
+                      </a:schemeClr>
+                    </a:gs>
+                    <a:gs pos="45000">
+                      <a:schemeClr val="accent1">
+                        <a:tint val="85000"/>
+                        <a:satMod val="150000"/>
+                        <a:alpha val="100000"/>
+                      </a:schemeClr>
+                    </a:gs>
+                    <a:gs pos="50000">
+                      <a:schemeClr val="accent1">
+                        <a:tint val="86000"/>
+                        <a:satMod val="149000"/>
+                        <a:alpha val="100000"/>
+                      </a:schemeClr>
+                    </a:gs>
+                    <a:gs pos="79000">
+                      <a:schemeClr val="accent1">
+                        <a:shade val="53000"/>
+                        <a:satMod val="150000"/>
+                        <a:alpha val="100000"/>
+                      </a:schemeClr>
+                    </a:gs>
+                    <a:gs pos="100000">
+                      <a:schemeClr val="accent1">
+                        <a:shade val="25000"/>
+                        <a:satMod val="170000"/>
+                        <a:alpha val="100000"/>
+                      </a:schemeClr>
+                    </a:gs>
+                  </a:gsLst>
+                  <a:lin ang="450000" scaled="1"/>
+                  <a:tileRect/>
+                </a:gradFill>
+              </a:fillOverlay>
+            </a:effectLst>
+          </p:spPr>
+          <p:style>
+            <a:lnRef idx="3">
+              <a:schemeClr val="lt1"/>
+            </a:lnRef>
+            <a:fillRef idx="1">
+              <a:schemeClr val="accent1"/>
+            </a:fillRef>
+            <a:effectRef idx="1">
+              <a:schemeClr val="accent1"/>
+            </a:effectRef>
+            <a:fontRef idx="minor">
+              <a:schemeClr val="lt1"/>
+            </a:fontRef>
+          </p:style>
+          <p:txBody>
+            <a:bodyPr vert="horz" wrap="square" lIns="91440" tIns="45720" rIns="91440" bIns="45720" anchor="ctr" compatLnSpc="1"/>
+            <a:lstStyle/>
+            <a:p>
+              <a:pPr algn="ctr" eaLnBrk="1" latinLnBrk="0" hangingPunct="1"/>
+              <a:endParaRPr kumimoji="0" lang="en-US" sz="1800" dirty="0"/>
+            </a:p>
+          </p:txBody>
+        </p:sp>
+        <p:sp>
+          <p:nvSpPr>
+            <p:cNvPr id="13" name="Forma livre 12">
+              <a:extLst>
+                <a:ext uri="{FF2B5EF4-FFF2-40B4-BE49-F238E27FC236}">
+                  <a16:creationId xmlns:a16="http://schemas.microsoft.com/office/drawing/2014/main" id="{46D639C4-2BE4-487D-9682-4ED887D4D6E7}"/>
+                </a:ext>
+              </a:extLst>
+            </p:cNvPr>
+            <p:cNvSpPr>
+              <a:spLocks/>
+            </p:cNvSpPr>
+            <p:nvPr userDrawn="1"/>
+          </p:nvSpPr>
+          <p:spPr bwMode="auto">
+            <a:xfrm>
+              <a:off x="-2" y="5186981"/>
+              <a:ext cx="12192002" cy="1671020"/>
+            </a:xfrm>
+            <a:custGeom>
+              <a:avLst>
+                <a:gd name="A1" fmla="val 0"/>
+                <a:gd name="A2" fmla="val 0"/>
+                <a:gd name="A3" fmla="val 0"/>
+                <a:gd name="A4" fmla="val 0"/>
+                <a:gd name="A5" fmla="val 0"/>
+                <a:gd name="A6" fmla="val 0"/>
+                <a:gd name="A7" fmla="val 0"/>
+                <a:gd name="A8" fmla="val 0"/>
+              </a:avLst>
+              <a:gdLst/>
+              <a:ahLst/>
+              <a:cxnLst>
+                <a:cxn ang="0">
+                  <a:pos x="0" y="0"/>
+                </a:cxn>
+                <a:cxn ang="0">
+                  <a:pos x="5760" y="0"/>
+                </a:cxn>
+                <a:cxn ang="0">
+                  <a:pos x="5760" y="528"/>
+                </a:cxn>
+                <a:cxn ang="0">
+                  <a:pos x="48" y="0"/>
+                </a:cxn>
+              </a:cxnLst>
+              <a:rect l="0" t="0" r="0" b="0"/>
+              <a:pathLst>
+                <a:path w="7485" h="337">
+                  <a:moveTo>
+                    <a:pt x="0" y="2"/>
+                  </a:moveTo>
+                  <a:lnTo>
+                    <a:pt x="7485" y="337"/>
+                  </a:lnTo>
+                  <a:lnTo>
+                    <a:pt x="5558" y="337"/>
+                  </a:lnTo>
+                  <a:lnTo>
+                    <a:pt x="1" y="0"/>
+                  </a:lnTo>
+                </a:path>
+              </a:pathLst>
+            </a:custGeom>
+            <a:solidFill>
+              <a:schemeClr val="accent1">
+                <a:tint val="65000"/>
+                <a:satMod val="115000"/>
+                <a:alpha val="40000"/>
+              </a:schemeClr>
+            </a:solidFill>
+            <a:ln w="9525" cap="flat" cmpd="sng" algn="ctr">
+              <a:noFill/>
+              <a:prstDash val="solid"/>
+              <a:round/>
+              <a:headEnd type="none" w="med" len="med"/>
+              <a:tailEnd type="none" w="med" len="med"/>
+            </a:ln>
+            <a:effectLst/>
+          </p:spPr>
+          <p:txBody>
+            <a:bodyPr vert="horz" wrap="square" lIns="91440" tIns="45720" rIns="91440" bIns="45720" anchor="t" compatLnSpc="1"/>
+            <a:lstStyle/>
+            <a:p>
+              <a:endParaRPr kumimoji="0" lang="en-US" sz="1800"/>
+            </a:p>
+          </p:txBody>
+        </p:sp>
+        <p:sp>
+          <p:nvSpPr>
+            <p:cNvPr id="14" name="TextBox 20">
+              <a:extLst>
+                <a:ext uri="{FF2B5EF4-FFF2-40B4-BE49-F238E27FC236}">
+                  <a16:creationId xmlns:a16="http://schemas.microsoft.com/office/drawing/2014/main" id="{BA51298A-DB35-41CE-A316-FF5521C73CA9}"/>
+                </a:ext>
+              </a:extLst>
+            </p:cNvPr>
+            <p:cNvSpPr txBox="1"/>
+            <p:nvPr userDrawn="1"/>
+          </p:nvSpPr>
+          <p:spPr>
+            <a:xfrm>
+              <a:off x="983432" y="6274667"/>
+              <a:ext cx="2877344" cy="369332"/>
+            </a:xfrm>
+            <a:prstGeom prst="rect">
+              <a:avLst/>
+            </a:prstGeom>
+            <a:noFill/>
+          </p:spPr>
+          <p:txBody>
+            <a:bodyPr wrap="square" rtlCol="0">
+              <a:spAutoFit/>
+            </a:bodyPr>
+            <a:lstStyle/>
+            <a:p>
+              <a:pPr algn="r"/>
+              <a:r>
+                <a:rPr lang="pt-BR" sz="1800" b="1" dirty="0">
+                  <a:solidFill>
+                    <a:schemeClr val="tx1"/>
+                  </a:solidFill>
+                </a:rPr>
+                <a:t>Judson</a:t>
+              </a:r>
+              <a:r>
+                <a:rPr lang="pt-BR" sz="1800" b="1" baseline="0" dirty="0">
+                  <a:solidFill>
+                    <a:schemeClr val="tx1"/>
+                  </a:solidFill>
+                </a:rPr>
+                <a:t> Santos Santiago</a:t>
+              </a:r>
+              <a:endParaRPr lang="pt-BR" sz="1800" b="1" dirty="0">
+                <a:solidFill>
+                  <a:schemeClr val="tx1"/>
+                </a:solidFill>
+              </a:endParaRPr>
+            </a:p>
+          </p:txBody>
+        </p:sp>
+        <p:sp>
+          <p:nvSpPr>
+            <p:cNvPr id="15" name="Forma livre 11">
+              <a:extLst>
+                <a:ext uri="{FF2B5EF4-FFF2-40B4-BE49-F238E27FC236}">
+                  <a16:creationId xmlns:a16="http://schemas.microsoft.com/office/drawing/2014/main" id="{F51D75E1-D8F4-4895-8ECA-A235E8937C0B}"/>
+                </a:ext>
+              </a:extLst>
+            </p:cNvPr>
+            <p:cNvSpPr>
+              <a:spLocks/>
+            </p:cNvSpPr>
+            <p:nvPr userDrawn="1"/>
+          </p:nvSpPr>
+          <p:spPr bwMode="auto">
+            <a:xfrm>
+              <a:off x="-2" y="5142592"/>
+              <a:ext cx="9408370" cy="1728726"/>
+            </a:xfrm>
+            <a:custGeom>
+              <a:avLst>
+                <a:gd name="A1" fmla="val 0"/>
+                <a:gd name="A2" fmla="val 0"/>
+                <a:gd name="A3" fmla="val 0"/>
+                <a:gd name="A4" fmla="val 0"/>
+                <a:gd name="A5" fmla="val 0"/>
+                <a:gd name="A6" fmla="val 0"/>
+                <a:gd name="A7" fmla="val 0"/>
+                <a:gd name="A8" fmla="val 0"/>
+              </a:avLst>
+              <a:gdLst/>
+              <a:ahLst/>
+              <a:cxnLst>
+                <a:cxn ang="0">
+                  <a:pos x="0" y="0"/>
+                </a:cxn>
+                <a:cxn ang="0">
+                  <a:pos x="5760" y="0"/>
+                </a:cxn>
+                <a:cxn ang="0">
+                  <a:pos x="5760" y="528"/>
+                </a:cxn>
+                <a:cxn ang="0">
+                  <a:pos x="48" y="0"/>
+                </a:cxn>
+              </a:cxnLst>
+              <a:rect l="0" t="0" r="0" b="0"/>
+              <a:pathLst>
+                <a:path w="5591" h="588">
+                  <a:moveTo>
+                    <a:pt x="0" y="0"/>
+                  </a:moveTo>
+                  <a:lnTo>
+                    <a:pt x="5591" y="585"/>
+                  </a:lnTo>
+                  <a:lnTo>
+                    <a:pt x="4415" y="588"/>
+                  </a:lnTo>
+                  <a:lnTo>
+                    <a:pt x="12" y="4"/>
+                  </a:lnTo>
+                </a:path>
+              </a:pathLst>
+            </a:custGeom>
+            <a:solidFill>
+              <a:srgbClr val="000000">
+                <a:alpha val="100000"/>
+              </a:srgbClr>
+            </a:solidFill>
+            <a:ln w="9525" cap="flat" cmpd="sng" algn="ctr">
+              <a:noFill/>
+              <a:prstDash val="solid"/>
+              <a:round/>
+              <a:headEnd type="none" w="med" len="med"/>
+              <a:tailEnd type="none" w="med" len="med"/>
+            </a:ln>
+            <a:effectLst/>
+          </p:spPr>
+          <p:txBody>
+            <a:bodyPr vert="horz" wrap="square" lIns="91440" tIns="45720" rIns="91440" bIns="45720" anchor="t" compatLnSpc="1"/>
+            <a:lstStyle/>
+            <a:p>
+              <a:endParaRPr kumimoji="0" lang="en-US" sz="1800"/>
+            </a:p>
+          </p:txBody>
+        </p:sp>
+      </p:grpSp>
+      <p:grpSp>
+        <p:nvGrpSpPr>
+          <p:cNvPr id="16" name="Agrupar 15">
+            <a:extLst>
+              <a:ext uri="{FF2B5EF4-FFF2-40B4-BE49-F238E27FC236}">
+                <a16:creationId xmlns:a16="http://schemas.microsoft.com/office/drawing/2014/main" id="{C3167270-73CA-4A82-AC23-BE6681A12D8D}"/>
+              </a:ext>
+            </a:extLst>
+          </p:cNvPr>
+          <p:cNvGrpSpPr/>
+          <p:nvPr userDrawn="1"/>
+        </p:nvGrpSpPr>
+        <p:grpSpPr>
+          <a:xfrm>
+            <a:off x="-2" y="-5"/>
+            <a:ext cx="12192002" cy="892457"/>
+            <a:chOff x="-2" y="-5"/>
+            <a:chExt cx="12192002" cy="892457"/>
+          </a:xfrm>
+        </p:grpSpPr>
+        <p:sp>
+          <p:nvSpPr>
+            <p:cNvPr id="17" name="Triângulo retângulo 13">
+              <a:extLst>
+                <a:ext uri="{FF2B5EF4-FFF2-40B4-BE49-F238E27FC236}">
+                  <a16:creationId xmlns:a16="http://schemas.microsoft.com/office/drawing/2014/main" id="{C5FE71F8-A577-40B9-BF65-A13233103BE0}"/>
+                </a:ext>
+              </a:extLst>
+            </p:cNvPr>
+            <p:cNvSpPr>
+              <a:spLocks/>
+            </p:cNvSpPr>
+            <p:nvPr userDrawn="1"/>
+          </p:nvSpPr>
+          <p:spPr bwMode="auto">
+            <a:xfrm rot="10800000" flipH="1">
+              <a:off x="0" y="-5"/>
+              <a:ext cx="6600056" cy="836713"/>
+            </a:xfrm>
+            <a:prstGeom prst="rtTriangle">
+              <a:avLst/>
+            </a:prstGeom>
+            <a:blipFill>
+              <a:blip r:embed="rId2">
+                <a:alphaModFix amt="50000"/>
+              </a:blip>
+              <a:tile tx="0" ty="0" sx="50000" sy="50000" flip="none" algn="t"/>
+            </a:blipFill>
+            <a:ln w="12700" cap="rnd" cmpd="thickThin" algn="ctr">
+              <a:noFill/>
+              <a:prstDash val="solid"/>
+            </a:ln>
+            <a:effectLst>
+              <a:fillOverlay blend="mult">
+                <a:gradFill flip="none" rotWithShape="1">
+                  <a:gsLst>
+                    <a:gs pos="0">
+                      <a:schemeClr val="accent1">
+                        <a:shade val="20000"/>
+                        <a:satMod val="176000"/>
+                        <a:alpha val="100000"/>
+                      </a:schemeClr>
+                    </a:gs>
+                    <a:gs pos="18000">
+                      <a:schemeClr val="accent1">
+                        <a:shade val="48000"/>
+                        <a:satMod val="153000"/>
+                        <a:alpha val="100000"/>
+                      </a:schemeClr>
+                    </a:gs>
+                    <a:gs pos="43000">
+                      <a:schemeClr val="accent1">
+                        <a:tint val="86000"/>
+                        <a:satMod val="149000"/>
+                        <a:alpha val="100000"/>
+                      </a:schemeClr>
+                    </a:gs>
+                    <a:gs pos="45000">
+                      <a:schemeClr val="accent1">
+                        <a:tint val="85000"/>
+                        <a:satMod val="150000"/>
+                        <a:alpha val="100000"/>
+                      </a:schemeClr>
+                    </a:gs>
+                    <a:gs pos="50000">
+                      <a:schemeClr val="accent1">
+                        <a:tint val="86000"/>
+                        <a:satMod val="149000"/>
+                        <a:alpha val="100000"/>
+                      </a:schemeClr>
+                    </a:gs>
+                    <a:gs pos="79000">
+                      <a:schemeClr val="accent1">
+                        <a:shade val="53000"/>
+                        <a:satMod val="150000"/>
+                        <a:alpha val="100000"/>
+                      </a:schemeClr>
+                    </a:gs>
+                    <a:gs pos="100000">
+                      <a:schemeClr val="accent1">
+                        <a:shade val="25000"/>
+                        <a:satMod val="170000"/>
+                        <a:alpha val="100000"/>
+                      </a:schemeClr>
+                    </a:gs>
+                  </a:gsLst>
+                  <a:lin ang="450000" scaled="1"/>
+                  <a:tileRect/>
+                </a:gradFill>
+              </a:fillOverlay>
+            </a:effectLst>
+          </p:spPr>
+          <p:style>
+            <a:lnRef idx="3">
+              <a:schemeClr val="lt1"/>
+            </a:lnRef>
+            <a:fillRef idx="1">
+              <a:schemeClr val="accent1"/>
+            </a:fillRef>
+            <a:effectRef idx="1">
+              <a:schemeClr val="accent1"/>
+            </a:effectRef>
+            <a:fontRef idx="minor">
+              <a:schemeClr val="lt1"/>
+            </a:fontRef>
+          </p:style>
+          <p:txBody>
+            <a:bodyPr vert="horz" wrap="square" lIns="91440" tIns="45720" rIns="91440" bIns="45720" anchor="ctr" compatLnSpc="1"/>
+            <a:lstStyle/>
+            <a:p>
+              <a:pPr algn="ctr" eaLnBrk="1" latinLnBrk="0" hangingPunct="1"/>
+              <a:endParaRPr kumimoji="0" lang="en-US" sz="1800"/>
+            </a:p>
+          </p:txBody>
+        </p:sp>
+        <p:sp>
+          <p:nvSpPr>
+            <p:cNvPr id="19" name="Forma livre 12">
+              <a:extLst>
+                <a:ext uri="{FF2B5EF4-FFF2-40B4-BE49-F238E27FC236}">
+                  <a16:creationId xmlns:a16="http://schemas.microsoft.com/office/drawing/2014/main" id="{B145E670-F511-447E-8BD0-B5174ACC6E0B}"/>
+                </a:ext>
+              </a:extLst>
+            </p:cNvPr>
+            <p:cNvSpPr>
+              <a:spLocks/>
+            </p:cNvSpPr>
+            <p:nvPr userDrawn="1"/>
+          </p:nvSpPr>
+          <p:spPr bwMode="auto">
+            <a:xfrm flipV="1">
+              <a:off x="-2" y="0"/>
+              <a:ext cx="12192002" cy="892452"/>
+            </a:xfrm>
+            <a:custGeom>
+              <a:avLst>
+                <a:gd name="A1" fmla="val 0"/>
+                <a:gd name="A2" fmla="val 0"/>
+                <a:gd name="A3" fmla="val 0"/>
+                <a:gd name="A4" fmla="val 0"/>
+                <a:gd name="A5" fmla="val 0"/>
+                <a:gd name="A6" fmla="val 0"/>
+                <a:gd name="A7" fmla="val 0"/>
+                <a:gd name="A8" fmla="val 0"/>
+              </a:avLst>
+              <a:gdLst/>
+              <a:ahLst/>
+              <a:cxnLst>
+                <a:cxn ang="0">
+                  <a:pos x="0" y="0"/>
+                </a:cxn>
+                <a:cxn ang="0">
+                  <a:pos x="5760" y="0"/>
+                </a:cxn>
+                <a:cxn ang="0">
+                  <a:pos x="5760" y="528"/>
+                </a:cxn>
+                <a:cxn ang="0">
+                  <a:pos x="48" y="0"/>
+                </a:cxn>
+              </a:cxnLst>
+              <a:rect l="0" t="0" r="0" b="0"/>
+              <a:pathLst>
+                <a:path w="7485" h="337">
+                  <a:moveTo>
+                    <a:pt x="0" y="2"/>
+                  </a:moveTo>
+                  <a:lnTo>
+                    <a:pt x="7485" y="337"/>
+                  </a:lnTo>
+                  <a:lnTo>
+                    <a:pt x="5558" y="337"/>
+                  </a:lnTo>
+                  <a:lnTo>
+                    <a:pt x="1" y="0"/>
+                  </a:lnTo>
+                </a:path>
+              </a:pathLst>
+            </a:custGeom>
+            <a:solidFill>
+              <a:schemeClr val="accent1">
+                <a:tint val="65000"/>
+                <a:satMod val="115000"/>
+                <a:alpha val="40000"/>
+              </a:schemeClr>
+            </a:solidFill>
+            <a:ln w="9525" cap="flat" cmpd="sng" algn="ctr">
+              <a:noFill/>
+              <a:prstDash val="solid"/>
+              <a:round/>
+              <a:headEnd type="none" w="med" len="med"/>
+              <a:tailEnd type="none" w="med" len="med"/>
+            </a:ln>
+            <a:effectLst/>
+          </p:spPr>
+          <p:txBody>
+            <a:bodyPr vert="horz" wrap="square" lIns="91440" tIns="45720" rIns="91440" bIns="45720" anchor="t" compatLnSpc="1"/>
+            <a:lstStyle/>
+            <a:p>
+              <a:endParaRPr kumimoji="0" lang="en-US" sz="1800"/>
+            </a:p>
+          </p:txBody>
+        </p:sp>
+      </p:grpSp>
       <p:sp>
         <p:nvSpPr>
           <p:cNvPr id="11" name="Triângulo retângulo 9">
@@ -1527,348 +3085,6 @@
       </p:sp>
       <p:sp>
         <p:nvSpPr>
-          <p:cNvPr id="12" name="Forma livre 12">
-            <a:extLst>
-              <a:ext uri="{FF2B5EF4-FFF2-40B4-BE49-F238E27FC236}">
-                <a16:creationId xmlns:a16="http://schemas.microsoft.com/office/drawing/2014/main" id="{7324CB5F-D67A-48D3-B993-C6490D8F0F9B}"/>
-              </a:ext>
-            </a:extLst>
-          </p:cNvPr>
-          <p:cNvSpPr>
-            <a:spLocks/>
-          </p:cNvSpPr>
-          <p:nvPr userDrawn="1"/>
-        </p:nvSpPr>
-        <p:spPr bwMode="auto">
-          <a:xfrm>
-            <a:off x="-2" y="5186981"/>
-            <a:ext cx="12192002" cy="1671020"/>
-          </a:xfrm>
-          <a:custGeom>
-            <a:avLst>
-              <a:gd name="A1" fmla="val 0"/>
-              <a:gd name="A2" fmla="val 0"/>
-              <a:gd name="A3" fmla="val 0"/>
-              <a:gd name="A4" fmla="val 0"/>
-              <a:gd name="A5" fmla="val 0"/>
-              <a:gd name="A6" fmla="val 0"/>
-              <a:gd name="A7" fmla="val 0"/>
-              <a:gd name="A8" fmla="val 0"/>
-            </a:avLst>
-            <a:gdLst/>
-            <a:ahLst/>
-            <a:cxnLst>
-              <a:cxn ang="0">
-                <a:pos x="0" y="0"/>
-              </a:cxn>
-              <a:cxn ang="0">
-                <a:pos x="5760" y="0"/>
-              </a:cxn>
-              <a:cxn ang="0">
-                <a:pos x="5760" y="528"/>
-              </a:cxn>
-              <a:cxn ang="0">
-                <a:pos x="48" y="0"/>
-              </a:cxn>
-            </a:cxnLst>
-            <a:rect l="0" t="0" r="0" b="0"/>
-            <a:pathLst>
-              <a:path w="7485" h="337">
-                <a:moveTo>
-                  <a:pt x="0" y="2"/>
-                </a:moveTo>
-                <a:lnTo>
-                  <a:pt x="7485" y="337"/>
-                </a:lnTo>
-                <a:lnTo>
-                  <a:pt x="5558" y="337"/>
-                </a:lnTo>
-                <a:lnTo>
-                  <a:pt x="1" y="0"/>
-                </a:lnTo>
-              </a:path>
-            </a:pathLst>
-          </a:custGeom>
-          <a:solidFill>
-            <a:schemeClr val="accent1">
-              <a:tint val="65000"/>
-              <a:satMod val="115000"/>
-              <a:alpha val="40000"/>
-            </a:schemeClr>
-          </a:solidFill>
-          <a:ln w="9525" cap="flat" cmpd="sng" algn="ctr">
-            <a:noFill/>
-            <a:prstDash val="solid"/>
-            <a:round/>
-            <a:headEnd type="none" w="med" len="med"/>
-            <a:tailEnd type="none" w="med" len="med"/>
-          </a:ln>
-          <a:effectLst/>
-        </p:spPr>
-        <p:txBody>
-          <a:bodyPr vert="horz" wrap="square" lIns="91440" tIns="45720" rIns="91440" bIns="45720" anchor="t" compatLnSpc="1"/>
-          <a:lstStyle/>
-          <a:p>
-            <a:endParaRPr kumimoji="0" lang="en-US" sz="1800"/>
-          </a:p>
-        </p:txBody>
-      </p:sp>
-      <p:sp>
-        <p:nvSpPr>
-          <p:cNvPr id="18" name="Triângulo retângulo 13">
-            <a:extLst>
-              <a:ext uri="{FF2B5EF4-FFF2-40B4-BE49-F238E27FC236}">
-                <a16:creationId xmlns:a16="http://schemas.microsoft.com/office/drawing/2014/main" id="{98B2195E-138A-44E4-B87B-0704CEF02590}"/>
-              </a:ext>
-            </a:extLst>
-          </p:cNvPr>
-          <p:cNvSpPr>
-            <a:spLocks/>
-          </p:cNvSpPr>
-          <p:nvPr userDrawn="1"/>
-        </p:nvSpPr>
-        <p:spPr bwMode="auto">
-          <a:xfrm>
-            <a:off x="-2" y="5142592"/>
-            <a:ext cx="9192346" cy="1715408"/>
-          </a:xfrm>
-          <a:prstGeom prst="rtTriangle">
-            <a:avLst/>
-          </a:prstGeom>
-          <a:blipFill>
-            <a:blip r:embed="rId2">
-              <a:alphaModFix amt="50000"/>
-            </a:blip>
-            <a:tile tx="0" ty="0" sx="50000" sy="50000" flip="none" algn="t"/>
-          </a:blipFill>
-          <a:ln w="12700" cap="rnd" cmpd="thickThin" algn="ctr">
-            <a:noFill/>
-            <a:prstDash val="solid"/>
-          </a:ln>
-          <a:effectLst>
-            <a:fillOverlay blend="mult">
-              <a:gradFill flip="none" rotWithShape="1">
-                <a:gsLst>
-                  <a:gs pos="0">
-                    <a:schemeClr val="accent1">
-                      <a:shade val="20000"/>
-                      <a:satMod val="176000"/>
-                      <a:alpha val="100000"/>
-                    </a:schemeClr>
-                  </a:gs>
-                  <a:gs pos="18000">
-                    <a:schemeClr val="accent1">
-                      <a:shade val="48000"/>
-                      <a:satMod val="153000"/>
-                      <a:alpha val="100000"/>
-                    </a:schemeClr>
-                  </a:gs>
-                  <a:gs pos="43000">
-                    <a:schemeClr val="accent1">
-                      <a:tint val="86000"/>
-                      <a:satMod val="149000"/>
-                      <a:alpha val="100000"/>
-                    </a:schemeClr>
-                  </a:gs>
-                  <a:gs pos="45000">
-                    <a:schemeClr val="accent1">
-                      <a:tint val="85000"/>
-                      <a:satMod val="150000"/>
-                      <a:alpha val="100000"/>
-                    </a:schemeClr>
-                  </a:gs>
-                  <a:gs pos="50000">
-                    <a:schemeClr val="accent1">
-                      <a:tint val="86000"/>
-                      <a:satMod val="149000"/>
-                      <a:alpha val="100000"/>
-                    </a:schemeClr>
-                  </a:gs>
-                  <a:gs pos="79000">
-                    <a:schemeClr val="accent1">
-                      <a:shade val="53000"/>
-                      <a:satMod val="150000"/>
-                      <a:alpha val="100000"/>
-                    </a:schemeClr>
-                  </a:gs>
-                  <a:gs pos="100000">
-                    <a:schemeClr val="accent1">
-                      <a:shade val="25000"/>
-                      <a:satMod val="170000"/>
-                      <a:alpha val="100000"/>
-                    </a:schemeClr>
-                  </a:gs>
-                </a:gsLst>
-                <a:lin ang="450000" scaled="1"/>
-                <a:tileRect/>
-              </a:gradFill>
-            </a:fillOverlay>
-          </a:effectLst>
-        </p:spPr>
-        <p:style>
-          <a:lnRef idx="3">
-            <a:schemeClr val="lt1"/>
-          </a:lnRef>
-          <a:fillRef idx="1">
-            <a:schemeClr val="accent1"/>
-          </a:fillRef>
-          <a:effectRef idx="1">
-            <a:schemeClr val="accent1"/>
-          </a:effectRef>
-          <a:fontRef idx="minor">
-            <a:schemeClr val="lt1"/>
-          </a:fontRef>
-        </p:style>
-        <p:txBody>
-          <a:bodyPr vert="horz" wrap="square" lIns="91440" tIns="45720" rIns="91440" bIns="45720" anchor="ctr" compatLnSpc="1"/>
-          <a:lstStyle/>
-          <a:p>
-            <a:pPr algn="ctr" eaLnBrk="1" latinLnBrk="0" hangingPunct="1"/>
-            <a:endParaRPr kumimoji="0" lang="en-US" sz="1800" dirty="0"/>
-          </a:p>
-        </p:txBody>
-      </p:sp>
-      <p:sp>
-        <p:nvSpPr>
-          <p:cNvPr id="21" name="TextBox 20">
-            <a:extLst>
-              <a:ext uri="{FF2B5EF4-FFF2-40B4-BE49-F238E27FC236}">
-                <a16:creationId xmlns:a16="http://schemas.microsoft.com/office/drawing/2014/main" id="{5F9F209C-0402-4EA6-B176-57AC70F88A3C}"/>
-              </a:ext>
-            </a:extLst>
-          </p:cNvPr>
-          <p:cNvSpPr txBox="1"/>
-          <p:nvPr userDrawn="1"/>
-        </p:nvSpPr>
-        <p:spPr>
-          <a:xfrm>
-            <a:off x="983432" y="6274667"/>
-            <a:ext cx="2877344" cy="369332"/>
-          </a:xfrm>
-          <a:prstGeom prst="rect">
-            <a:avLst/>
-          </a:prstGeom>
-          <a:noFill/>
-        </p:spPr>
-        <p:txBody>
-          <a:bodyPr wrap="square" rtlCol="0">
-            <a:spAutoFit/>
-          </a:bodyPr>
-          <a:lstStyle/>
-          <a:p>
-            <a:pPr algn="r"/>
-            <a:r>
-              <a:rPr lang="pt-BR" sz="1800" dirty="0">
-                <a:solidFill>
-                  <a:schemeClr val="tx1"/>
-                </a:solidFill>
-              </a:rPr>
-              <a:t>Judson</a:t>
-            </a:r>
-            <a:r>
-              <a:rPr lang="pt-BR" sz="1800" baseline="0" dirty="0">
-                <a:solidFill>
-                  <a:schemeClr val="tx1"/>
-                </a:solidFill>
-              </a:rPr>
-              <a:t> Santos Santiago</a:t>
-            </a:r>
-            <a:endParaRPr lang="pt-BR" sz="1800" dirty="0">
-              <a:solidFill>
-                <a:schemeClr val="tx1"/>
-              </a:solidFill>
-            </a:endParaRPr>
-          </a:p>
-        </p:txBody>
-      </p:sp>
-      <p:sp>
-        <p:nvSpPr>
-          <p:cNvPr id="22" name="Forma livre 11">
-            <a:extLst>
-              <a:ext uri="{FF2B5EF4-FFF2-40B4-BE49-F238E27FC236}">
-                <a16:creationId xmlns:a16="http://schemas.microsoft.com/office/drawing/2014/main" id="{C1BCEA78-C28C-4FCD-9C09-8ED7BAF35E06}"/>
-              </a:ext>
-            </a:extLst>
-          </p:cNvPr>
-          <p:cNvSpPr>
-            <a:spLocks/>
-          </p:cNvSpPr>
-          <p:nvPr userDrawn="1"/>
-        </p:nvSpPr>
-        <p:spPr bwMode="auto">
-          <a:xfrm>
-            <a:off x="-2" y="5142592"/>
-            <a:ext cx="9408370" cy="1728726"/>
-          </a:xfrm>
-          <a:custGeom>
-            <a:avLst>
-              <a:gd name="A1" fmla="val 0"/>
-              <a:gd name="A2" fmla="val 0"/>
-              <a:gd name="A3" fmla="val 0"/>
-              <a:gd name="A4" fmla="val 0"/>
-              <a:gd name="A5" fmla="val 0"/>
-              <a:gd name="A6" fmla="val 0"/>
-              <a:gd name="A7" fmla="val 0"/>
-              <a:gd name="A8" fmla="val 0"/>
-            </a:avLst>
-            <a:gdLst/>
-            <a:ahLst/>
-            <a:cxnLst>
-              <a:cxn ang="0">
-                <a:pos x="0" y="0"/>
-              </a:cxn>
-              <a:cxn ang="0">
-                <a:pos x="5760" y="0"/>
-              </a:cxn>
-              <a:cxn ang="0">
-                <a:pos x="5760" y="528"/>
-              </a:cxn>
-              <a:cxn ang="0">
-                <a:pos x="48" y="0"/>
-              </a:cxn>
-            </a:cxnLst>
-            <a:rect l="0" t="0" r="0" b="0"/>
-            <a:pathLst>
-              <a:path w="5591" h="588">
-                <a:moveTo>
-                  <a:pt x="0" y="0"/>
-                </a:moveTo>
-                <a:lnTo>
-                  <a:pt x="5591" y="585"/>
-                </a:lnTo>
-                <a:lnTo>
-                  <a:pt x="4415" y="588"/>
-                </a:lnTo>
-                <a:lnTo>
-                  <a:pt x="12" y="4"/>
-                </a:lnTo>
-              </a:path>
-            </a:pathLst>
-          </a:custGeom>
-          <a:solidFill>
-            <a:srgbClr val="000000">
-              <a:alpha val="100000"/>
-            </a:srgbClr>
-          </a:solidFill>
-          <a:ln w="9525" cap="flat" cmpd="sng" algn="ctr">
-            <a:noFill/>
-            <a:prstDash val="solid"/>
-            <a:round/>
-            <a:headEnd type="none" w="med" len="med"/>
-            <a:tailEnd type="none" w="med" len="med"/>
-          </a:ln>
-          <a:effectLst/>
-        </p:spPr>
-        <p:txBody>
-          <a:bodyPr vert="horz" wrap="square" lIns="91440" tIns="45720" rIns="91440" bIns="45720" anchor="t" compatLnSpc="1"/>
-          <a:lstStyle/>
-          <a:p>
-            <a:endParaRPr kumimoji="0" lang="en-US" sz="1800"/>
-          </a:p>
-        </p:txBody>
-      </p:sp>
-      <p:sp>
-        <p:nvSpPr>
           <p:cNvPr id="23" name="Título 8">
             <a:extLst>
               <a:ext uri="{FF2B5EF4-FFF2-40B4-BE49-F238E27FC236}">
@@ -2122,7 +3338,7 @@
             <a:fld id="{B41ABA4E-CD72-497B-97AA-7213B3980F60}" type="datetimeFigureOut">
               <a:rPr lang="en-US" smtClean="0"/>
               <a:pPr/>
-              <a:t>7/3/2019</a:t>
+              <a:t>9/22/2021</a:t>
             </a:fld>
             <a:endParaRPr lang="en-US" dirty="0"/>
           </a:p>
@@ -2299,7 +3515,7 @@
             <a:fld id="{B41ABA4E-CD72-497B-97AA-7213B3980F60}" type="datetimeFigureOut">
               <a:rPr lang="en-US" smtClean="0"/>
               <a:pPr/>
-              <a:t>7/3/2019</a:t>
+              <a:t>9/22/2021</a:t>
             </a:fld>
             <a:endParaRPr lang="en-US" dirty="0"/>
           </a:p>
@@ -2495,7 +3711,7 @@
             <a:fld id="{B41ABA4E-CD72-497B-97AA-7213B3980F60}" type="datetimeFigureOut">
               <a:rPr lang="en-US" smtClean="0"/>
               <a:pPr/>
-              <a:t>7/3/2019</a:t>
+              <a:t>9/22/2021</a:t>
             </a:fld>
             <a:endParaRPr lang="en-US" dirty="0"/>
           </a:p>
@@ -2756,7 +3972,7 @@
             <a:fld id="{B41ABA4E-CD72-497B-97AA-7213B3980F60}" type="datetimeFigureOut">
               <a:rPr lang="en-US" smtClean="0"/>
               <a:pPr/>
-              <a:t>7/3/2019</a:t>
+              <a:t>9/22/2021</a:t>
             </a:fld>
             <a:endParaRPr lang="en-US" dirty="0"/>
           </a:p>
@@ -3157,7 +4373,7 @@
             <a:fld id="{B41ABA4E-CD72-497B-97AA-7213B3980F60}" type="datetimeFigureOut">
               <a:rPr lang="en-US" smtClean="0"/>
               <a:pPr/>
-              <a:t>7/3/2019</a:t>
+              <a:t>9/22/2021</a:t>
             </a:fld>
             <a:endParaRPr lang="en-US" dirty="0"/>
           </a:p>
@@ -3597,7 +4813,7 @@
             <a:fld id="{B41ABA4E-CD72-497B-97AA-7213B3980F60}" type="datetimeFigureOut">
               <a:rPr lang="en-US" smtClean="0"/>
               <a:pPr/>
-              <a:t>7/3/2019</a:t>
+              <a:t>9/22/2021</a:t>
             </a:fld>
             <a:endParaRPr lang="en-US" dirty="0"/>
           </a:p>
@@ -3694,7 +4910,7 @@
             <a:fld id="{B41ABA4E-CD72-497B-97AA-7213B3980F60}" type="datetimeFigureOut">
               <a:rPr lang="en-US" smtClean="0"/>
               <a:pPr/>
-              <a:t>7/3/2019</a:t>
+              <a:t>9/22/2021</a:t>
             </a:fld>
             <a:endParaRPr lang="en-US" dirty="0"/>
           </a:p>
@@ -3809,7 +5025,7 @@
             <a:fld id="{B41ABA4E-CD72-497B-97AA-7213B3980F60}" type="datetimeFigureOut">
               <a:rPr lang="en-US" smtClean="0"/>
               <a:pPr/>
-              <a:t>7/3/2019</a:t>
+              <a:t>9/22/2021</a:t>
             </a:fld>
             <a:endParaRPr lang="en-US" dirty="0"/>
           </a:p>
@@ -4079,7 +5295,7 @@
             <a:fld id="{B41ABA4E-CD72-497B-97AA-7213B3980F60}" type="datetimeFigureOut">
               <a:rPr lang="en-US" smtClean="0"/>
               <a:pPr/>
-              <a:t>7/3/2019</a:t>
+              <a:t>9/22/2021</a:t>
             </a:fld>
             <a:endParaRPr lang="en-US" dirty="0"/>
           </a:p>
@@ -4282,7 +5498,7 @@
             <a:fld id="{B41ABA4E-CD72-497B-97AA-7213B3980F60}" type="datetimeFigureOut">
               <a:rPr lang="en-US" smtClean="0"/>
               <a:pPr/>
-              <a:t>7/3/2019</a:t>
+              <a:t>9/22/2021</a:t>
             </a:fld>
             <a:endParaRPr lang="en-US" dirty="0"/>
           </a:p>
@@ -4917,178 +6133,22 @@
       </p:grpSpPr>
       <p:sp>
         <p:nvSpPr>
-          <p:cNvPr id="13" name="Forma livre 12"/>
+          <p:cNvPr id="17" name="Triângulo retângulo 13">
+            <a:extLst>
+              <a:ext uri="{FF2B5EF4-FFF2-40B4-BE49-F238E27FC236}">
+                <a16:creationId xmlns:a16="http://schemas.microsoft.com/office/drawing/2014/main" id="{F0A8D50F-12D4-4E9A-9EDB-042F9A784E9D}"/>
+              </a:ext>
+            </a:extLst>
+          </p:cNvPr>
           <p:cNvSpPr>
             <a:spLocks/>
           </p:cNvSpPr>
-          <p:nvPr/>
+          <p:nvPr userDrawn="1"/>
         </p:nvSpPr>
         <p:spPr bwMode="auto">
-          <a:xfrm>
-            <a:off x="665698" y="6405474"/>
-            <a:ext cx="4086153" cy="460538"/>
-          </a:xfrm>
-          <a:custGeom>
-            <a:avLst>
-              <a:gd name="A1" fmla="val 0"/>
-              <a:gd name="A2" fmla="val 0"/>
-              <a:gd name="A3" fmla="val 0"/>
-              <a:gd name="A4" fmla="val 0"/>
-              <a:gd name="A5" fmla="val 0"/>
-              <a:gd name="A6" fmla="val 0"/>
-              <a:gd name="A7" fmla="val 0"/>
-              <a:gd name="A8" fmla="val 0"/>
-            </a:avLst>
-            <a:gdLst/>
-            <a:ahLst/>
-            <a:cxnLst>
-              <a:cxn ang="0">
-                <a:pos x="0" y="0"/>
-              </a:cxn>
-              <a:cxn ang="0">
-                <a:pos x="5760" y="0"/>
-              </a:cxn>
-              <a:cxn ang="0">
-                <a:pos x="5760" y="528"/>
-              </a:cxn>
-              <a:cxn ang="0">
-                <a:pos x="48" y="0"/>
-              </a:cxn>
-            </a:cxnLst>
-            <a:rect l="0" t="0" r="0" b="0"/>
-            <a:pathLst>
-              <a:path w="7485" h="337">
-                <a:moveTo>
-                  <a:pt x="0" y="2"/>
-                </a:moveTo>
-                <a:lnTo>
-                  <a:pt x="7485" y="337"/>
-                </a:lnTo>
-                <a:lnTo>
-                  <a:pt x="5558" y="337"/>
-                </a:lnTo>
-                <a:lnTo>
-                  <a:pt x="1" y="0"/>
-                </a:lnTo>
-              </a:path>
-            </a:pathLst>
-          </a:custGeom>
-          <a:solidFill>
-            <a:schemeClr val="accent1">
-              <a:tint val="65000"/>
-              <a:satMod val="115000"/>
-              <a:alpha val="40000"/>
-            </a:schemeClr>
-          </a:solidFill>
-          <a:ln w="9525" cap="flat" cmpd="sng" algn="ctr">
-            <a:noFill/>
-            <a:prstDash val="solid"/>
-            <a:round/>
-            <a:headEnd type="none" w="med" len="med"/>
-            <a:tailEnd type="none" w="med" len="med"/>
-          </a:ln>
-          <a:effectLst/>
-        </p:spPr>
-        <p:txBody>
-          <a:bodyPr vert="horz" wrap="square" lIns="91440" tIns="45720" rIns="91440" bIns="45720" anchor="t" compatLnSpc="1"/>
-          <a:lstStyle/>
-          <a:p>
-            <a:endParaRPr kumimoji="0" lang="en-US" sz="1800"/>
-          </a:p>
-        </p:txBody>
-      </p:sp>
-      <p:sp>
-        <p:nvSpPr>
-          <p:cNvPr id="12" name="Forma livre 11"/>
-          <p:cNvSpPr>
-            <a:spLocks/>
-          </p:cNvSpPr>
-          <p:nvPr/>
-        </p:nvSpPr>
-        <p:spPr bwMode="auto">
-          <a:xfrm>
-            <a:off x="647624" y="6418660"/>
-            <a:ext cx="3052195" cy="447352"/>
-          </a:xfrm>
-          <a:custGeom>
-            <a:avLst>
-              <a:gd name="A1" fmla="val 0"/>
-              <a:gd name="A2" fmla="val 0"/>
-              <a:gd name="A3" fmla="val 0"/>
-              <a:gd name="A4" fmla="val 0"/>
-              <a:gd name="A5" fmla="val 0"/>
-              <a:gd name="A6" fmla="val 0"/>
-              <a:gd name="A7" fmla="val 0"/>
-              <a:gd name="A8" fmla="val 0"/>
-            </a:avLst>
-            <a:gdLst/>
-            <a:ahLst/>
-            <a:cxnLst>
-              <a:cxn ang="0">
-                <a:pos x="0" y="0"/>
-              </a:cxn>
-              <a:cxn ang="0">
-                <a:pos x="5760" y="0"/>
-              </a:cxn>
-              <a:cxn ang="0">
-                <a:pos x="5760" y="528"/>
-              </a:cxn>
-              <a:cxn ang="0">
-                <a:pos x="48" y="0"/>
-              </a:cxn>
-            </a:cxnLst>
-            <a:rect l="0" t="0" r="0" b="0"/>
-            <a:pathLst>
-              <a:path w="5591" h="588">
-                <a:moveTo>
-                  <a:pt x="0" y="0"/>
-                </a:moveTo>
-                <a:lnTo>
-                  <a:pt x="5591" y="585"/>
-                </a:lnTo>
-                <a:lnTo>
-                  <a:pt x="4415" y="588"/>
-                </a:lnTo>
-                <a:lnTo>
-                  <a:pt x="12" y="4"/>
-                </a:lnTo>
-              </a:path>
-            </a:pathLst>
-          </a:custGeom>
-          <a:solidFill>
-            <a:srgbClr val="000000">
-              <a:alpha val="100000"/>
-            </a:srgbClr>
-          </a:solidFill>
-          <a:ln w="9525" cap="flat" cmpd="sng" algn="ctr">
-            <a:noFill/>
-            <a:prstDash val="solid"/>
-            <a:round/>
-            <a:headEnd type="none" w="med" len="med"/>
-            <a:tailEnd type="none" w="med" len="med"/>
-          </a:ln>
-          <a:effectLst/>
-        </p:spPr>
-        <p:txBody>
-          <a:bodyPr vert="horz" wrap="square" lIns="91440" tIns="45720" rIns="91440" bIns="45720" anchor="t" compatLnSpc="1"/>
-          <a:lstStyle/>
-          <a:p>
-            <a:endParaRPr kumimoji="0" lang="en-US" sz="1800"/>
-          </a:p>
-        </p:txBody>
-      </p:sp>
-      <p:sp>
-        <p:nvSpPr>
-          <p:cNvPr id="14" name="Triângulo retângulo 13"/>
-          <p:cNvSpPr>
-            <a:spLocks/>
-          </p:cNvSpPr>
-          <p:nvPr/>
-        </p:nvSpPr>
-        <p:spPr bwMode="auto">
-          <a:xfrm>
-            <a:off x="-8056" y="6331687"/>
-            <a:ext cx="2813891" cy="540434"/>
+          <a:xfrm rot="10800000">
+            <a:off x="6600056" y="-2"/>
+            <a:ext cx="5600000" cy="836713"/>
           </a:xfrm>
           <a:prstGeom prst="rtTriangle">
             <a:avLst/>
@@ -5186,6 +6246,316 @@
           </a:p>
         </p:txBody>
       </p:sp>
+      <p:grpSp>
+        <p:nvGrpSpPr>
+          <p:cNvPr id="19" name="Agrupar 18">
+            <a:extLst>
+              <a:ext uri="{FF2B5EF4-FFF2-40B4-BE49-F238E27FC236}">
+                <a16:creationId xmlns:a16="http://schemas.microsoft.com/office/drawing/2014/main" id="{C25853BF-1D12-40F4-9E4F-FBFC6C5B7F6B}"/>
+              </a:ext>
+            </a:extLst>
+          </p:cNvPr>
+          <p:cNvGrpSpPr/>
+          <p:nvPr userDrawn="1"/>
+        </p:nvGrpSpPr>
+        <p:grpSpPr>
+          <a:xfrm>
+            <a:off x="0" y="6007292"/>
+            <a:ext cx="5591944" cy="850708"/>
+            <a:chOff x="0" y="6317566"/>
+            <a:chExt cx="4759907" cy="540434"/>
+          </a:xfrm>
+        </p:grpSpPr>
+        <p:sp>
+          <p:nvSpPr>
+            <p:cNvPr id="20" name="Forma livre 12">
+              <a:extLst>
+                <a:ext uri="{FF2B5EF4-FFF2-40B4-BE49-F238E27FC236}">
+                  <a16:creationId xmlns:a16="http://schemas.microsoft.com/office/drawing/2014/main" id="{CD1FDD5C-D142-4DAE-BBD9-F893766AA2B2}"/>
+                </a:ext>
+              </a:extLst>
+            </p:cNvPr>
+            <p:cNvSpPr>
+              <a:spLocks/>
+            </p:cNvSpPr>
+            <p:nvPr/>
+          </p:nvSpPr>
+          <p:spPr bwMode="auto">
+            <a:xfrm>
+              <a:off x="673754" y="6391353"/>
+              <a:ext cx="4086153" cy="460538"/>
+            </a:xfrm>
+            <a:custGeom>
+              <a:avLst>
+                <a:gd name="A1" fmla="val 0"/>
+                <a:gd name="A2" fmla="val 0"/>
+                <a:gd name="A3" fmla="val 0"/>
+                <a:gd name="A4" fmla="val 0"/>
+                <a:gd name="A5" fmla="val 0"/>
+                <a:gd name="A6" fmla="val 0"/>
+                <a:gd name="A7" fmla="val 0"/>
+                <a:gd name="A8" fmla="val 0"/>
+              </a:avLst>
+              <a:gdLst/>
+              <a:ahLst/>
+              <a:cxnLst>
+                <a:cxn ang="0">
+                  <a:pos x="0" y="0"/>
+                </a:cxn>
+                <a:cxn ang="0">
+                  <a:pos x="5760" y="0"/>
+                </a:cxn>
+                <a:cxn ang="0">
+                  <a:pos x="5760" y="528"/>
+                </a:cxn>
+                <a:cxn ang="0">
+                  <a:pos x="48" y="0"/>
+                </a:cxn>
+              </a:cxnLst>
+              <a:rect l="0" t="0" r="0" b="0"/>
+              <a:pathLst>
+                <a:path w="7485" h="337">
+                  <a:moveTo>
+                    <a:pt x="0" y="2"/>
+                  </a:moveTo>
+                  <a:lnTo>
+                    <a:pt x="7485" y="337"/>
+                  </a:lnTo>
+                  <a:lnTo>
+                    <a:pt x="5558" y="337"/>
+                  </a:lnTo>
+                  <a:lnTo>
+                    <a:pt x="1" y="0"/>
+                  </a:lnTo>
+                </a:path>
+              </a:pathLst>
+            </a:custGeom>
+            <a:solidFill>
+              <a:schemeClr val="accent1">
+                <a:tint val="65000"/>
+                <a:satMod val="115000"/>
+                <a:alpha val="40000"/>
+              </a:schemeClr>
+            </a:solidFill>
+            <a:ln w="9525" cap="flat" cmpd="sng" algn="ctr">
+              <a:noFill/>
+              <a:prstDash val="solid"/>
+              <a:round/>
+              <a:headEnd type="none" w="med" len="med"/>
+              <a:tailEnd type="none" w="med" len="med"/>
+            </a:ln>
+            <a:effectLst/>
+          </p:spPr>
+          <p:txBody>
+            <a:bodyPr vert="horz" wrap="square" lIns="91440" tIns="45720" rIns="91440" bIns="45720" anchor="t" compatLnSpc="1"/>
+            <a:lstStyle/>
+            <a:p>
+              <a:endParaRPr kumimoji="0" lang="en-US" sz="1800"/>
+            </a:p>
+          </p:txBody>
+        </p:sp>
+        <p:sp>
+          <p:nvSpPr>
+            <p:cNvPr id="21" name="Forma livre 11">
+              <a:extLst>
+                <a:ext uri="{FF2B5EF4-FFF2-40B4-BE49-F238E27FC236}">
+                  <a16:creationId xmlns:a16="http://schemas.microsoft.com/office/drawing/2014/main" id="{12CC344D-CDD6-4862-9F24-D8E10D28E8F6}"/>
+                </a:ext>
+              </a:extLst>
+            </p:cNvPr>
+            <p:cNvSpPr>
+              <a:spLocks/>
+            </p:cNvSpPr>
+            <p:nvPr/>
+          </p:nvSpPr>
+          <p:spPr bwMode="auto">
+            <a:xfrm>
+              <a:off x="655680" y="6404539"/>
+              <a:ext cx="3052195" cy="447352"/>
+            </a:xfrm>
+            <a:custGeom>
+              <a:avLst>
+                <a:gd name="A1" fmla="val 0"/>
+                <a:gd name="A2" fmla="val 0"/>
+                <a:gd name="A3" fmla="val 0"/>
+                <a:gd name="A4" fmla="val 0"/>
+                <a:gd name="A5" fmla="val 0"/>
+                <a:gd name="A6" fmla="val 0"/>
+                <a:gd name="A7" fmla="val 0"/>
+                <a:gd name="A8" fmla="val 0"/>
+              </a:avLst>
+              <a:gdLst/>
+              <a:ahLst/>
+              <a:cxnLst>
+                <a:cxn ang="0">
+                  <a:pos x="0" y="0"/>
+                </a:cxn>
+                <a:cxn ang="0">
+                  <a:pos x="5760" y="0"/>
+                </a:cxn>
+                <a:cxn ang="0">
+                  <a:pos x="5760" y="528"/>
+                </a:cxn>
+                <a:cxn ang="0">
+                  <a:pos x="48" y="0"/>
+                </a:cxn>
+              </a:cxnLst>
+              <a:rect l="0" t="0" r="0" b="0"/>
+              <a:pathLst>
+                <a:path w="5591" h="588">
+                  <a:moveTo>
+                    <a:pt x="0" y="0"/>
+                  </a:moveTo>
+                  <a:lnTo>
+                    <a:pt x="5591" y="585"/>
+                  </a:lnTo>
+                  <a:lnTo>
+                    <a:pt x="4415" y="588"/>
+                  </a:lnTo>
+                  <a:lnTo>
+                    <a:pt x="12" y="4"/>
+                  </a:lnTo>
+                </a:path>
+              </a:pathLst>
+            </a:custGeom>
+            <a:solidFill>
+              <a:srgbClr val="000000">
+                <a:alpha val="100000"/>
+              </a:srgbClr>
+            </a:solidFill>
+            <a:ln w="9525" cap="flat" cmpd="sng" algn="ctr">
+              <a:noFill/>
+              <a:prstDash val="solid"/>
+              <a:round/>
+              <a:headEnd type="none" w="med" len="med"/>
+              <a:tailEnd type="none" w="med" len="med"/>
+            </a:ln>
+            <a:effectLst/>
+          </p:spPr>
+          <p:txBody>
+            <a:bodyPr vert="horz" wrap="square" lIns="91440" tIns="45720" rIns="91440" bIns="45720" anchor="t" compatLnSpc="1"/>
+            <a:lstStyle/>
+            <a:p>
+              <a:endParaRPr kumimoji="0" lang="en-US" sz="1800"/>
+            </a:p>
+          </p:txBody>
+        </p:sp>
+        <p:sp>
+          <p:nvSpPr>
+            <p:cNvPr id="23" name="Triângulo retângulo 13">
+              <a:extLst>
+                <a:ext uri="{FF2B5EF4-FFF2-40B4-BE49-F238E27FC236}">
+                  <a16:creationId xmlns:a16="http://schemas.microsoft.com/office/drawing/2014/main" id="{A5A0BC08-22C4-47EF-942E-862015EFB097}"/>
+                </a:ext>
+              </a:extLst>
+            </p:cNvPr>
+            <p:cNvSpPr>
+              <a:spLocks/>
+            </p:cNvSpPr>
+            <p:nvPr/>
+          </p:nvSpPr>
+          <p:spPr bwMode="auto">
+            <a:xfrm>
+              <a:off x="0" y="6317566"/>
+              <a:ext cx="2813891" cy="540434"/>
+            </a:xfrm>
+            <a:prstGeom prst="rtTriangle">
+              <a:avLst/>
+            </a:prstGeom>
+            <a:blipFill>
+              <a:blip r:embed="rId13">
+                <a:alphaModFix amt="50000"/>
+              </a:blip>
+              <a:tile tx="0" ty="0" sx="50000" sy="50000" flip="none" algn="t"/>
+            </a:blipFill>
+            <a:ln w="12700" cap="rnd" cmpd="thickThin" algn="ctr">
+              <a:noFill/>
+              <a:prstDash val="solid"/>
+            </a:ln>
+            <a:effectLst>
+              <a:fillOverlay blend="mult">
+                <a:gradFill flip="none" rotWithShape="1">
+                  <a:gsLst>
+                    <a:gs pos="0">
+                      <a:schemeClr val="accent1">
+                        <a:shade val="20000"/>
+                        <a:satMod val="176000"/>
+                        <a:alpha val="100000"/>
+                      </a:schemeClr>
+                    </a:gs>
+                    <a:gs pos="18000">
+                      <a:schemeClr val="accent1">
+                        <a:shade val="48000"/>
+                        <a:satMod val="153000"/>
+                        <a:alpha val="100000"/>
+                      </a:schemeClr>
+                    </a:gs>
+                    <a:gs pos="43000">
+                      <a:schemeClr val="accent1">
+                        <a:tint val="86000"/>
+                        <a:satMod val="149000"/>
+                        <a:alpha val="100000"/>
+                      </a:schemeClr>
+                    </a:gs>
+                    <a:gs pos="45000">
+                      <a:schemeClr val="accent1">
+                        <a:tint val="85000"/>
+                        <a:satMod val="150000"/>
+                        <a:alpha val="100000"/>
+                      </a:schemeClr>
+                    </a:gs>
+                    <a:gs pos="50000">
+                      <a:schemeClr val="accent1">
+                        <a:tint val="86000"/>
+                        <a:satMod val="149000"/>
+                        <a:alpha val="100000"/>
+                      </a:schemeClr>
+                    </a:gs>
+                    <a:gs pos="79000">
+                      <a:schemeClr val="accent1">
+                        <a:shade val="53000"/>
+                        <a:satMod val="150000"/>
+                        <a:alpha val="100000"/>
+                      </a:schemeClr>
+                    </a:gs>
+                    <a:gs pos="100000">
+                      <a:schemeClr val="accent1">
+                        <a:shade val="25000"/>
+                        <a:satMod val="170000"/>
+                        <a:alpha val="100000"/>
+                      </a:schemeClr>
+                    </a:gs>
+                  </a:gsLst>
+                  <a:lin ang="450000" scaled="1"/>
+                  <a:tileRect/>
+                </a:gradFill>
+              </a:fillOverlay>
+            </a:effectLst>
+          </p:spPr>
+          <p:style>
+            <a:lnRef idx="3">
+              <a:schemeClr val="lt1"/>
+            </a:lnRef>
+            <a:fillRef idx="1">
+              <a:schemeClr val="accent1"/>
+            </a:fillRef>
+            <a:effectRef idx="1">
+              <a:schemeClr val="accent1"/>
+            </a:effectRef>
+            <a:fontRef idx="minor">
+              <a:schemeClr val="lt1"/>
+            </a:fontRef>
+          </p:style>
+          <p:txBody>
+            <a:bodyPr vert="horz" wrap="square" lIns="91440" tIns="45720" rIns="91440" bIns="45720" anchor="ctr" compatLnSpc="1"/>
+            <a:lstStyle/>
+            <a:p>
+              <a:pPr algn="ctr" eaLnBrk="1" latinLnBrk="0" hangingPunct="1"/>
+              <a:endParaRPr kumimoji="0" lang="en-US" sz="1800"/>
+            </a:p>
+          </p:txBody>
+        </p:sp>
+      </p:grpSp>
       <p:sp>
         <p:nvSpPr>
           <p:cNvPr id="9" name="Espaço Reservado para Título 8"/>
@@ -5323,7 +6693,7 @@
             <a:fld id="{B41ABA4E-CD72-497B-97AA-7213B3980F60}" type="datetimeFigureOut">
               <a:rPr lang="en-US" smtClean="0"/>
               <a:pPr/>
-              <a:t>7/3/2019</a:t>
+              <a:t>9/22/2021</a:t>
             </a:fld>
             <a:endParaRPr lang="en-US" dirty="0"/>
           </a:p>
@@ -5748,11 +7118,13 @@
           </a:xfrm>
         </p:spPr>
         <p:txBody>
-          <a:bodyPr/>
+          <a:bodyPr>
+            <a:normAutofit/>
+          </a:bodyPr>
           <a:lstStyle/>
           <a:p>
             <a:r>
-              <a:rPr lang="pt-BR" dirty="0"/>
+              <a:rPr lang="pt-BR" sz="6600" dirty="0"/>
               <a:t>Interação com o Mouse</a:t>
             </a:r>
           </a:p>
@@ -5775,21 +7147,23 @@
           </a:xfrm>
         </p:spPr>
         <p:txBody>
-          <a:bodyPr lIns="36000" rIns="36000"/>
+          <a:bodyPr lIns="36000" rIns="36000">
+            <a:normAutofit/>
+          </a:bodyPr>
           <a:lstStyle/>
           <a:p>
             <a:pPr marL="109728" indent="0">
               <a:buNone/>
             </a:pPr>
             <a:r>
-              <a:rPr lang="pt-BR" dirty="0">
+              <a:rPr lang="pt-BR" sz="3600" dirty="0">
                 <a:solidFill>
                   <a:schemeClr val="accent1">
                     <a:lumMod val="50000"/>
                   </a:schemeClr>
                 </a:solidFill>
               </a:rPr>
-              <a:t>Desenvolvimento de Jogos</a:t>
+              <a:t>Programação de Jogos</a:t>
             </a:r>
           </a:p>
         </p:txBody>
@@ -5849,7 +7223,7 @@
           <a:p>
             <a:r>
               <a:rPr lang="pt-BR" dirty="0"/>
-              <a:t>O Mouse é tratado pela </a:t>
+              <a:t>O jogo obtém </a:t>
             </a:r>
             <a:r>
               <a:rPr lang="pt-BR" dirty="0">
@@ -5859,7 +7233,21 @@
                   </a:schemeClr>
                 </a:solidFill>
               </a:rPr>
-              <a:t>biblioteca do Windows</a:t>
+              <a:t>informações</a:t>
+            </a:r>
+            <a:r>
+              <a:rPr lang="pt-BR" dirty="0"/>
+              <a:t> do mouse </a:t>
+            </a:r>
+            <a:r>
+              <a:rPr lang="pt-BR" dirty="0">
+                <a:solidFill>
+                  <a:schemeClr val="accent1">
+                    <a:lumMod val="75000"/>
+                  </a:schemeClr>
+                </a:solidFill>
+              </a:rPr>
+              <a:t>através do S.O.</a:t>
             </a:r>
           </a:p>
         </p:txBody>
@@ -5920,7 +7308,7 @@
         </p:blipFill>
         <p:spPr>
           <a:xfrm>
-            <a:off x="1395277" y="3043041"/>
+            <a:off x="1800561" y="2696308"/>
             <a:ext cx="1494304" cy="1364927"/>
           </a:xfrm>
           <a:prstGeom prst="rect">
@@ -5942,7 +7330,7 @@
         </p:nvSpPr>
         <p:spPr>
           <a:xfrm>
-            <a:off x="1775520" y="4684320"/>
+            <a:off x="2180804" y="4337587"/>
             <a:ext cx="912429" cy="646331"/>
           </a:xfrm>
           <a:prstGeom prst="rect">
@@ -5980,12 +7368,54 @@
           </a:p>
         </p:txBody>
       </p:sp>
+      <p:sp>
+        <p:nvSpPr>
+          <p:cNvPr id="28" name="Retângulo 27">
+            <a:extLst>
+              <a:ext uri="{FF2B5EF4-FFF2-40B4-BE49-F238E27FC236}">
+                <a16:creationId xmlns:a16="http://schemas.microsoft.com/office/drawing/2014/main" id="{9C97A18E-7664-430F-A50A-00A9F4F11F30}"/>
+              </a:ext>
+            </a:extLst>
+          </p:cNvPr>
+          <p:cNvSpPr/>
+          <p:nvPr/>
+        </p:nvSpPr>
+        <p:spPr>
+          <a:xfrm>
+            <a:off x="6286183" y="4797152"/>
+            <a:ext cx="2443368" cy="923330"/>
+          </a:xfrm>
+          <a:prstGeom prst="rect">
+            <a:avLst/>
+          </a:prstGeom>
+        </p:spPr>
+        <p:txBody>
+          <a:bodyPr wrap="square">
+            <a:spAutoFit/>
+          </a:bodyPr>
+          <a:lstStyle/>
+          <a:p>
+            <a:pPr algn="ctr"/>
+            <a:r>
+              <a:rPr lang="pt-BR" dirty="0">
+                <a:solidFill>
+                  <a:schemeClr val="bg1"/>
+                </a:solidFill>
+                <a:latin typeface="Calibri" pitchFamily="34" charset="0"/>
+                <a:cs typeface="Calibri" pitchFamily="34" charset="0"/>
+              </a:rPr>
+              <a:t>Mensagens são tratadas em uma Window Procedure</a:t>
+            </a:r>
+            <a:endParaRPr lang="pt-BR" dirty="0"/>
+          </a:p>
+        </p:txBody>
+      </p:sp>
       <p:grpSp>
         <p:nvGrpSpPr>
-          <p:cNvPr id="25" name="Agrupar 24">
+          <p:cNvPr id="26" name="Agrupar 25">
             <a:extLst>
               <a:ext uri="{FF2B5EF4-FFF2-40B4-BE49-F238E27FC236}">
-                <a16:creationId xmlns:a16="http://schemas.microsoft.com/office/drawing/2014/main" id="{3263B061-5820-4AB7-9042-4A8C68252780}"/>
+                <a16:creationId xmlns:a16="http://schemas.microsoft.com/office/drawing/2014/main" id="{C6A292C0-F64D-4196-9570-83606A11451A}"/>
               </a:ext>
             </a:extLst>
           </p:cNvPr>
@@ -5994,18 +7424,489 @@
         </p:nvGrpSpPr>
         <p:grpSpPr>
           <a:xfrm>
-            <a:off x="5185576" y="2780928"/>
-            <a:ext cx="3286688" cy="2376264"/>
-            <a:chOff x="4583832" y="2780928"/>
-            <a:chExt cx="3286688" cy="2376264"/>
+            <a:off x="5698811" y="2310342"/>
+            <a:ext cx="3286688" cy="2376478"/>
+            <a:chOff x="6190713" y="2564690"/>
+            <a:chExt cx="3286688" cy="2376478"/>
           </a:xfrm>
         </p:grpSpPr>
+        <p:grpSp>
+          <p:nvGrpSpPr>
+            <p:cNvPr id="29" name="Agrupar 28">
+              <a:extLst>
+                <a:ext uri="{FF2B5EF4-FFF2-40B4-BE49-F238E27FC236}">
+                  <a16:creationId xmlns:a16="http://schemas.microsoft.com/office/drawing/2014/main" id="{38EAD00E-097C-4385-9D76-DC3A7F2C206D}"/>
+                </a:ext>
+              </a:extLst>
+            </p:cNvPr>
+            <p:cNvGrpSpPr/>
+            <p:nvPr/>
+          </p:nvGrpSpPr>
+          <p:grpSpPr>
+            <a:xfrm>
+              <a:off x="6190713" y="2564690"/>
+              <a:ext cx="3286688" cy="2376478"/>
+              <a:chOff x="8714261" y="2924340"/>
+              <a:chExt cx="3286688" cy="2376478"/>
+            </a:xfrm>
+          </p:grpSpPr>
+          <p:sp>
+            <p:nvSpPr>
+              <p:cNvPr id="36" name="Retângulo: Cantos Arredondados 35">
+                <a:extLst>
+                  <a:ext uri="{FF2B5EF4-FFF2-40B4-BE49-F238E27FC236}">
+                    <a16:creationId xmlns:a16="http://schemas.microsoft.com/office/drawing/2014/main" id="{DA2DEC91-4AF9-4578-B64D-1755682C7978}"/>
+                  </a:ext>
+                </a:extLst>
+              </p:cNvPr>
+              <p:cNvSpPr/>
+              <p:nvPr/>
+            </p:nvSpPr>
+            <p:spPr>
+              <a:xfrm>
+                <a:off x="8714261" y="2924554"/>
+                <a:ext cx="3286688" cy="2376264"/>
+              </a:xfrm>
+              <a:prstGeom prst="roundRect">
+                <a:avLst>
+                  <a:gd name="adj" fmla="val 2172"/>
+                </a:avLst>
+              </a:prstGeom>
+              <a:solidFill>
+                <a:schemeClr val="tx1"/>
+              </a:solidFill>
+            </p:spPr>
+            <p:style>
+              <a:lnRef idx="1">
+                <a:schemeClr val="accent4"/>
+              </a:lnRef>
+              <a:fillRef idx="2">
+                <a:schemeClr val="accent4"/>
+              </a:fillRef>
+              <a:effectRef idx="1">
+                <a:schemeClr val="accent4"/>
+              </a:effectRef>
+              <a:fontRef idx="minor">
+                <a:schemeClr val="dk1"/>
+              </a:fontRef>
+            </p:style>
+            <p:txBody>
+              <a:bodyPr rtlCol="0" anchor="ctr"/>
+              <a:lstStyle/>
+              <a:p>
+                <a:pPr algn="ctr"/>
+                <a:endParaRPr lang="pt-BR"/>
+              </a:p>
+            </p:txBody>
+          </p:sp>
+          <p:sp>
+            <p:nvSpPr>
+              <p:cNvPr id="37" name="Retângulo: Cantos Arredondados 36">
+                <a:extLst>
+                  <a:ext uri="{FF2B5EF4-FFF2-40B4-BE49-F238E27FC236}">
+                    <a16:creationId xmlns:a16="http://schemas.microsoft.com/office/drawing/2014/main" id="{59A35185-5E93-49D7-ABC4-FF1BC4E15D23}"/>
+                  </a:ext>
+                </a:extLst>
+              </p:cNvPr>
+              <p:cNvSpPr/>
+              <p:nvPr/>
+            </p:nvSpPr>
+            <p:spPr>
+              <a:xfrm>
+                <a:off x="8753475" y="3178584"/>
+                <a:ext cx="3209925" cy="2088741"/>
+              </a:xfrm>
+              <a:prstGeom prst="roundRect">
+                <a:avLst>
+                  <a:gd name="adj" fmla="val 1944"/>
+                </a:avLst>
+              </a:prstGeom>
+              <a:solidFill>
+                <a:schemeClr val="tx1"/>
+              </a:solidFill>
+            </p:spPr>
+            <p:style>
+              <a:lnRef idx="1">
+                <a:schemeClr val="accent4"/>
+              </a:lnRef>
+              <a:fillRef idx="2">
+                <a:schemeClr val="accent4"/>
+              </a:fillRef>
+              <a:effectRef idx="1">
+                <a:schemeClr val="accent4"/>
+              </a:effectRef>
+              <a:fontRef idx="minor">
+                <a:schemeClr val="dk1"/>
+              </a:fontRef>
+            </p:style>
+            <p:txBody>
+              <a:bodyPr rtlCol="0" anchor="ctr"/>
+              <a:lstStyle/>
+              <a:p>
+                <a:pPr algn="ctr"/>
+                <a:endParaRPr lang="pt-BR"/>
+              </a:p>
+            </p:txBody>
+          </p:sp>
+          <p:sp>
+            <p:nvSpPr>
+              <p:cNvPr id="38" name="Retângulo: Cantos Arredondados 37">
+                <a:extLst>
+                  <a:ext uri="{FF2B5EF4-FFF2-40B4-BE49-F238E27FC236}">
+                    <a16:creationId xmlns:a16="http://schemas.microsoft.com/office/drawing/2014/main" id="{D56D1AF5-3720-4D04-A568-897EB74DA7C8}"/>
+                  </a:ext>
+                </a:extLst>
+              </p:cNvPr>
+              <p:cNvSpPr/>
+              <p:nvPr/>
+            </p:nvSpPr>
+            <p:spPr>
+              <a:xfrm>
+                <a:off x="11763977" y="2975639"/>
+                <a:ext cx="152400" cy="152400"/>
+              </a:xfrm>
+              <a:prstGeom prst="roundRect">
+                <a:avLst/>
+              </a:prstGeom>
+              <a:solidFill>
+                <a:schemeClr val="tx1"/>
+              </a:solidFill>
+            </p:spPr>
+            <p:style>
+              <a:lnRef idx="1">
+                <a:schemeClr val="accent4"/>
+              </a:lnRef>
+              <a:fillRef idx="2">
+                <a:schemeClr val="accent4"/>
+              </a:fillRef>
+              <a:effectRef idx="1">
+                <a:schemeClr val="accent4"/>
+              </a:effectRef>
+              <a:fontRef idx="minor">
+                <a:schemeClr val="dk1"/>
+              </a:fontRef>
+            </p:style>
+            <p:txBody>
+              <a:bodyPr rtlCol="0" anchor="ctr"/>
+              <a:lstStyle/>
+              <a:p>
+                <a:pPr algn="ctr"/>
+                <a:endParaRPr lang="pt-BR" dirty="0"/>
+              </a:p>
+            </p:txBody>
+          </p:sp>
+          <p:cxnSp>
+            <p:nvCxnSpPr>
+              <p:cNvPr id="39" name="Conector reto 38">
+                <a:extLst>
+                  <a:ext uri="{FF2B5EF4-FFF2-40B4-BE49-F238E27FC236}">
+                    <a16:creationId xmlns:a16="http://schemas.microsoft.com/office/drawing/2014/main" id="{3CE1AC35-7D70-43D4-884C-54219440EAED}"/>
+                  </a:ext>
+                </a:extLst>
+              </p:cNvPr>
+              <p:cNvCxnSpPr/>
+              <p:nvPr/>
+            </p:nvCxnSpPr>
+            <p:spPr>
+              <a:xfrm flipV="1">
+                <a:off x="11799590" y="3015316"/>
+                <a:ext cx="76200" cy="76200"/>
+              </a:xfrm>
+              <a:prstGeom prst="line">
+                <a:avLst/>
+              </a:prstGeom>
+              <a:ln>
+                <a:solidFill>
+                  <a:schemeClr val="accent4"/>
+                </a:solidFill>
+              </a:ln>
+            </p:spPr>
+            <p:style>
+              <a:lnRef idx="1">
+                <a:schemeClr val="accent1"/>
+              </a:lnRef>
+              <a:fillRef idx="0">
+                <a:schemeClr val="accent1"/>
+              </a:fillRef>
+              <a:effectRef idx="0">
+                <a:schemeClr val="accent1"/>
+              </a:effectRef>
+              <a:fontRef idx="minor">
+                <a:schemeClr val="tx1"/>
+              </a:fontRef>
+            </p:style>
+          </p:cxnSp>
+          <p:cxnSp>
+            <p:nvCxnSpPr>
+              <p:cNvPr id="40" name="Conector reto 39">
+                <a:extLst>
+                  <a:ext uri="{FF2B5EF4-FFF2-40B4-BE49-F238E27FC236}">
+                    <a16:creationId xmlns:a16="http://schemas.microsoft.com/office/drawing/2014/main" id="{302F12DE-85DE-4948-BA4A-B63A3FCB1D91}"/>
+                  </a:ext>
+                </a:extLst>
+              </p:cNvPr>
+              <p:cNvCxnSpPr/>
+              <p:nvPr/>
+            </p:nvCxnSpPr>
+            <p:spPr>
+              <a:xfrm flipH="1" flipV="1">
+                <a:off x="11799590" y="3015316"/>
+                <a:ext cx="76200" cy="76200"/>
+              </a:xfrm>
+              <a:prstGeom prst="line">
+                <a:avLst/>
+              </a:prstGeom>
+              <a:ln>
+                <a:solidFill>
+                  <a:schemeClr val="accent4"/>
+                </a:solidFill>
+              </a:ln>
+            </p:spPr>
+            <p:style>
+              <a:lnRef idx="1">
+                <a:schemeClr val="accent1"/>
+              </a:lnRef>
+              <a:fillRef idx="0">
+                <a:schemeClr val="accent1"/>
+              </a:fillRef>
+              <a:effectRef idx="0">
+                <a:schemeClr val="accent1"/>
+              </a:effectRef>
+              <a:fontRef idx="minor">
+                <a:schemeClr val="tx1"/>
+              </a:fontRef>
+            </p:style>
+          </p:cxnSp>
+          <p:sp>
+            <p:nvSpPr>
+              <p:cNvPr id="41" name="Retângulo: Cantos Arredondados 40">
+                <a:extLst>
+                  <a:ext uri="{FF2B5EF4-FFF2-40B4-BE49-F238E27FC236}">
+                    <a16:creationId xmlns:a16="http://schemas.microsoft.com/office/drawing/2014/main" id="{939EC8FC-5BDB-4FEF-9B82-A5D9A0C6C9A5}"/>
+                  </a:ext>
+                </a:extLst>
+              </p:cNvPr>
+              <p:cNvSpPr/>
+              <p:nvPr/>
+            </p:nvSpPr>
+            <p:spPr>
+              <a:xfrm>
+                <a:off x="11571876" y="2975099"/>
+                <a:ext cx="152400" cy="152400"/>
+              </a:xfrm>
+              <a:prstGeom prst="roundRect">
+                <a:avLst/>
+              </a:prstGeom>
+              <a:solidFill>
+                <a:schemeClr val="tx1"/>
+              </a:solidFill>
+            </p:spPr>
+            <p:style>
+              <a:lnRef idx="1">
+                <a:schemeClr val="accent4"/>
+              </a:lnRef>
+              <a:fillRef idx="2">
+                <a:schemeClr val="accent4"/>
+              </a:fillRef>
+              <a:effectRef idx="1">
+                <a:schemeClr val="accent4"/>
+              </a:effectRef>
+              <a:fontRef idx="minor">
+                <a:schemeClr val="dk1"/>
+              </a:fontRef>
+            </p:style>
+            <p:txBody>
+              <a:bodyPr rtlCol="0" anchor="ctr"/>
+              <a:lstStyle/>
+              <a:p>
+                <a:pPr algn="ctr"/>
+                <a:endParaRPr lang="pt-BR" dirty="0"/>
+              </a:p>
+            </p:txBody>
+          </p:sp>
+          <p:sp>
+            <p:nvSpPr>
+              <p:cNvPr id="42" name="Retângulo: Cantos Arredondados 41">
+                <a:extLst>
+                  <a:ext uri="{FF2B5EF4-FFF2-40B4-BE49-F238E27FC236}">
+                    <a16:creationId xmlns:a16="http://schemas.microsoft.com/office/drawing/2014/main" id="{7CE5F9F9-6AAD-453C-A943-0C71DEA89667}"/>
+                  </a:ext>
+                </a:extLst>
+              </p:cNvPr>
+              <p:cNvSpPr/>
+              <p:nvPr/>
+            </p:nvSpPr>
+            <p:spPr>
+              <a:xfrm>
+                <a:off x="11378889" y="2975099"/>
+                <a:ext cx="152400" cy="152400"/>
+              </a:xfrm>
+              <a:prstGeom prst="roundRect">
+                <a:avLst/>
+              </a:prstGeom>
+              <a:solidFill>
+                <a:schemeClr val="tx1"/>
+              </a:solidFill>
+            </p:spPr>
+            <p:style>
+              <a:lnRef idx="1">
+                <a:schemeClr val="accent4"/>
+              </a:lnRef>
+              <a:fillRef idx="2">
+                <a:schemeClr val="accent4"/>
+              </a:fillRef>
+              <a:effectRef idx="1">
+                <a:schemeClr val="accent4"/>
+              </a:effectRef>
+              <a:fontRef idx="minor">
+                <a:schemeClr val="dk1"/>
+              </a:fontRef>
+            </p:style>
+            <p:txBody>
+              <a:bodyPr rtlCol="0" anchor="ctr"/>
+              <a:lstStyle/>
+              <a:p>
+                <a:pPr algn="ctr"/>
+                <a:endParaRPr lang="pt-BR" dirty="0"/>
+              </a:p>
+            </p:txBody>
+          </p:sp>
+          <p:cxnSp>
+            <p:nvCxnSpPr>
+              <p:cNvPr id="43" name="Conector reto 42">
+                <a:extLst>
+                  <a:ext uri="{FF2B5EF4-FFF2-40B4-BE49-F238E27FC236}">
+                    <a16:creationId xmlns:a16="http://schemas.microsoft.com/office/drawing/2014/main" id="{5B80F8F8-032B-4C0A-B534-C9C21535EF73}"/>
+                  </a:ext>
+                </a:extLst>
+              </p:cNvPr>
+              <p:cNvCxnSpPr/>
+              <p:nvPr/>
+            </p:nvCxnSpPr>
+            <p:spPr>
+              <a:xfrm flipH="1">
+                <a:off x="11414819" y="3077725"/>
+                <a:ext cx="80540" cy="0"/>
+              </a:xfrm>
+              <a:prstGeom prst="line">
+                <a:avLst/>
+              </a:prstGeom>
+              <a:ln>
+                <a:solidFill>
+                  <a:schemeClr val="accent4"/>
+                </a:solidFill>
+              </a:ln>
+            </p:spPr>
+            <p:style>
+              <a:lnRef idx="1">
+                <a:schemeClr val="accent1"/>
+              </a:lnRef>
+              <a:fillRef idx="0">
+                <a:schemeClr val="accent1"/>
+              </a:fillRef>
+              <a:effectRef idx="0">
+                <a:schemeClr val="accent1"/>
+              </a:effectRef>
+              <a:fontRef idx="minor">
+                <a:schemeClr val="tx1"/>
+              </a:fontRef>
+            </p:style>
+          </p:cxnSp>
+          <p:sp>
+            <p:nvSpPr>
+              <p:cNvPr id="44" name="Retângulo 43">
+                <a:extLst>
+                  <a:ext uri="{FF2B5EF4-FFF2-40B4-BE49-F238E27FC236}">
+                    <a16:creationId xmlns:a16="http://schemas.microsoft.com/office/drawing/2014/main" id="{D691FBF1-268F-41ED-A931-7C7A00F89463}"/>
+                  </a:ext>
+                </a:extLst>
+              </p:cNvPr>
+              <p:cNvSpPr/>
+              <p:nvPr/>
+            </p:nvSpPr>
+            <p:spPr>
+              <a:xfrm>
+                <a:off x="11603435" y="3019824"/>
+                <a:ext cx="90713" cy="62949"/>
+              </a:xfrm>
+              <a:prstGeom prst="rect">
+                <a:avLst/>
+              </a:prstGeom>
+              <a:solidFill>
+                <a:schemeClr val="tx1"/>
+              </a:solidFill>
+            </p:spPr>
+            <p:style>
+              <a:lnRef idx="1">
+                <a:schemeClr val="accent4"/>
+              </a:lnRef>
+              <a:fillRef idx="2">
+                <a:schemeClr val="accent4"/>
+              </a:fillRef>
+              <a:effectRef idx="1">
+                <a:schemeClr val="accent4"/>
+              </a:effectRef>
+              <a:fontRef idx="minor">
+                <a:schemeClr val="dk1"/>
+              </a:fontRef>
+            </p:style>
+            <p:txBody>
+              <a:bodyPr rtlCol="0" anchor="ctr"/>
+              <a:lstStyle/>
+              <a:p>
+                <a:pPr algn="ctr"/>
+                <a:endParaRPr lang="pt-BR" dirty="0"/>
+              </a:p>
+            </p:txBody>
+          </p:sp>
+          <p:sp>
+            <p:nvSpPr>
+              <p:cNvPr id="45" name="CaixaDeTexto 44">
+                <a:extLst>
+                  <a:ext uri="{FF2B5EF4-FFF2-40B4-BE49-F238E27FC236}">
+                    <a16:creationId xmlns:a16="http://schemas.microsoft.com/office/drawing/2014/main" id="{B3BF59CF-E9FD-46C1-ABD4-390A56841D14}"/>
+                  </a:ext>
+                </a:extLst>
+              </p:cNvPr>
+              <p:cNvSpPr txBox="1"/>
+              <p:nvPr/>
+            </p:nvSpPr>
+            <p:spPr>
+              <a:xfrm>
+                <a:off x="8716610" y="2924340"/>
+                <a:ext cx="468398" cy="253916"/>
+              </a:xfrm>
+              <a:prstGeom prst="rect">
+                <a:avLst/>
+              </a:prstGeom>
+              <a:noFill/>
+            </p:spPr>
+            <p:txBody>
+              <a:bodyPr wrap="none" rtlCol="0">
+                <a:spAutoFit/>
+              </a:bodyPr>
+              <a:lstStyle/>
+              <a:p>
+                <a:r>
+                  <a:rPr lang="pt-BR" sz="1000" dirty="0">
+                    <a:solidFill>
+                      <a:schemeClr val="accent4"/>
+                    </a:solidFill>
+                    <a:latin typeface="Segoe UI" panose="020B0502040204020203" pitchFamily="34" charset="0"/>
+                    <a:cs typeface="Segoe UI" panose="020B0502040204020203" pitchFamily="34" charset="0"/>
+                  </a:rPr>
+                  <a:t>Jogo</a:t>
+                </a:r>
+              </a:p>
+            </p:txBody>
+          </p:sp>
+        </p:grpSp>
         <p:sp>
           <p:nvSpPr>
-            <p:cNvPr id="8" name="Retângulo 7">
+            <p:cNvPr id="30" name="Retângulo: Cantos Arredondados 29">
               <a:extLst>
                 <a:ext uri="{FF2B5EF4-FFF2-40B4-BE49-F238E27FC236}">
-                  <a16:creationId xmlns:a16="http://schemas.microsoft.com/office/drawing/2014/main" id="{E8E62934-17CE-4492-8675-2B9112E99A31}"/>
+                  <a16:creationId xmlns:a16="http://schemas.microsoft.com/office/drawing/2014/main" id="{97684C44-6C92-4104-9132-C84C7CED5FE7}"/>
                 </a:ext>
               </a:extLst>
             </p:cNvPr>
@@ -6014,456 +7915,10 @@
           </p:nvSpPr>
           <p:spPr>
             <a:xfrm>
-              <a:off x="4583832" y="2780928"/>
-              <a:ext cx="3286688" cy="2376264"/>
-            </a:xfrm>
-            <a:prstGeom prst="rect">
-              <a:avLst/>
-            </a:prstGeom>
-            <a:solidFill>
-              <a:schemeClr val="tx1"/>
-            </a:solidFill>
-          </p:spPr>
-          <p:style>
-            <a:lnRef idx="1">
-              <a:schemeClr val="accent4"/>
-            </a:lnRef>
-            <a:fillRef idx="2">
-              <a:schemeClr val="accent4"/>
-            </a:fillRef>
-            <a:effectRef idx="1">
-              <a:schemeClr val="accent4"/>
-            </a:effectRef>
-            <a:fontRef idx="minor">
-              <a:schemeClr val="dk1"/>
-            </a:fontRef>
-          </p:style>
-          <p:txBody>
-            <a:bodyPr rtlCol="0" anchor="ctr"/>
-            <a:lstStyle/>
-            <a:p>
-              <a:pPr algn="ctr"/>
-              <a:endParaRPr lang="pt-BR"/>
-            </a:p>
-          </p:txBody>
-        </p:sp>
-        <p:sp>
-          <p:nvSpPr>
-            <p:cNvPr id="9" name="Retângulo 8">
-              <a:extLst>
-                <a:ext uri="{FF2B5EF4-FFF2-40B4-BE49-F238E27FC236}">
-                  <a16:creationId xmlns:a16="http://schemas.microsoft.com/office/drawing/2014/main" id="{75EDA9B9-01C5-44C6-B091-17D48CC2618A}"/>
-                </a:ext>
-              </a:extLst>
-            </p:cNvPr>
-            <p:cNvSpPr/>
-            <p:nvPr/>
-          </p:nvSpPr>
-          <p:spPr>
-            <a:xfrm>
-              <a:off x="4623046" y="3034958"/>
-              <a:ext cx="3209925" cy="2088741"/>
-            </a:xfrm>
-            <a:prstGeom prst="rect">
-              <a:avLst/>
-            </a:prstGeom>
-            <a:solidFill>
-              <a:schemeClr val="tx1"/>
-            </a:solidFill>
-          </p:spPr>
-          <p:style>
-            <a:lnRef idx="1">
-              <a:schemeClr val="accent4"/>
-            </a:lnRef>
-            <a:fillRef idx="2">
-              <a:schemeClr val="accent4"/>
-            </a:fillRef>
-            <a:effectRef idx="1">
-              <a:schemeClr val="accent4"/>
-            </a:effectRef>
-            <a:fontRef idx="minor">
-              <a:schemeClr val="dk1"/>
-            </a:fontRef>
-          </p:style>
-          <p:txBody>
-            <a:bodyPr rtlCol="0" anchor="ctr"/>
-            <a:lstStyle/>
-            <a:p>
-              <a:pPr algn="ctr"/>
-              <a:endParaRPr lang="pt-BR"/>
-            </a:p>
-          </p:txBody>
-        </p:sp>
-        <p:sp>
-          <p:nvSpPr>
-            <p:cNvPr id="10" name="Retângulo 9">
-              <a:extLst>
-                <a:ext uri="{FF2B5EF4-FFF2-40B4-BE49-F238E27FC236}">
-                  <a16:creationId xmlns:a16="http://schemas.microsoft.com/office/drawing/2014/main" id="{FFAA6E5C-5756-4B24-9B52-204D9C573F4D}"/>
-                </a:ext>
-              </a:extLst>
-            </p:cNvPr>
-            <p:cNvSpPr/>
-            <p:nvPr/>
-          </p:nvSpPr>
-          <p:spPr>
-            <a:xfrm>
-              <a:off x="7669438" y="2849065"/>
-              <a:ext cx="152400" cy="152400"/>
-            </a:xfrm>
-            <a:prstGeom prst="rect">
-              <a:avLst/>
-            </a:prstGeom>
-            <a:solidFill>
-              <a:schemeClr val="tx1"/>
-            </a:solidFill>
-          </p:spPr>
-          <p:style>
-            <a:lnRef idx="1">
-              <a:schemeClr val="accent4"/>
-            </a:lnRef>
-            <a:fillRef idx="2">
-              <a:schemeClr val="accent4"/>
-            </a:fillRef>
-            <a:effectRef idx="1">
-              <a:schemeClr val="accent4"/>
-            </a:effectRef>
-            <a:fontRef idx="minor">
-              <a:schemeClr val="dk1"/>
-            </a:fontRef>
-          </p:style>
-          <p:txBody>
-            <a:bodyPr rtlCol="0" anchor="ctr"/>
-            <a:lstStyle/>
-            <a:p>
-              <a:pPr algn="ctr"/>
-              <a:endParaRPr lang="pt-BR" dirty="0"/>
-            </a:p>
-          </p:txBody>
-        </p:sp>
-        <p:cxnSp>
-          <p:nvCxnSpPr>
-            <p:cNvPr id="11" name="Conector reto 10">
-              <a:extLst>
-                <a:ext uri="{FF2B5EF4-FFF2-40B4-BE49-F238E27FC236}">
-                  <a16:creationId xmlns:a16="http://schemas.microsoft.com/office/drawing/2014/main" id="{13BEA68B-6B60-415B-A363-3097267D5E78}"/>
-                </a:ext>
-              </a:extLst>
-            </p:cNvPr>
-            <p:cNvCxnSpPr/>
-            <p:nvPr/>
-          </p:nvCxnSpPr>
-          <p:spPr>
-            <a:xfrm flipV="1">
-              <a:off x="7705051" y="2888742"/>
-              <a:ext cx="76200" cy="76200"/>
-            </a:xfrm>
-            <a:prstGeom prst="line">
-              <a:avLst/>
-            </a:prstGeom>
-            <a:ln>
-              <a:solidFill>
-                <a:schemeClr val="accent4"/>
-              </a:solidFill>
-            </a:ln>
-          </p:spPr>
-          <p:style>
-            <a:lnRef idx="1">
-              <a:schemeClr val="accent1"/>
-            </a:lnRef>
-            <a:fillRef idx="0">
-              <a:schemeClr val="accent1"/>
-            </a:fillRef>
-            <a:effectRef idx="0">
-              <a:schemeClr val="accent1"/>
-            </a:effectRef>
-            <a:fontRef idx="minor">
-              <a:schemeClr val="tx1"/>
-            </a:fontRef>
-          </p:style>
-        </p:cxnSp>
-        <p:cxnSp>
-          <p:nvCxnSpPr>
-            <p:cNvPr id="12" name="Conector reto 11">
-              <a:extLst>
-                <a:ext uri="{FF2B5EF4-FFF2-40B4-BE49-F238E27FC236}">
-                  <a16:creationId xmlns:a16="http://schemas.microsoft.com/office/drawing/2014/main" id="{A3FA9B32-2D87-4DEF-A436-AF984A54157C}"/>
-                </a:ext>
-              </a:extLst>
-            </p:cNvPr>
-            <p:cNvCxnSpPr/>
-            <p:nvPr/>
-          </p:nvCxnSpPr>
-          <p:spPr>
-            <a:xfrm flipH="1" flipV="1">
-              <a:off x="7705051" y="2888742"/>
-              <a:ext cx="76200" cy="76200"/>
-            </a:xfrm>
-            <a:prstGeom prst="line">
-              <a:avLst/>
-            </a:prstGeom>
-            <a:ln>
-              <a:solidFill>
-                <a:schemeClr val="accent4"/>
-              </a:solidFill>
-            </a:ln>
-          </p:spPr>
-          <p:style>
-            <a:lnRef idx="1">
-              <a:schemeClr val="accent1"/>
-            </a:lnRef>
-            <a:fillRef idx="0">
-              <a:schemeClr val="accent1"/>
-            </a:fillRef>
-            <a:effectRef idx="0">
-              <a:schemeClr val="accent1"/>
-            </a:effectRef>
-            <a:fontRef idx="minor">
-              <a:schemeClr val="tx1"/>
-            </a:fontRef>
-          </p:style>
-        </p:cxnSp>
-        <p:sp>
-          <p:nvSpPr>
-            <p:cNvPr id="13" name="Retângulo 12">
-              <a:extLst>
-                <a:ext uri="{FF2B5EF4-FFF2-40B4-BE49-F238E27FC236}">
-                  <a16:creationId xmlns:a16="http://schemas.microsoft.com/office/drawing/2014/main" id="{72440E86-822C-44FA-9E11-F21066FE1D65}"/>
-                </a:ext>
-              </a:extLst>
-            </p:cNvPr>
-            <p:cNvSpPr/>
-            <p:nvPr/>
-          </p:nvSpPr>
-          <p:spPr>
-            <a:xfrm>
-              <a:off x="7477337" y="2848525"/>
-              <a:ext cx="152400" cy="152400"/>
-            </a:xfrm>
-            <a:prstGeom prst="rect">
-              <a:avLst/>
-            </a:prstGeom>
-            <a:solidFill>
-              <a:schemeClr val="tx1"/>
-            </a:solidFill>
-          </p:spPr>
-          <p:style>
-            <a:lnRef idx="1">
-              <a:schemeClr val="accent4"/>
-            </a:lnRef>
-            <a:fillRef idx="2">
-              <a:schemeClr val="accent4"/>
-            </a:fillRef>
-            <a:effectRef idx="1">
-              <a:schemeClr val="accent4"/>
-            </a:effectRef>
-            <a:fontRef idx="minor">
-              <a:schemeClr val="dk1"/>
-            </a:fontRef>
-          </p:style>
-          <p:txBody>
-            <a:bodyPr rtlCol="0" anchor="ctr"/>
-            <a:lstStyle/>
-            <a:p>
-              <a:pPr algn="ctr"/>
-              <a:endParaRPr lang="pt-BR" dirty="0"/>
-            </a:p>
-          </p:txBody>
-        </p:sp>
-        <p:sp>
-          <p:nvSpPr>
-            <p:cNvPr id="14" name="Retângulo 13">
-              <a:extLst>
-                <a:ext uri="{FF2B5EF4-FFF2-40B4-BE49-F238E27FC236}">
-                  <a16:creationId xmlns:a16="http://schemas.microsoft.com/office/drawing/2014/main" id="{E2AC8B03-7F6E-44D3-B440-5AD718605077}"/>
-                </a:ext>
-              </a:extLst>
-            </p:cNvPr>
-            <p:cNvSpPr/>
-            <p:nvPr/>
-          </p:nvSpPr>
-          <p:spPr>
-            <a:xfrm>
-              <a:off x="7284350" y="2848525"/>
-              <a:ext cx="152400" cy="152400"/>
-            </a:xfrm>
-            <a:prstGeom prst="rect">
-              <a:avLst/>
-            </a:prstGeom>
-            <a:solidFill>
-              <a:schemeClr val="tx1"/>
-            </a:solidFill>
-          </p:spPr>
-          <p:style>
-            <a:lnRef idx="1">
-              <a:schemeClr val="accent4"/>
-            </a:lnRef>
-            <a:fillRef idx="2">
-              <a:schemeClr val="accent4"/>
-            </a:fillRef>
-            <a:effectRef idx="1">
-              <a:schemeClr val="accent4"/>
-            </a:effectRef>
-            <a:fontRef idx="minor">
-              <a:schemeClr val="dk1"/>
-            </a:fontRef>
-          </p:style>
-          <p:txBody>
-            <a:bodyPr rtlCol="0" anchor="ctr"/>
-            <a:lstStyle/>
-            <a:p>
-              <a:pPr algn="ctr"/>
-              <a:endParaRPr lang="pt-BR" dirty="0"/>
-            </a:p>
-          </p:txBody>
-        </p:sp>
-        <p:cxnSp>
-          <p:nvCxnSpPr>
-            <p:cNvPr id="15" name="Conector reto 14">
-              <a:extLst>
-                <a:ext uri="{FF2B5EF4-FFF2-40B4-BE49-F238E27FC236}">
-                  <a16:creationId xmlns:a16="http://schemas.microsoft.com/office/drawing/2014/main" id="{7B25A5E7-5058-4DE7-8C00-32BFE00034A5}"/>
-                </a:ext>
-              </a:extLst>
-            </p:cNvPr>
-            <p:cNvCxnSpPr/>
-            <p:nvPr/>
-          </p:nvCxnSpPr>
-          <p:spPr>
-            <a:xfrm flipH="1">
-              <a:off x="7320280" y="2951151"/>
-              <a:ext cx="80540" cy="0"/>
-            </a:xfrm>
-            <a:prstGeom prst="line">
-              <a:avLst/>
-            </a:prstGeom>
-            <a:ln>
-              <a:solidFill>
-                <a:schemeClr val="accent4"/>
-              </a:solidFill>
-            </a:ln>
-          </p:spPr>
-          <p:style>
-            <a:lnRef idx="1">
-              <a:schemeClr val="accent1"/>
-            </a:lnRef>
-            <a:fillRef idx="0">
-              <a:schemeClr val="accent1"/>
-            </a:fillRef>
-            <a:effectRef idx="0">
-              <a:schemeClr val="accent1"/>
-            </a:effectRef>
-            <a:fontRef idx="minor">
-              <a:schemeClr val="tx1"/>
-            </a:fontRef>
-          </p:style>
-        </p:cxnSp>
-        <p:sp>
-          <p:nvSpPr>
-            <p:cNvPr id="16" name="Retângulo 15">
-              <a:extLst>
-                <a:ext uri="{FF2B5EF4-FFF2-40B4-BE49-F238E27FC236}">
-                  <a16:creationId xmlns:a16="http://schemas.microsoft.com/office/drawing/2014/main" id="{8B195CE4-CBA5-4CAA-B3DE-E9CA84E5C2A6}"/>
-                </a:ext>
-              </a:extLst>
-            </p:cNvPr>
-            <p:cNvSpPr/>
-            <p:nvPr/>
-          </p:nvSpPr>
-          <p:spPr>
-            <a:xfrm>
-              <a:off x="7508896" y="2893250"/>
-              <a:ext cx="90713" cy="62949"/>
-            </a:xfrm>
-            <a:prstGeom prst="rect">
-              <a:avLst/>
-            </a:prstGeom>
-            <a:solidFill>
-              <a:schemeClr val="tx1"/>
-            </a:solidFill>
-          </p:spPr>
-          <p:style>
-            <a:lnRef idx="1">
-              <a:schemeClr val="accent4"/>
-            </a:lnRef>
-            <a:fillRef idx="2">
-              <a:schemeClr val="accent4"/>
-            </a:fillRef>
-            <a:effectRef idx="1">
-              <a:schemeClr val="accent4"/>
-            </a:effectRef>
-            <a:fontRef idx="minor">
-              <a:schemeClr val="dk1"/>
-            </a:fontRef>
-          </p:style>
-          <p:txBody>
-            <a:bodyPr rtlCol="0" anchor="ctr"/>
-            <a:lstStyle/>
-            <a:p>
-              <a:pPr algn="ctr"/>
-              <a:endParaRPr lang="pt-BR" dirty="0"/>
-            </a:p>
-          </p:txBody>
-        </p:sp>
-        <p:sp>
-          <p:nvSpPr>
-            <p:cNvPr id="17" name="CaixaDeTexto 16">
-              <a:extLst>
-                <a:ext uri="{FF2B5EF4-FFF2-40B4-BE49-F238E27FC236}">
-                  <a16:creationId xmlns:a16="http://schemas.microsoft.com/office/drawing/2014/main" id="{70A2A26E-6966-4FD8-A6AA-3AE26CAECCCC}"/>
-                </a:ext>
-              </a:extLst>
-            </p:cNvPr>
-            <p:cNvSpPr txBox="1"/>
-            <p:nvPr/>
-          </p:nvSpPr>
-          <p:spPr>
-            <a:xfrm>
-              <a:off x="4583832" y="2797766"/>
-              <a:ext cx="468398" cy="253916"/>
-            </a:xfrm>
-            <a:prstGeom prst="rect">
-              <a:avLst/>
-            </a:prstGeom>
-            <a:noFill/>
-          </p:spPr>
-          <p:txBody>
-            <a:bodyPr wrap="none" rtlCol="0">
-              <a:spAutoFit/>
-            </a:bodyPr>
-            <a:lstStyle/>
-            <a:p>
-              <a:r>
-                <a:rPr lang="pt-BR" sz="1000" dirty="0">
-                  <a:solidFill>
-                    <a:schemeClr val="accent4"/>
-                  </a:solidFill>
-                  <a:latin typeface="Segoe UI" panose="020B0502040204020203" pitchFamily="34" charset="0"/>
-                  <a:cs typeface="Segoe UI" panose="020B0502040204020203" pitchFamily="34" charset="0"/>
-                </a:rPr>
-                <a:t>Jogo</a:t>
-              </a:r>
-            </a:p>
-          </p:txBody>
-        </p:sp>
-        <p:sp>
-          <p:nvSpPr>
-            <p:cNvPr id="18" name="Retângulo 17">
-              <a:extLst>
-                <a:ext uri="{FF2B5EF4-FFF2-40B4-BE49-F238E27FC236}">
-                  <a16:creationId xmlns:a16="http://schemas.microsoft.com/office/drawing/2014/main" id="{A6151815-E9FC-43CD-8A9C-5F20512E2496}"/>
-                </a:ext>
-              </a:extLst>
-            </p:cNvPr>
-            <p:cNvSpPr/>
-            <p:nvPr/>
-          </p:nvSpPr>
-          <p:spPr>
-            <a:xfrm>
-              <a:off x="6391816" y="3195049"/>
+              <a:off x="7998697" y="2979025"/>
               <a:ext cx="1100466" cy="882023"/>
             </a:xfrm>
-            <a:prstGeom prst="rect">
+            <a:prstGeom prst="roundRect">
               <a:avLst/>
             </a:prstGeom>
             <a:solidFill>
@@ -6514,10 +7969,10 @@
         </p:sp>
         <p:sp>
           <p:nvSpPr>
-            <p:cNvPr id="19" name="Retângulo 18">
+            <p:cNvPr id="31" name="Retângulo: Cantos Arredondados 30">
               <a:extLst>
                 <a:ext uri="{FF2B5EF4-FFF2-40B4-BE49-F238E27FC236}">
-                  <a16:creationId xmlns:a16="http://schemas.microsoft.com/office/drawing/2014/main" id="{D83BA4E4-9DF9-46B3-99BA-023E94A39782}"/>
+                  <a16:creationId xmlns:a16="http://schemas.microsoft.com/office/drawing/2014/main" id="{7E0ADFE2-57E6-4E43-AA8A-4F2EB41322D4}"/>
                 </a:ext>
               </a:extLst>
             </p:cNvPr>
@@ -6526,10 +7981,10 @@
           </p:nvSpPr>
           <p:spPr>
             <a:xfrm>
-              <a:off x="4854794" y="4411841"/>
+              <a:off x="6461675" y="4195817"/>
               <a:ext cx="1207742" cy="441011"/>
             </a:xfrm>
-            <a:prstGeom prst="rect">
+            <a:prstGeom prst="roundRect">
               <a:avLst/>
             </a:prstGeom>
             <a:solidFill>
@@ -6565,16 +8020,6 @@
             <a:lstStyle/>
             <a:p>
               <a:r>
-                <a:rPr lang="pt-BR" sz="1400" dirty="0" err="1">
-                  <a:solidFill>
-                    <a:schemeClr val="bg1"/>
-                  </a:solidFill>
-                  <a:latin typeface="Calibri" pitchFamily="34" charset="0"/>
-                  <a:cs typeface="Calibri" pitchFamily="34" charset="0"/>
-                </a:rPr>
-                <a:t>WinProc</a:t>
-              </a:r>
-              <a:r>
                 <a:rPr lang="pt-BR" sz="1400" dirty="0">
                   <a:solidFill>
                     <a:schemeClr val="bg1"/>
@@ -6582,17 +8027,17 @@
                   <a:latin typeface="Calibri" pitchFamily="34" charset="0"/>
                   <a:cs typeface="Calibri" pitchFamily="34" charset="0"/>
                 </a:rPr>
-                <a:t>()</a:t>
+                <a:t>WinProc()</a:t>
               </a:r>
             </a:p>
           </p:txBody>
         </p:sp>
         <p:sp>
           <p:nvSpPr>
-            <p:cNvPr id="20" name="Retângulo 19">
+            <p:cNvPr id="32" name="Retângulo: Cantos Arredondados 31">
               <a:extLst>
                 <a:ext uri="{FF2B5EF4-FFF2-40B4-BE49-F238E27FC236}">
-                  <a16:creationId xmlns:a16="http://schemas.microsoft.com/office/drawing/2014/main" id="{1F5019ED-E6FC-4479-BFDB-1166DD523A28}"/>
+                  <a16:creationId xmlns:a16="http://schemas.microsoft.com/office/drawing/2014/main" id="{2396D0F8-060B-4E9B-A30A-FDC56EA945D3}"/>
                 </a:ext>
               </a:extLst>
             </p:cNvPr>
@@ -6601,10 +8046,10 @@
           </p:nvSpPr>
           <p:spPr>
             <a:xfrm>
-              <a:off x="4854794" y="3195050"/>
+              <a:off x="6461675" y="2979026"/>
               <a:ext cx="1207742" cy="882022"/>
             </a:xfrm>
-            <a:prstGeom prst="rect">
+            <a:prstGeom prst="roundRect">
               <a:avLst/>
             </a:prstGeom>
             <a:solidFill>
@@ -6640,16 +8085,6 @@
             <a:lstStyle/>
             <a:p>
               <a:r>
-                <a:rPr lang="pt-BR" sz="1400" dirty="0" err="1">
-                  <a:solidFill>
-                    <a:schemeClr val="bg1"/>
-                  </a:solidFill>
-                  <a:latin typeface="Calibri" pitchFamily="34" charset="0"/>
-                  <a:cs typeface="Calibri" pitchFamily="34" charset="0"/>
-                </a:rPr>
-                <a:t>WinMain</a:t>
-              </a:r>
-              <a:r>
                 <a:rPr lang="pt-BR" sz="1400" dirty="0">
                   <a:solidFill>
                     <a:schemeClr val="bg1"/>
@@ -6657,7 +8092,7 @@
                   <a:latin typeface="Calibri" pitchFamily="34" charset="0"/>
                   <a:cs typeface="Calibri" pitchFamily="34" charset="0"/>
                 </a:rPr>
-                <a:t>()</a:t>
+                <a:t>WinMain()</a:t>
               </a:r>
               <a:br>
                 <a:rPr lang="pt-BR" sz="1400" dirty="0">
@@ -6702,22 +8137,19 @@
         </p:sp>
         <p:cxnSp>
           <p:nvCxnSpPr>
-            <p:cNvPr id="21" name="Conector de seta reta 26">
+            <p:cNvPr id="33" name="Conector de seta reta 26">
               <a:extLst>
                 <a:ext uri="{FF2B5EF4-FFF2-40B4-BE49-F238E27FC236}">
-                  <a16:creationId xmlns:a16="http://schemas.microsoft.com/office/drawing/2014/main" id="{4FC2E751-D06C-4943-BD5D-22F0D36EA277}"/>
+                  <a16:creationId xmlns:a16="http://schemas.microsoft.com/office/drawing/2014/main" id="{1412C8A2-572D-4DD3-AC78-DBE713A9B15A}"/>
                 </a:ext>
               </a:extLst>
             </p:cNvPr>
-            <p:cNvCxnSpPr>
-              <a:stCxn id="18" idx="1"/>
-              <a:endCxn id="20" idx="3"/>
-            </p:cNvCxnSpPr>
+            <p:cNvCxnSpPr/>
             <p:nvPr/>
           </p:nvCxnSpPr>
           <p:spPr>
             <a:xfrm flipH="1">
-              <a:off x="6062536" y="3636061"/>
+              <a:off x="7669417" y="3420037"/>
               <a:ext cx="329280" cy="0"/>
             </a:xfrm>
             <a:prstGeom prst="straightConnector1">
@@ -6747,10 +8179,10 @@
         </p:cxnSp>
         <p:cxnSp>
           <p:nvCxnSpPr>
-            <p:cNvPr id="22" name="Conector de seta reta 28">
+            <p:cNvPr id="34" name="Conector de seta reta 28">
               <a:extLst>
                 <a:ext uri="{FF2B5EF4-FFF2-40B4-BE49-F238E27FC236}">
-                  <a16:creationId xmlns:a16="http://schemas.microsoft.com/office/drawing/2014/main" id="{90402322-CD9F-4E96-9980-90DDD62077FB}"/>
+                  <a16:creationId xmlns:a16="http://schemas.microsoft.com/office/drawing/2014/main" id="{E371A7E3-C3D3-491B-A331-4592410D91EB}"/>
                 </a:ext>
               </a:extLst>
             </p:cNvPr>
@@ -6759,7 +8191,7 @@
           </p:nvCxnSpPr>
           <p:spPr>
             <a:xfrm flipH="1" flipV="1">
-              <a:off x="5702496" y="4077072"/>
+              <a:off x="7309377" y="3861048"/>
               <a:ext cx="3078" cy="331876"/>
             </a:xfrm>
             <a:prstGeom prst="straightConnector1">
@@ -6789,10 +8221,10 @@
         </p:cxnSp>
         <p:cxnSp>
           <p:nvCxnSpPr>
-            <p:cNvPr id="23" name="Conector de seta reta 36">
+            <p:cNvPr id="35" name="Conector de seta reta 36">
               <a:extLst>
                 <a:ext uri="{FF2B5EF4-FFF2-40B4-BE49-F238E27FC236}">
-                  <a16:creationId xmlns:a16="http://schemas.microsoft.com/office/drawing/2014/main" id="{80DEB3ED-A322-48E7-AB80-09DCA51EA445}"/>
+                  <a16:creationId xmlns:a16="http://schemas.microsoft.com/office/drawing/2014/main" id="{386A32D8-E98A-4144-8F34-E2AA4DEE2D92}"/>
                 </a:ext>
               </a:extLst>
             </p:cNvPr>
@@ -6801,7 +8233,7 @@
           </p:nvCxnSpPr>
           <p:spPr>
             <a:xfrm>
-              <a:off x="5198440" y="4077072"/>
+              <a:off x="6805321" y="3861048"/>
               <a:ext cx="0" cy="331876"/>
             </a:xfrm>
             <a:prstGeom prst="straightConnector1">
@@ -6830,150 +8262,228 @@
           </p:style>
         </p:cxnSp>
       </p:grpSp>
-      <p:cxnSp>
-        <p:nvCxnSpPr>
-          <p:cNvPr id="24" name="Conector de seta reta 48">
+      <p:grpSp>
+        <p:nvGrpSpPr>
+          <p:cNvPr id="5" name="Agrupar 4">
             <a:extLst>
               <a:ext uri="{FF2B5EF4-FFF2-40B4-BE49-F238E27FC236}">
-                <a16:creationId xmlns:a16="http://schemas.microsoft.com/office/drawing/2014/main" id="{743C9629-739A-465F-840D-140AB822B4AD}"/>
+                <a16:creationId xmlns:a16="http://schemas.microsoft.com/office/drawing/2014/main" id="{1812B2A8-4C44-4572-8E39-A33E9791227A}"/>
               </a:ext>
             </a:extLst>
           </p:cNvPr>
-          <p:cNvCxnSpPr>
-            <a:cxnSpLocks/>
-          </p:cNvCxnSpPr>
+          <p:cNvGrpSpPr/>
           <p:nvPr/>
-        </p:nvCxnSpPr>
-        <p:spPr>
+        </p:nvGrpSpPr>
+        <p:grpSpPr>
           <a:xfrm>
-            <a:off x="3287688" y="3953433"/>
-            <a:ext cx="1585375" cy="0"/>
+            <a:off x="3555541" y="3195213"/>
+            <a:ext cx="1873493" cy="606949"/>
+            <a:chOff x="3810052" y="3226846"/>
+            <a:chExt cx="1521755" cy="606949"/>
           </a:xfrm>
-          <a:prstGeom prst="straightConnector1">
-            <a:avLst/>
-          </a:prstGeom>
-          <a:ln w="19050">
-            <a:solidFill>
-              <a:schemeClr val="accent4"/>
-            </a:solidFill>
-            <a:tailEnd type="triangle" w="lg" len="med"/>
-          </a:ln>
-        </p:spPr>
-        <p:style>
-          <a:lnRef idx="1">
-            <a:schemeClr val="accent1"/>
-          </a:lnRef>
-          <a:fillRef idx="0">
-            <a:schemeClr val="accent1"/>
-          </a:fillRef>
-          <a:effectRef idx="0">
-            <a:schemeClr val="accent1"/>
-          </a:effectRef>
-          <a:fontRef idx="minor">
-            <a:schemeClr val="tx1"/>
-          </a:fontRef>
-        </p:style>
-      </p:cxnSp>
+        </p:grpSpPr>
+        <p:sp>
+          <p:nvSpPr>
+            <p:cNvPr id="46" name="Seta: Entalhada para a Direita 45">
+              <a:extLst>
+                <a:ext uri="{FF2B5EF4-FFF2-40B4-BE49-F238E27FC236}">
+                  <a16:creationId xmlns:a16="http://schemas.microsoft.com/office/drawing/2014/main" id="{13FD1EBF-33F4-4033-8F3C-AD53D93111DB}"/>
+                </a:ext>
+              </a:extLst>
+            </p:cNvPr>
+            <p:cNvSpPr/>
+            <p:nvPr/>
+          </p:nvSpPr>
+          <p:spPr>
+            <a:xfrm>
+              <a:off x="3810052" y="3226846"/>
+              <a:ext cx="1521755" cy="606949"/>
+            </a:xfrm>
+            <a:prstGeom prst="notchedRightArrow">
+              <a:avLst/>
+            </a:prstGeom>
+            <a:gradFill flip="none" rotWithShape="1">
+              <a:gsLst>
+                <a:gs pos="0">
+                  <a:schemeClr val="accent4">
+                    <a:lumMod val="67000"/>
+                  </a:schemeClr>
+                </a:gs>
+                <a:gs pos="48000">
+                  <a:schemeClr val="accent4">
+                    <a:lumMod val="97000"/>
+                    <a:lumOff val="3000"/>
+                  </a:schemeClr>
+                </a:gs>
+                <a:gs pos="100000">
+                  <a:schemeClr val="accent4">
+                    <a:lumMod val="60000"/>
+                    <a:lumOff val="40000"/>
+                  </a:schemeClr>
+                </a:gs>
+              </a:gsLst>
+              <a:lin ang="16200000" scaled="1"/>
+              <a:tileRect/>
+            </a:gradFill>
+            <a:ln>
+              <a:noFill/>
+            </a:ln>
+          </p:spPr>
+          <p:style>
+            <a:lnRef idx="0">
+              <a:scrgbClr r="0" g="0" b="0"/>
+            </a:lnRef>
+            <a:fillRef idx="0">
+              <a:scrgbClr r="0" g="0" b="0"/>
+            </a:fillRef>
+            <a:effectRef idx="0">
+              <a:scrgbClr r="0" g="0" b="0"/>
+            </a:effectRef>
+            <a:fontRef idx="minor">
+              <a:schemeClr val="lt1"/>
+            </a:fontRef>
+          </p:style>
+          <p:txBody>
+            <a:bodyPr rtlCol="0" anchor="ctr"/>
+            <a:lstStyle/>
+            <a:p>
+              <a:pPr algn="ctr"/>
+              <a:endParaRPr lang="pt-BR"/>
+            </a:p>
+          </p:txBody>
+        </p:sp>
+        <p:sp>
+          <p:nvSpPr>
+            <p:cNvPr id="27" name="Retângulo 26">
+              <a:extLst>
+                <a:ext uri="{FF2B5EF4-FFF2-40B4-BE49-F238E27FC236}">
+                  <a16:creationId xmlns:a16="http://schemas.microsoft.com/office/drawing/2014/main" id="{7230570F-B9DC-4242-B65B-041688A8A0E5}"/>
+                </a:ext>
+              </a:extLst>
+            </p:cNvPr>
+            <p:cNvSpPr/>
+            <p:nvPr/>
+          </p:nvSpPr>
+          <p:spPr>
+            <a:xfrm>
+              <a:off x="4121829" y="3376433"/>
+              <a:ext cx="1029128" cy="307777"/>
+            </a:xfrm>
+            <a:prstGeom prst="rect">
+              <a:avLst/>
+            </a:prstGeom>
+          </p:spPr>
+          <p:txBody>
+            <a:bodyPr wrap="none">
+              <a:spAutoFit/>
+            </a:bodyPr>
+            <a:lstStyle/>
+            <a:p>
+              <a:r>
+                <a:rPr lang="pt-BR" sz="1400" b="1" dirty="0">
+                  <a:solidFill>
+                    <a:schemeClr val="tx2">
+                      <a:lumMod val="50000"/>
+                    </a:schemeClr>
+                  </a:solidFill>
+                  <a:latin typeface="Calibri" pitchFamily="34" charset="0"/>
+                  <a:cs typeface="Calibri" pitchFamily="34" charset="0"/>
+                </a:rPr>
+                <a:t>Mensagens</a:t>
+              </a:r>
+              <a:endParaRPr lang="pt-BR" sz="1400" b="1" dirty="0">
+                <a:solidFill>
+                  <a:schemeClr val="tx2">
+                    <a:lumMod val="50000"/>
+                  </a:schemeClr>
+                </a:solidFill>
+              </a:endParaRPr>
+            </a:p>
+          </p:txBody>
+        </p:sp>
+      </p:grpSp>
       <p:sp>
         <p:nvSpPr>
-          <p:cNvPr id="27" name="Retângulo 26">
+          <p:cNvPr id="8" name="CaixaDeTexto 7">
             <a:extLst>
               <a:ext uri="{FF2B5EF4-FFF2-40B4-BE49-F238E27FC236}">
-                <a16:creationId xmlns:a16="http://schemas.microsoft.com/office/drawing/2014/main" id="{7230570F-B9DC-4242-B65B-041688A8A0E5}"/>
+                <a16:creationId xmlns:a16="http://schemas.microsoft.com/office/drawing/2014/main" id="{757D14DA-F0CA-4D5E-9794-C563216F0A8B}"/>
               </a:ext>
             </a:extLst>
           </p:cNvPr>
-          <p:cNvSpPr/>
+          <p:cNvSpPr txBox="1"/>
           <p:nvPr/>
         </p:nvSpPr>
         <p:spPr>
           <a:xfrm>
-            <a:off x="3453601" y="3508673"/>
-            <a:ext cx="1253548" cy="369332"/>
+            <a:off x="3948709" y="3915483"/>
+            <a:ext cx="1087156" cy="738664"/>
           </a:xfrm>
           <a:prstGeom prst="rect">
             <a:avLst/>
           </a:prstGeom>
+          <a:noFill/>
         </p:spPr>
         <p:txBody>
-          <a:bodyPr wrap="none">
+          <a:bodyPr wrap="none" rtlCol="0">
             <a:spAutoFit/>
           </a:bodyPr>
           <a:lstStyle/>
           <a:p>
-            <a:r>
-              <a:rPr lang="pt-BR" dirty="0">
-                <a:solidFill>
-                  <a:schemeClr val="bg1"/>
-                </a:solidFill>
-                <a:latin typeface="Calibri" pitchFamily="34" charset="0"/>
-                <a:cs typeface="Calibri" pitchFamily="34" charset="0"/>
-              </a:rPr>
-              <a:t>Mensagens</a:t>
-            </a:r>
-            <a:endParaRPr lang="pt-BR" dirty="0"/>
-          </a:p>
-        </p:txBody>
-      </p:sp>
-      <p:sp>
-        <p:nvSpPr>
-          <p:cNvPr id="28" name="Retângulo 27">
-            <a:extLst>
-              <a:ext uri="{FF2B5EF4-FFF2-40B4-BE49-F238E27FC236}">
-                <a16:creationId xmlns:a16="http://schemas.microsoft.com/office/drawing/2014/main" id="{9C97A18E-7664-430F-A50A-00A9F4F11F30}"/>
-              </a:ext>
-            </a:extLst>
-          </p:cNvPr>
-          <p:cNvSpPr/>
-          <p:nvPr/>
-        </p:nvSpPr>
-        <p:spPr>
-          <a:xfrm>
-            <a:off x="8815910" y="3508673"/>
-            <a:ext cx="2443368" cy="923330"/>
-          </a:xfrm>
-          <a:prstGeom prst="rect">
-            <a:avLst/>
-          </a:prstGeom>
-        </p:spPr>
-        <p:txBody>
-          <a:bodyPr wrap="square">
-            <a:spAutoFit/>
-          </a:bodyPr>
-          <a:lstStyle/>
-          <a:p>
             <a:pPr algn="ctr"/>
             <a:r>
-              <a:rPr lang="pt-BR" dirty="0">
-                <a:solidFill>
-                  <a:schemeClr val="bg1"/>
-                </a:solidFill>
-                <a:latin typeface="Calibri" pitchFamily="34" charset="0"/>
-                <a:cs typeface="Calibri" pitchFamily="34" charset="0"/>
-              </a:rPr>
-              <a:t>Mensagens são tratadas em uma </a:t>
-            </a:r>
-            <a:r>
-              <a:rPr lang="pt-BR" dirty="0" err="1">
-                <a:solidFill>
-                  <a:schemeClr val="bg1"/>
-                </a:solidFill>
-                <a:latin typeface="Calibri" pitchFamily="34" charset="0"/>
-                <a:cs typeface="Calibri" pitchFamily="34" charset="0"/>
-              </a:rPr>
-              <a:t>Window</a:t>
-            </a:r>
-            <a:r>
-              <a:rPr lang="pt-BR" dirty="0">
-                <a:solidFill>
-                  <a:schemeClr val="bg1"/>
-                </a:solidFill>
-                <a:latin typeface="Calibri" pitchFamily="34" charset="0"/>
-                <a:cs typeface="Calibri" pitchFamily="34" charset="0"/>
-              </a:rPr>
-              <a:t> Procedure</a:t>
-            </a:r>
-            <a:endParaRPr lang="pt-BR" dirty="0"/>
+              <a:rPr lang="pt-BR" sz="1400" dirty="0">
+                <a:solidFill>
+                  <a:schemeClr val="accent2">
+                    <a:lumMod val="60000"/>
+                    <a:lumOff val="40000"/>
+                  </a:schemeClr>
+                </a:solidFill>
+              </a:rPr>
+              <a:t>Mover</a:t>
+            </a:r>
+            <a:br>
+              <a:rPr lang="pt-BR" sz="1400" dirty="0">
+                <a:solidFill>
+                  <a:schemeClr val="accent2">
+                    <a:lumMod val="60000"/>
+                    <a:lumOff val="40000"/>
+                  </a:schemeClr>
+                </a:solidFill>
+              </a:rPr>
+            </a:br>
+            <a:r>
+              <a:rPr lang="pt-BR" sz="1400" dirty="0">
+                <a:solidFill>
+                  <a:schemeClr val="accent2">
+                    <a:lumMod val="60000"/>
+                    <a:lumOff val="40000"/>
+                  </a:schemeClr>
+                </a:solidFill>
+              </a:rPr>
+              <a:t>Pressionar</a:t>
+            </a:r>
+            <a:br>
+              <a:rPr lang="pt-BR" sz="1400" dirty="0">
+                <a:solidFill>
+                  <a:schemeClr val="accent2">
+                    <a:lumMod val="60000"/>
+                    <a:lumOff val="40000"/>
+                  </a:schemeClr>
+                </a:solidFill>
+              </a:rPr>
+            </a:br>
+            <a:r>
+              <a:rPr lang="pt-BR" sz="1400" dirty="0">
+                <a:solidFill>
+                  <a:schemeClr val="accent2">
+                    <a:lumMod val="60000"/>
+                    <a:lumOff val="40000"/>
+                  </a:schemeClr>
+                </a:solidFill>
+              </a:rPr>
+              <a:t>Girar</a:t>
+            </a:r>
           </a:p>
         </p:txBody>
       </p:sp>
@@ -6987,6 +8497,9 @@
   <p:clrMapOvr>
     <a:masterClrMapping/>
   </p:clrMapOvr>
+  <p:transition spd="slow">
+    <p:wipe/>
+  </p:transition>
 </p:sld>
 </file>
 
@@ -7110,29 +8623,7 @@
                 </a:solidFill>
                 <a:latin typeface="Consolas" panose="020B0609020204030204" pitchFamily="49" charset="0"/>
               </a:rPr>
-              <a:t> </a:t>
-            </a:r>
-            <a:r>
-              <a:rPr lang="pt-BR" sz="1400" dirty="0" err="1">
-                <a:solidFill>
-                  <a:schemeClr val="bg1">
-                    <a:lumMod val="75000"/>
-                  </a:schemeClr>
-                </a:solidFill>
-                <a:latin typeface="Consolas" panose="020B0609020204030204" pitchFamily="49" charset="0"/>
-              </a:rPr>
-              <a:t>Window</a:t>
-            </a:r>
-            <a:r>
-              <a:rPr lang="pt-BR" sz="1400" dirty="0">
-                <a:solidFill>
-                  <a:schemeClr val="bg1">
-                    <a:lumMod val="75000"/>
-                  </a:schemeClr>
-                </a:solidFill>
-                <a:latin typeface="Consolas" panose="020B0609020204030204" pitchFamily="49" charset="0"/>
-              </a:rPr>
-              <a:t>::</a:t>
+              <a:t> Window::</a:t>
             </a:r>
             <a:r>
               <a:rPr lang="pt-BR" sz="1400" dirty="0" err="1">
@@ -7705,29 +9196,7 @@
                 </a:solidFill>
                 <a:latin typeface="Consolas" panose="020B0609020204030204" pitchFamily="49" charset="0"/>
               </a:rPr>
-              <a:t>            </a:t>
-            </a:r>
-            <a:r>
-              <a:rPr lang="pt-BR" sz="1400" dirty="0" err="1">
-                <a:solidFill>
-                  <a:schemeClr val="bg1">
-                    <a:lumMod val="75000"/>
-                  </a:schemeClr>
-                </a:solidFill>
-                <a:latin typeface="Consolas" panose="020B0609020204030204" pitchFamily="49" charset="0"/>
-              </a:rPr>
-              <a:t>windowKeys</a:t>
-            </a:r>
-            <a:r>
-              <a:rPr lang="pt-BR" sz="1400" dirty="0">
-                <a:solidFill>
-                  <a:schemeClr val="bg1">
-                    <a:lumMod val="75000"/>
-                  </a:schemeClr>
-                </a:solidFill>
-                <a:latin typeface="Consolas" panose="020B0609020204030204" pitchFamily="49" charset="0"/>
-              </a:rPr>
-              <a:t>[</a:t>
+              <a:t>            windowKeys[</a:t>
             </a:r>
             <a:r>
               <a:rPr lang="pt-BR" sz="1400" dirty="0" err="1">
@@ -7957,29 +9426,7 @@
                 </a:solidFill>
                 <a:latin typeface="Consolas" panose="020B0609020204030204" pitchFamily="49" charset="0"/>
               </a:rPr>
-              <a:t>        </a:t>
-            </a:r>
-            <a:r>
-              <a:rPr lang="pt-BR" sz="1400" dirty="0" err="1">
-                <a:solidFill>
-                  <a:schemeClr val="bg1">
-                    <a:lumMod val="75000"/>
-                  </a:schemeClr>
-                </a:solidFill>
-                <a:latin typeface="Consolas" panose="020B0609020204030204" pitchFamily="49" charset="0"/>
-              </a:rPr>
-              <a:t>windowKeys</a:t>
-            </a:r>
-            <a:r>
-              <a:rPr lang="pt-BR" sz="1400" dirty="0">
-                <a:solidFill>
-                  <a:schemeClr val="bg1">
-                    <a:lumMod val="75000"/>
-                  </a:schemeClr>
-                </a:solidFill>
-                <a:latin typeface="Consolas" panose="020B0609020204030204" pitchFamily="49" charset="0"/>
-              </a:rPr>
-              <a:t>[</a:t>
+              <a:t>            windowKeys[</a:t>
             </a:r>
             <a:r>
               <a:rPr lang="pt-BR" sz="1400" dirty="0">
@@ -8037,7 +9484,7 @@
                 </a:solidFill>
                 <a:latin typeface="Consolas" panose="020B0609020204030204" pitchFamily="49" charset="0"/>
               </a:rPr>
-              <a:t>        </a:t>
+              <a:t>            </a:t>
             </a:r>
             <a:r>
               <a:rPr lang="pt-BR" sz="1400" dirty="0" err="1">
@@ -8094,6 +9541,9 @@
   <p:clrMapOvr>
     <a:masterClrMapping/>
   </p:clrMapOvr>
+  <p:transition spd="slow">
+    <p:wipe/>
+  </p:transition>
 </p:sld>
 </file>
 
@@ -8137,7 +9587,17 @@
           <a:p>
             <a:r>
               <a:rPr lang="pt-BR" dirty="0"/>
-              <a:t>Um jogo é um laço de tempo real</a:t>
+              <a:t>Um jogo é um </a:t>
+            </a:r>
+            <a:r>
+              <a:rPr lang="pt-BR" dirty="0">
+                <a:solidFill>
+                  <a:schemeClr val="accent1">
+                    <a:lumMod val="75000"/>
+                  </a:schemeClr>
+                </a:solidFill>
+              </a:rPr>
+              <a:t>laço de tempo real</a:t>
             </a:r>
           </a:p>
         </p:txBody>
@@ -8170,1214 +9630,6 @@
           </a:p>
         </p:txBody>
       </p:sp>
-      <p:grpSp>
-        <p:nvGrpSpPr>
-          <p:cNvPr id="32" name="Agrupar 31">
-            <a:extLst>
-              <a:ext uri="{FF2B5EF4-FFF2-40B4-BE49-F238E27FC236}">
-                <a16:creationId xmlns:a16="http://schemas.microsoft.com/office/drawing/2014/main" id="{674FE917-75F5-4A76-A1EA-620B09226A00}"/>
-              </a:ext>
-            </a:extLst>
-          </p:cNvPr>
-          <p:cNvGrpSpPr/>
-          <p:nvPr/>
-        </p:nvGrpSpPr>
-        <p:grpSpPr>
-          <a:xfrm>
-            <a:off x="1451484" y="2617624"/>
-            <a:ext cx="5211981" cy="3463087"/>
-            <a:chOff x="1451484" y="2617624"/>
-            <a:chExt cx="5211981" cy="3463087"/>
-          </a:xfrm>
-        </p:grpSpPr>
-        <p:sp>
-          <p:nvSpPr>
-            <p:cNvPr id="4" name="Retângulo 3">
-              <a:extLst>
-                <a:ext uri="{FF2B5EF4-FFF2-40B4-BE49-F238E27FC236}">
-                  <a16:creationId xmlns:a16="http://schemas.microsoft.com/office/drawing/2014/main" id="{DBEB4A86-BFA3-4778-B980-AEC76CF77E0E}"/>
-                </a:ext>
-              </a:extLst>
-            </p:cNvPr>
-            <p:cNvSpPr/>
-            <p:nvPr/>
-          </p:nvSpPr>
-          <p:spPr>
-            <a:xfrm>
-              <a:off x="1451484" y="2617624"/>
-              <a:ext cx="2952328" cy="3314530"/>
-            </a:xfrm>
-            <a:prstGeom prst="rect">
-              <a:avLst/>
-            </a:prstGeom>
-            <a:solidFill>
-              <a:schemeClr val="accent1">
-                <a:lumMod val="50000"/>
-                <a:alpha val="30000"/>
-              </a:schemeClr>
-            </a:solidFill>
-            <a:ln>
-              <a:solidFill>
-                <a:schemeClr val="accent1">
-                  <a:lumMod val="75000"/>
-                </a:schemeClr>
-              </a:solidFill>
-            </a:ln>
-          </p:spPr>
-          <p:style>
-            <a:lnRef idx="1">
-              <a:schemeClr val="accent2"/>
-            </a:lnRef>
-            <a:fillRef idx="2">
-              <a:schemeClr val="accent2"/>
-            </a:fillRef>
-            <a:effectRef idx="1">
-              <a:schemeClr val="accent2"/>
-            </a:effectRef>
-            <a:fontRef idx="minor">
-              <a:schemeClr val="dk1"/>
-            </a:fontRef>
-          </p:style>
-          <p:txBody>
-            <a:bodyPr rtlCol="0" anchor="ctr"/>
-            <a:lstStyle/>
-            <a:p>
-              <a:pPr algn="ctr"/>
-              <a:endParaRPr lang="pt-BR" sz="1200" dirty="0">
-                <a:solidFill>
-                  <a:schemeClr val="bg1">
-                    <a:lumMod val="85000"/>
-                  </a:schemeClr>
-                </a:solidFill>
-              </a:endParaRPr>
-            </a:p>
-          </p:txBody>
-        </p:sp>
-        <p:sp>
-          <p:nvSpPr>
-            <p:cNvPr id="5" name="Retângulo 4">
-              <a:extLst>
-                <a:ext uri="{FF2B5EF4-FFF2-40B4-BE49-F238E27FC236}">
-                  <a16:creationId xmlns:a16="http://schemas.microsoft.com/office/drawing/2014/main" id="{81A32350-4C8B-41A8-9E99-D2297ECA2F4E}"/>
-                </a:ext>
-              </a:extLst>
-            </p:cNvPr>
-            <p:cNvSpPr/>
-            <p:nvPr/>
-          </p:nvSpPr>
-          <p:spPr>
-            <a:xfrm>
-              <a:off x="1667508" y="3732042"/>
-              <a:ext cx="2520280" cy="468052"/>
-            </a:xfrm>
-            <a:prstGeom prst="rect">
-              <a:avLst/>
-            </a:prstGeom>
-            <a:solidFill>
-              <a:schemeClr val="accent1">
-                <a:lumMod val="50000"/>
-              </a:schemeClr>
-            </a:solidFill>
-            <a:ln>
-              <a:solidFill>
-                <a:schemeClr val="accent1">
-                  <a:lumMod val="75000"/>
-                </a:schemeClr>
-              </a:solidFill>
-            </a:ln>
-          </p:spPr>
-          <p:style>
-            <a:lnRef idx="1">
-              <a:schemeClr val="accent2"/>
-            </a:lnRef>
-            <a:fillRef idx="2">
-              <a:schemeClr val="accent2"/>
-            </a:fillRef>
-            <a:effectRef idx="1">
-              <a:schemeClr val="accent2"/>
-            </a:effectRef>
-            <a:fontRef idx="minor">
-              <a:schemeClr val="dk1"/>
-            </a:fontRef>
-          </p:style>
-          <p:txBody>
-            <a:bodyPr rtlCol="0" anchor="ctr"/>
-            <a:lstStyle/>
-            <a:p>
-              <a:pPr algn="ctr"/>
-              <a:r>
-                <a:rPr lang="pt-BR" sz="1200" dirty="0">
-                  <a:solidFill>
-                    <a:schemeClr val="bg1">
-                      <a:lumMod val="85000"/>
-                    </a:schemeClr>
-                  </a:solidFill>
-                </a:rPr>
-                <a:t>Entrada do usuário</a:t>
-              </a:r>
-            </a:p>
-          </p:txBody>
-        </p:sp>
-        <p:sp>
-          <p:nvSpPr>
-            <p:cNvPr id="6" name="Retângulo 5">
-              <a:extLst>
-                <a:ext uri="{FF2B5EF4-FFF2-40B4-BE49-F238E27FC236}">
-                  <a16:creationId xmlns:a16="http://schemas.microsoft.com/office/drawing/2014/main" id="{49D72C26-9ED4-4044-8030-E0AD14D52636}"/>
-                </a:ext>
-              </a:extLst>
-            </p:cNvPr>
-            <p:cNvSpPr/>
-            <p:nvPr/>
-          </p:nvSpPr>
-          <p:spPr>
-            <a:xfrm>
-              <a:off x="1667508" y="4419986"/>
-              <a:ext cx="2520280" cy="720080"/>
-            </a:xfrm>
-            <a:prstGeom prst="rect">
-              <a:avLst/>
-            </a:prstGeom>
-            <a:solidFill>
-              <a:schemeClr val="accent1">
-                <a:lumMod val="50000"/>
-              </a:schemeClr>
-            </a:solidFill>
-            <a:ln>
-              <a:solidFill>
-                <a:schemeClr val="accent1">
-                  <a:lumMod val="75000"/>
-                </a:schemeClr>
-              </a:solidFill>
-            </a:ln>
-          </p:spPr>
-          <p:style>
-            <a:lnRef idx="1">
-              <a:schemeClr val="accent2"/>
-            </a:lnRef>
-            <a:fillRef idx="2">
-              <a:schemeClr val="accent2"/>
-            </a:fillRef>
-            <a:effectRef idx="1">
-              <a:schemeClr val="accent2"/>
-            </a:effectRef>
-            <a:fontRef idx="minor">
-              <a:schemeClr val="dk1"/>
-            </a:fontRef>
-          </p:style>
-          <p:txBody>
-            <a:bodyPr rtlCol="0" anchor="ctr"/>
-            <a:lstStyle/>
-            <a:p>
-              <a:pPr algn="ctr"/>
-              <a:r>
-                <a:rPr lang="pt-BR" sz="1200" dirty="0">
-                  <a:solidFill>
-                    <a:schemeClr val="bg1">
-                      <a:lumMod val="85000"/>
-                    </a:schemeClr>
-                  </a:solidFill>
-                </a:rPr>
-                <a:t>Atualização do Jogo</a:t>
-              </a:r>
-              <a:br>
-                <a:rPr lang="pt-BR" sz="1200" dirty="0">
-                  <a:solidFill>
-                    <a:schemeClr val="bg1">
-                      <a:lumMod val="85000"/>
-                    </a:schemeClr>
-                  </a:solidFill>
-                </a:rPr>
-              </a:br>
-              <a:endParaRPr lang="pt-BR" sz="1200" dirty="0">
-                <a:solidFill>
-                  <a:schemeClr val="bg1">
-                    <a:lumMod val="85000"/>
-                  </a:schemeClr>
-                </a:solidFill>
-              </a:endParaRPr>
-            </a:p>
-            <a:p>
-              <a:pPr algn="ctr"/>
-              <a:r>
-                <a:rPr lang="pt-BR" sz="1100" dirty="0">
-                  <a:solidFill>
-                    <a:schemeClr val="tx1"/>
-                  </a:solidFill>
-                </a:rPr>
-                <a:t>AI, Detecção de Colisão, Física</a:t>
-              </a:r>
-            </a:p>
-          </p:txBody>
-        </p:sp>
-        <p:sp>
-          <p:nvSpPr>
-            <p:cNvPr id="7" name="Retângulo 6">
-              <a:extLst>
-                <a:ext uri="{FF2B5EF4-FFF2-40B4-BE49-F238E27FC236}">
-                  <a16:creationId xmlns:a16="http://schemas.microsoft.com/office/drawing/2014/main" id="{F87F99B2-1672-4067-9DFF-CD30F7D0C632}"/>
-                </a:ext>
-              </a:extLst>
-            </p:cNvPr>
-            <p:cNvSpPr/>
-            <p:nvPr/>
-          </p:nvSpPr>
-          <p:spPr>
-            <a:xfrm>
-              <a:off x="1667509" y="3150144"/>
-              <a:ext cx="2520279" cy="362007"/>
-            </a:xfrm>
-            <a:prstGeom prst="rect">
-              <a:avLst/>
-            </a:prstGeom>
-            <a:solidFill>
-              <a:schemeClr val="accent1">
-                <a:lumMod val="50000"/>
-              </a:schemeClr>
-            </a:solidFill>
-            <a:ln>
-              <a:solidFill>
-                <a:schemeClr val="accent1">
-                  <a:lumMod val="75000"/>
-                </a:schemeClr>
-              </a:solidFill>
-            </a:ln>
-          </p:spPr>
-          <p:style>
-            <a:lnRef idx="1">
-              <a:schemeClr val="accent2"/>
-            </a:lnRef>
-            <a:fillRef idx="2">
-              <a:schemeClr val="accent2"/>
-            </a:fillRef>
-            <a:effectRef idx="1">
-              <a:schemeClr val="accent2"/>
-            </a:effectRef>
-            <a:fontRef idx="minor">
-              <a:schemeClr val="dk1"/>
-            </a:fontRef>
-          </p:style>
-          <p:txBody>
-            <a:bodyPr rtlCol="0" anchor="ctr"/>
-            <a:lstStyle/>
-            <a:p>
-              <a:pPr algn="ctr"/>
-              <a:r>
-                <a:rPr lang="pt-BR" sz="1200" dirty="0">
-                  <a:solidFill>
-                    <a:schemeClr val="bg1">
-                      <a:lumMod val="85000"/>
-                    </a:schemeClr>
-                  </a:solidFill>
-                </a:rPr>
-                <a:t>Eventos do Windows</a:t>
-              </a:r>
-            </a:p>
-          </p:txBody>
-        </p:sp>
-        <p:sp>
-          <p:nvSpPr>
-            <p:cNvPr id="8" name="Retângulo 7">
-              <a:extLst>
-                <a:ext uri="{FF2B5EF4-FFF2-40B4-BE49-F238E27FC236}">
-                  <a16:creationId xmlns:a16="http://schemas.microsoft.com/office/drawing/2014/main" id="{F1F715A8-94CF-496C-B183-C59720DFCDBF}"/>
-                </a:ext>
-              </a:extLst>
-            </p:cNvPr>
-            <p:cNvSpPr/>
-            <p:nvPr/>
-          </p:nvSpPr>
-          <p:spPr>
-            <a:xfrm>
-              <a:off x="4992094" y="3411874"/>
-              <a:ext cx="1512168" cy="326996"/>
-            </a:xfrm>
-            <a:prstGeom prst="rect">
-              <a:avLst/>
-            </a:prstGeom>
-            <a:solidFill>
-              <a:schemeClr val="accent1">
-                <a:lumMod val="50000"/>
-              </a:schemeClr>
-            </a:solidFill>
-            <a:ln>
-              <a:solidFill>
-                <a:schemeClr val="accent1">
-                  <a:lumMod val="75000"/>
-                </a:schemeClr>
-              </a:solidFill>
-            </a:ln>
-          </p:spPr>
-          <p:style>
-            <a:lnRef idx="1">
-              <a:schemeClr val="accent2"/>
-            </a:lnRef>
-            <a:fillRef idx="2">
-              <a:schemeClr val="accent2"/>
-            </a:fillRef>
-            <a:effectRef idx="1">
-              <a:schemeClr val="accent2"/>
-            </a:effectRef>
-            <a:fontRef idx="minor">
-              <a:schemeClr val="dk1"/>
-            </a:fontRef>
-          </p:style>
-          <p:txBody>
-            <a:bodyPr rtlCol="0" anchor="ctr"/>
-            <a:lstStyle/>
-            <a:p>
-              <a:pPr algn="ctr"/>
-              <a:r>
-                <a:rPr lang="pt-BR" sz="1200" dirty="0">
-                  <a:solidFill>
-                    <a:schemeClr val="bg1">
-                      <a:lumMod val="85000"/>
-                    </a:schemeClr>
-                  </a:solidFill>
-                </a:rPr>
-                <a:t>Teclado</a:t>
-              </a:r>
-            </a:p>
-          </p:txBody>
-        </p:sp>
-        <p:sp>
-          <p:nvSpPr>
-            <p:cNvPr id="9" name="Retângulo 8">
-              <a:extLst>
-                <a:ext uri="{FF2B5EF4-FFF2-40B4-BE49-F238E27FC236}">
-                  <a16:creationId xmlns:a16="http://schemas.microsoft.com/office/drawing/2014/main" id="{CBFE6ED8-BDB9-4FA3-BA57-DB6DFD6D5C7F}"/>
-                </a:ext>
-              </a:extLst>
-            </p:cNvPr>
-            <p:cNvSpPr/>
-            <p:nvPr/>
-          </p:nvSpPr>
-          <p:spPr>
-            <a:xfrm>
-              <a:off x="4992094" y="3802570"/>
-              <a:ext cx="1512168" cy="326996"/>
-            </a:xfrm>
-            <a:prstGeom prst="rect">
-              <a:avLst/>
-            </a:prstGeom>
-            <a:solidFill>
-              <a:schemeClr val="accent1">
-                <a:lumMod val="50000"/>
-              </a:schemeClr>
-            </a:solidFill>
-            <a:ln>
-              <a:solidFill>
-                <a:schemeClr val="accent1">
-                  <a:lumMod val="75000"/>
-                </a:schemeClr>
-              </a:solidFill>
-            </a:ln>
-          </p:spPr>
-          <p:style>
-            <a:lnRef idx="1">
-              <a:schemeClr val="accent2"/>
-            </a:lnRef>
-            <a:fillRef idx="2">
-              <a:schemeClr val="accent2"/>
-            </a:fillRef>
-            <a:effectRef idx="1">
-              <a:schemeClr val="accent2"/>
-            </a:effectRef>
-            <a:fontRef idx="minor">
-              <a:schemeClr val="dk1"/>
-            </a:fontRef>
-          </p:style>
-          <p:txBody>
-            <a:bodyPr rtlCol="0" anchor="ctr"/>
-            <a:lstStyle/>
-            <a:p>
-              <a:pPr algn="ctr"/>
-              <a:r>
-                <a:rPr lang="pt-BR" sz="1200" dirty="0">
-                  <a:solidFill>
-                    <a:schemeClr val="bg1">
-                      <a:lumMod val="85000"/>
-                    </a:schemeClr>
-                  </a:solidFill>
-                </a:rPr>
-                <a:t>Mouse</a:t>
-              </a:r>
-            </a:p>
-          </p:txBody>
-        </p:sp>
-        <p:sp>
-          <p:nvSpPr>
-            <p:cNvPr id="10" name="Retângulo 9">
-              <a:extLst>
-                <a:ext uri="{FF2B5EF4-FFF2-40B4-BE49-F238E27FC236}">
-                  <a16:creationId xmlns:a16="http://schemas.microsoft.com/office/drawing/2014/main" id="{918930E4-FC73-41F1-9F38-CC2B48A92468}"/>
-                </a:ext>
-              </a:extLst>
-            </p:cNvPr>
-            <p:cNvSpPr/>
-            <p:nvPr/>
-          </p:nvSpPr>
-          <p:spPr>
-            <a:xfrm>
-              <a:off x="4992094" y="4200094"/>
-              <a:ext cx="1512168" cy="326996"/>
-            </a:xfrm>
-            <a:prstGeom prst="rect">
-              <a:avLst/>
-            </a:prstGeom>
-            <a:solidFill>
-              <a:schemeClr val="accent1">
-                <a:lumMod val="50000"/>
-              </a:schemeClr>
-            </a:solidFill>
-            <a:ln>
-              <a:solidFill>
-                <a:schemeClr val="accent1">
-                  <a:lumMod val="75000"/>
-                </a:schemeClr>
-              </a:solidFill>
-            </a:ln>
-          </p:spPr>
-          <p:style>
-            <a:lnRef idx="1">
-              <a:schemeClr val="accent2"/>
-            </a:lnRef>
-            <a:fillRef idx="2">
-              <a:schemeClr val="accent2"/>
-            </a:fillRef>
-            <a:effectRef idx="1">
-              <a:schemeClr val="accent2"/>
-            </a:effectRef>
-            <a:fontRef idx="minor">
-              <a:schemeClr val="dk1"/>
-            </a:fontRef>
-          </p:style>
-          <p:txBody>
-            <a:bodyPr rtlCol="0" anchor="ctr"/>
-            <a:lstStyle/>
-            <a:p>
-              <a:pPr algn="ctr"/>
-              <a:r>
-                <a:rPr lang="pt-BR" sz="1200" dirty="0">
-                  <a:solidFill>
-                    <a:schemeClr val="bg1">
-                      <a:lumMod val="85000"/>
-                    </a:schemeClr>
-                  </a:solidFill>
-                </a:rPr>
-                <a:t>Controle</a:t>
-              </a:r>
-            </a:p>
-          </p:txBody>
-        </p:sp>
-        <p:cxnSp>
-          <p:nvCxnSpPr>
-            <p:cNvPr id="11" name="Conector angulado 13">
-              <a:extLst>
-                <a:ext uri="{FF2B5EF4-FFF2-40B4-BE49-F238E27FC236}">
-                  <a16:creationId xmlns:a16="http://schemas.microsoft.com/office/drawing/2014/main" id="{42B33C52-F508-4481-BAB9-B9EBD1ACC34A}"/>
-                </a:ext>
-              </a:extLst>
-            </p:cNvPr>
-            <p:cNvCxnSpPr>
-              <a:stCxn id="8" idx="1"/>
-            </p:cNvCxnSpPr>
-            <p:nvPr/>
-          </p:nvCxnSpPr>
-          <p:spPr>
-            <a:xfrm rot="10800000" flipV="1">
-              <a:off x="4187788" y="3575372"/>
-              <a:ext cx="804306" cy="227198"/>
-            </a:xfrm>
-            <a:prstGeom prst="bentConnector3">
-              <a:avLst/>
-            </a:prstGeom>
-            <a:ln>
-              <a:solidFill>
-                <a:schemeClr val="bg1">
-                  <a:lumMod val="85000"/>
-                </a:schemeClr>
-              </a:solidFill>
-              <a:tailEnd type="triangle"/>
-            </a:ln>
-          </p:spPr>
-          <p:style>
-            <a:lnRef idx="1">
-              <a:schemeClr val="accent1"/>
-            </a:lnRef>
-            <a:fillRef idx="0">
-              <a:schemeClr val="accent1"/>
-            </a:fillRef>
-            <a:effectRef idx="0">
-              <a:schemeClr val="accent1"/>
-            </a:effectRef>
-            <a:fontRef idx="minor">
-              <a:schemeClr val="tx1"/>
-            </a:fontRef>
-          </p:style>
-        </p:cxnSp>
-        <p:cxnSp>
-          <p:nvCxnSpPr>
-            <p:cNvPr id="12" name="Conector angulado 15">
-              <a:extLst>
-                <a:ext uri="{FF2B5EF4-FFF2-40B4-BE49-F238E27FC236}">
-                  <a16:creationId xmlns:a16="http://schemas.microsoft.com/office/drawing/2014/main" id="{216A66C2-51FB-40E2-BFA4-7A3B74B33E10}"/>
-                </a:ext>
-              </a:extLst>
-            </p:cNvPr>
-            <p:cNvCxnSpPr>
-              <a:stCxn id="10" idx="1"/>
-            </p:cNvCxnSpPr>
-            <p:nvPr/>
-          </p:nvCxnSpPr>
-          <p:spPr>
-            <a:xfrm rot="10800000">
-              <a:off x="4197405" y="4114259"/>
-              <a:ext cx="794691" cy="249335"/>
-            </a:xfrm>
-            <a:prstGeom prst="bentConnector3">
-              <a:avLst/>
-            </a:prstGeom>
-            <a:ln>
-              <a:solidFill>
-                <a:schemeClr val="bg1">
-                  <a:lumMod val="85000"/>
-                </a:schemeClr>
-              </a:solidFill>
-              <a:tailEnd type="triangle"/>
-            </a:ln>
-          </p:spPr>
-          <p:style>
-            <a:lnRef idx="1">
-              <a:schemeClr val="accent1"/>
-            </a:lnRef>
-            <a:fillRef idx="0">
-              <a:schemeClr val="accent1"/>
-            </a:fillRef>
-            <a:effectRef idx="0">
-              <a:schemeClr val="accent1"/>
-            </a:effectRef>
-            <a:fontRef idx="minor">
-              <a:schemeClr val="tx1"/>
-            </a:fontRef>
-          </p:style>
-        </p:cxnSp>
-        <p:cxnSp>
-          <p:nvCxnSpPr>
-            <p:cNvPr id="13" name="Conector de seta reta 17">
-              <a:extLst>
-                <a:ext uri="{FF2B5EF4-FFF2-40B4-BE49-F238E27FC236}">
-                  <a16:creationId xmlns:a16="http://schemas.microsoft.com/office/drawing/2014/main" id="{96634DCF-DCA7-47DE-AFDC-246EB3957771}"/>
-                </a:ext>
-              </a:extLst>
-            </p:cNvPr>
-            <p:cNvCxnSpPr>
-              <a:stCxn id="9" idx="1"/>
-              <a:endCxn id="5" idx="3"/>
-            </p:cNvCxnSpPr>
-            <p:nvPr/>
-          </p:nvCxnSpPr>
-          <p:spPr>
-            <a:xfrm flipH="1">
-              <a:off x="4187788" y="3966068"/>
-              <a:ext cx="804306" cy="0"/>
-            </a:xfrm>
-            <a:prstGeom prst="straightConnector1">
-              <a:avLst/>
-            </a:prstGeom>
-            <a:ln>
-              <a:solidFill>
-                <a:schemeClr val="bg1">
-                  <a:lumMod val="85000"/>
-                </a:schemeClr>
-              </a:solidFill>
-              <a:tailEnd type="triangle"/>
-            </a:ln>
-          </p:spPr>
-          <p:style>
-            <a:lnRef idx="1">
-              <a:schemeClr val="accent1"/>
-            </a:lnRef>
-            <a:fillRef idx="0">
-              <a:schemeClr val="accent1"/>
-            </a:fillRef>
-            <a:effectRef idx="0">
-              <a:schemeClr val="accent1"/>
-            </a:effectRef>
-            <a:fontRef idx="minor">
-              <a:schemeClr val="tx1"/>
-            </a:fontRef>
-          </p:style>
-        </p:cxnSp>
-        <p:grpSp>
-          <p:nvGrpSpPr>
-            <p:cNvPr id="14" name="Grupo 27">
-              <a:extLst>
-                <a:ext uri="{FF2B5EF4-FFF2-40B4-BE49-F238E27FC236}">
-                  <a16:creationId xmlns:a16="http://schemas.microsoft.com/office/drawing/2014/main" id="{E4784AE3-AEA7-4B88-858A-0954AB2904A8}"/>
-                </a:ext>
-              </a:extLst>
-            </p:cNvPr>
-            <p:cNvGrpSpPr/>
-            <p:nvPr/>
-          </p:nvGrpSpPr>
-          <p:grpSpPr>
-            <a:xfrm>
-              <a:off x="4935273" y="5072599"/>
-              <a:ext cx="1728192" cy="1008112"/>
-              <a:chOff x="6516216" y="5517232"/>
-              <a:chExt cx="1728192" cy="1008112"/>
-            </a:xfrm>
-          </p:grpSpPr>
-          <p:sp>
-            <p:nvSpPr>
-              <p:cNvPr id="15" name="Retângulo de cantos arredondados 23">
-                <a:extLst>
-                  <a:ext uri="{FF2B5EF4-FFF2-40B4-BE49-F238E27FC236}">
-                    <a16:creationId xmlns:a16="http://schemas.microsoft.com/office/drawing/2014/main" id="{FCFD3C4A-CC8A-4A7F-810D-8EB37E63FDB9}"/>
-                  </a:ext>
-                </a:extLst>
-              </p:cNvPr>
-              <p:cNvSpPr/>
-              <p:nvPr/>
-            </p:nvSpPr>
-            <p:spPr>
-              <a:xfrm>
-                <a:off x="6516216" y="5517232"/>
-                <a:ext cx="1728192" cy="1008112"/>
-              </a:xfrm>
-              <a:prstGeom prst="roundRect">
-                <a:avLst/>
-              </a:prstGeom>
-              <a:ln>
-                <a:noFill/>
-              </a:ln>
-              <a:effectLst/>
-              <a:scene3d>
-                <a:camera prst="orthographicFront">
-                  <a:rot lat="0" lon="0" rev="0"/>
-                </a:camera>
-                <a:lightRig rig="chilly" dir="t">
-                  <a:rot lat="0" lon="0" rev="18480000"/>
-                </a:lightRig>
-              </a:scene3d>
-              <a:sp3d prstMaterial="clear">
-                <a:bevelT h="63500"/>
-              </a:sp3d>
-            </p:spPr>
-            <p:style>
-              <a:lnRef idx="1">
-                <a:schemeClr val="dk1"/>
-              </a:lnRef>
-              <a:fillRef idx="2">
-                <a:schemeClr val="dk1"/>
-              </a:fillRef>
-              <a:effectRef idx="1">
-                <a:schemeClr val="dk1"/>
-              </a:effectRef>
-              <a:fontRef idx="minor">
-                <a:schemeClr val="dk1"/>
-              </a:fontRef>
-            </p:style>
-            <p:txBody>
-              <a:bodyPr rtlCol="0" anchor="ctr"/>
-              <a:lstStyle/>
-              <a:p>
-                <a:pPr algn="ctr"/>
-                <a:endParaRPr lang="pt-BR" dirty="0"/>
-              </a:p>
-            </p:txBody>
-          </p:sp>
-          <p:sp>
-            <p:nvSpPr>
-              <p:cNvPr id="16" name="Triângulo isósceles 15">
-                <a:extLst>
-                  <a:ext uri="{FF2B5EF4-FFF2-40B4-BE49-F238E27FC236}">
-                    <a16:creationId xmlns:a16="http://schemas.microsoft.com/office/drawing/2014/main" id="{AA999E6F-1200-4902-8065-448851203C05}"/>
-                  </a:ext>
-                </a:extLst>
-              </p:cNvPr>
-              <p:cNvSpPr/>
-              <p:nvPr/>
-            </p:nvSpPr>
-            <p:spPr>
-              <a:xfrm>
-                <a:off x="6717574" y="5646582"/>
-                <a:ext cx="302698" cy="302698"/>
-              </a:xfrm>
-              <a:prstGeom prst="triangle">
-                <a:avLst/>
-              </a:prstGeom>
-              <a:solidFill>
-                <a:srgbClr val="0070C0"/>
-              </a:solidFill>
-              <a:ln>
-                <a:solidFill>
-                  <a:srgbClr val="0070C0"/>
-                </a:solidFill>
-              </a:ln>
-            </p:spPr>
-            <p:style>
-              <a:lnRef idx="1">
-                <a:schemeClr val="accent1"/>
-              </a:lnRef>
-              <a:fillRef idx="2">
-                <a:schemeClr val="accent1"/>
-              </a:fillRef>
-              <a:effectRef idx="1">
-                <a:schemeClr val="accent1"/>
-              </a:effectRef>
-              <a:fontRef idx="minor">
-                <a:schemeClr val="dk1"/>
-              </a:fontRef>
-            </p:style>
-            <p:txBody>
-              <a:bodyPr rtlCol="0" anchor="ctr"/>
-              <a:lstStyle/>
-              <a:p>
-                <a:pPr algn="ctr"/>
-                <a:endParaRPr lang="pt-BR"/>
-              </a:p>
-            </p:txBody>
-          </p:sp>
-          <p:sp>
-            <p:nvSpPr>
-              <p:cNvPr id="17" name="Elipse 16">
-                <a:extLst>
-                  <a:ext uri="{FF2B5EF4-FFF2-40B4-BE49-F238E27FC236}">
-                    <a16:creationId xmlns:a16="http://schemas.microsoft.com/office/drawing/2014/main" id="{A08E9018-CB91-48D6-848A-DE0BE00141F7}"/>
-                  </a:ext>
-                </a:extLst>
-              </p:cNvPr>
-              <p:cNvSpPr/>
-              <p:nvPr/>
-            </p:nvSpPr>
-            <p:spPr>
-              <a:xfrm>
-                <a:off x="7068169" y="5985995"/>
-                <a:ext cx="312142" cy="308058"/>
-              </a:xfrm>
-              <a:prstGeom prst="ellipse">
-                <a:avLst/>
-              </a:prstGeom>
-              <a:solidFill>
-                <a:srgbClr val="FF0000"/>
-              </a:solidFill>
-              <a:ln>
-                <a:solidFill>
-                  <a:srgbClr val="FF0000"/>
-                </a:solidFill>
-              </a:ln>
-            </p:spPr>
-            <p:style>
-              <a:lnRef idx="1">
-                <a:schemeClr val="accent1"/>
-              </a:lnRef>
-              <a:fillRef idx="2">
-                <a:schemeClr val="accent1"/>
-              </a:fillRef>
-              <a:effectRef idx="1">
-                <a:schemeClr val="accent1"/>
-              </a:effectRef>
-              <a:fontRef idx="minor">
-                <a:schemeClr val="dk1"/>
-              </a:fontRef>
-            </p:style>
-            <p:txBody>
-              <a:bodyPr rtlCol="0" anchor="ctr"/>
-              <a:lstStyle/>
-              <a:p>
-                <a:pPr algn="ctr"/>
-                <a:endParaRPr lang="pt-BR"/>
-              </a:p>
-            </p:txBody>
-          </p:sp>
-          <p:sp>
-            <p:nvSpPr>
-              <p:cNvPr id="18" name="CaixaDeTexto 17">
-                <a:extLst>
-                  <a:ext uri="{FF2B5EF4-FFF2-40B4-BE49-F238E27FC236}">
-                    <a16:creationId xmlns:a16="http://schemas.microsoft.com/office/drawing/2014/main" id="{237791DE-DBC3-432B-945F-5C1EA6844BC6}"/>
-                  </a:ext>
-                </a:extLst>
-              </p:cNvPr>
-              <p:cNvSpPr txBox="1"/>
-              <p:nvPr/>
-            </p:nvSpPr>
-            <p:spPr>
-              <a:xfrm>
-                <a:off x="7380312" y="5734997"/>
-                <a:ext cx="636713" cy="369332"/>
-              </a:xfrm>
-              <a:prstGeom prst="rect">
-                <a:avLst/>
-              </a:prstGeom>
-              <a:noFill/>
-            </p:spPr>
-            <p:txBody>
-              <a:bodyPr wrap="none" rtlCol="0">
-                <a:spAutoFit/>
-              </a:bodyPr>
-              <a:lstStyle/>
-              <a:p>
-                <a:r>
-                  <a:rPr lang="pt-BR" dirty="0">
-                    <a:solidFill>
-                      <a:schemeClr val="bg1">
-                        <a:lumMod val="85000"/>
-                      </a:schemeClr>
-                    </a:solidFill>
-                  </a:rPr>
-                  <a:t>ABC</a:t>
-                </a:r>
-              </a:p>
-            </p:txBody>
-          </p:sp>
-        </p:grpSp>
-        <p:cxnSp>
-          <p:nvCxnSpPr>
-            <p:cNvPr id="19" name="Conector de seta reta 28">
-              <a:extLst>
-                <a:ext uri="{FF2B5EF4-FFF2-40B4-BE49-F238E27FC236}">
-                  <a16:creationId xmlns:a16="http://schemas.microsoft.com/office/drawing/2014/main" id="{8862F526-2E8D-4E50-BC73-AE3C8F19E575}"/>
-                </a:ext>
-              </a:extLst>
-            </p:cNvPr>
-            <p:cNvCxnSpPr>
-              <a:stCxn id="26" idx="3"/>
-              <a:endCxn id="15" idx="1"/>
-            </p:cNvCxnSpPr>
-            <p:nvPr/>
-          </p:nvCxnSpPr>
-          <p:spPr>
-            <a:xfrm>
-              <a:off x="4183431" y="5576655"/>
-              <a:ext cx="751842" cy="0"/>
-            </a:xfrm>
-            <a:prstGeom prst="straightConnector1">
-              <a:avLst/>
-            </a:prstGeom>
-            <a:ln>
-              <a:solidFill>
-                <a:schemeClr val="bg1">
-                  <a:lumMod val="85000"/>
-                </a:schemeClr>
-              </a:solidFill>
-              <a:tailEnd type="triangle"/>
-            </a:ln>
-          </p:spPr>
-          <p:style>
-            <a:lnRef idx="1">
-              <a:schemeClr val="accent1"/>
-            </a:lnRef>
-            <a:fillRef idx="0">
-              <a:schemeClr val="accent1"/>
-            </a:fillRef>
-            <a:effectRef idx="0">
-              <a:schemeClr val="accent1"/>
-            </a:effectRef>
-            <a:fontRef idx="minor">
-              <a:schemeClr val="tx1"/>
-            </a:fontRef>
-          </p:style>
-        </p:cxnSp>
-        <p:cxnSp>
-          <p:nvCxnSpPr>
-            <p:cNvPr id="20" name="Conector angulado 31">
-              <a:extLst>
-                <a:ext uri="{FF2B5EF4-FFF2-40B4-BE49-F238E27FC236}">
-                  <a16:creationId xmlns:a16="http://schemas.microsoft.com/office/drawing/2014/main" id="{9E988AB6-9059-48B7-9AA0-8744D404A195}"/>
-                </a:ext>
-              </a:extLst>
-            </p:cNvPr>
-            <p:cNvCxnSpPr>
-              <a:cxnSpLocks/>
-              <a:stCxn id="15" idx="3"/>
-              <a:endCxn id="4" idx="0"/>
-            </p:cNvCxnSpPr>
-            <p:nvPr/>
-          </p:nvCxnSpPr>
-          <p:spPr>
-            <a:xfrm flipH="1" flipV="1">
-              <a:off x="2927648" y="2617624"/>
-              <a:ext cx="3735817" cy="2959031"/>
-            </a:xfrm>
-            <a:prstGeom prst="bentConnector4">
-              <a:avLst>
-                <a:gd name="adj1" fmla="val -6119"/>
-                <a:gd name="adj2" fmla="val 107726"/>
-              </a:avLst>
-            </a:prstGeom>
-            <a:ln>
-              <a:solidFill>
-                <a:schemeClr val="bg1">
-                  <a:lumMod val="85000"/>
-                </a:schemeClr>
-              </a:solidFill>
-              <a:tailEnd type="triangle"/>
-            </a:ln>
-          </p:spPr>
-          <p:style>
-            <a:lnRef idx="1">
-              <a:schemeClr val="accent1"/>
-            </a:lnRef>
-            <a:fillRef idx="0">
-              <a:schemeClr val="accent1"/>
-            </a:fillRef>
-            <a:effectRef idx="0">
-              <a:schemeClr val="accent1"/>
-            </a:effectRef>
-            <a:fontRef idx="minor">
-              <a:schemeClr val="tx1"/>
-            </a:fontRef>
-          </p:style>
-        </p:cxnSp>
-        <p:cxnSp>
-          <p:nvCxnSpPr>
-            <p:cNvPr id="22" name="Conector de seta reta 49">
-              <a:extLst>
-                <a:ext uri="{FF2B5EF4-FFF2-40B4-BE49-F238E27FC236}">
-                  <a16:creationId xmlns:a16="http://schemas.microsoft.com/office/drawing/2014/main" id="{EABACA06-A96D-40F8-A10F-05042B096E94}"/>
-                </a:ext>
-              </a:extLst>
-            </p:cNvPr>
-            <p:cNvCxnSpPr>
-              <a:stCxn id="5" idx="2"/>
-              <a:endCxn id="6" idx="0"/>
-            </p:cNvCxnSpPr>
-            <p:nvPr/>
-          </p:nvCxnSpPr>
-          <p:spPr>
-            <a:xfrm>
-              <a:off x="2927648" y="4200094"/>
-              <a:ext cx="0" cy="219892"/>
-            </a:xfrm>
-            <a:prstGeom prst="straightConnector1">
-              <a:avLst/>
-            </a:prstGeom>
-            <a:ln>
-              <a:solidFill>
-                <a:schemeClr val="bg1">
-                  <a:lumMod val="85000"/>
-                </a:schemeClr>
-              </a:solidFill>
-              <a:tailEnd type="triangle"/>
-            </a:ln>
-          </p:spPr>
-          <p:style>
-            <a:lnRef idx="1">
-              <a:schemeClr val="accent1"/>
-            </a:lnRef>
-            <a:fillRef idx="0">
-              <a:schemeClr val="accent1"/>
-            </a:fillRef>
-            <a:effectRef idx="0">
-              <a:schemeClr val="accent1"/>
-            </a:effectRef>
-            <a:fontRef idx="minor">
-              <a:schemeClr val="tx1"/>
-            </a:fontRef>
-          </p:style>
-        </p:cxnSp>
-        <p:sp>
-          <p:nvSpPr>
-            <p:cNvPr id="23" name="CaixaDeTexto 22">
-              <a:extLst>
-                <a:ext uri="{FF2B5EF4-FFF2-40B4-BE49-F238E27FC236}">
-                  <a16:creationId xmlns:a16="http://schemas.microsoft.com/office/drawing/2014/main" id="{98857B60-1427-44EC-96D9-158000C42E23}"/>
-                </a:ext>
-              </a:extLst>
-            </p:cNvPr>
-            <p:cNvSpPr txBox="1"/>
-            <p:nvPr/>
-          </p:nvSpPr>
-          <p:spPr>
-            <a:xfrm>
-              <a:off x="2042630" y="2652460"/>
-              <a:ext cx="1729961" cy="369332"/>
-            </a:xfrm>
-            <a:prstGeom prst="rect">
-              <a:avLst/>
-            </a:prstGeom>
-            <a:noFill/>
-          </p:spPr>
-          <p:txBody>
-            <a:bodyPr wrap="square" rtlCol="0">
-              <a:spAutoFit/>
-            </a:bodyPr>
-            <a:lstStyle/>
-            <a:p>
-              <a:r>
-                <a:rPr lang="pt-BR" dirty="0">
-                  <a:solidFill>
-                    <a:schemeClr val="bg1">
-                      <a:lumMod val="85000"/>
-                    </a:schemeClr>
-                  </a:solidFill>
-                </a:rPr>
-                <a:t>Laço Principal</a:t>
-              </a:r>
-            </a:p>
-          </p:txBody>
-        </p:sp>
-        <p:cxnSp>
-          <p:nvCxnSpPr>
-            <p:cNvPr id="24" name="Conector de seta reta 75">
-              <a:extLst>
-                <a:ext uri="{FF2B5EF4-FFF2-40B4-BE49-F238E27FC236}">
-                  <a16:creationId xmlns:a16="http://schemas.microsoft.com/office/drawing/2014/main" id="{86AF623C-71E7-4907-B219-AB4D936B0291}"/>
-                </a:ext>
-              </a:extLst>
-            </p:cNvPr>
-            <p:cNvCxnSpPr>
-              <a:stCxn id="6" idx="2"/>
-            </p:cNvCxnSpPr>
-            <p:nvPr/>
-          </p:nvCxnSpPr>
-          <p:spPr>
-            <a:xfrm>
-              <a:off x="2927648" y="5140067"/>
-              <a:ext cx="0" cy="242325"/>
-            </a:xfrm>
-            <a:prstGeom prst="straightConnector1">
-              <a:avLst/>
-            </a:prstGeom>
-            <a:ln>
-              <a:solidFill>
-                <a:schemeClr val="bg1">
-                  <a:lumMod val="85000"/>
-                </a:schemeClr>
-              </a:solidFill>
-              <a:tailEnd type="triangle"/>
-            </a:ln>
-          </p:spPr>
-          <p:style>
-            <a:lnRef idx="1">
-              <a:schemeClr val="accent1"/>
-            </a:lnRef>
-            <a:fillRef idx="0">
-              <a:schemeClr val="accent1"/>
-            </a:fillRef>
-            <a:effectRef idx="0">
-              <a:schemeClr val="accent1"/>
-            </a:effectRef>
-            <a:fontRef idx="minor">
-              <a:schemeClr val="tx1"/>
-            </a:fontRef>
-          </p:style>
-        </p:cxnSp>
-        <p:cxnSp>
-          <p:nvCxnSpPr>
-            <p:cNvPr id="25" name="Conector de seta reta 80">
-              <a:extLst>
-                <a:ext uri="{FF2B5EF4-FFF2-40B4-BE49-F238E27FC236}">
-                  <a16:creationId xmlns:a16="http://schemas.microsoft.com/office/drawing/2014/main" id="{2B7116B3-0966-41EF-8A25-0E9EA7002883}"/>
-                </a:ext>
-              </a:extLst>
-            </p:cNvPr>
-            <p:cNvCxnSpPr>
-              <a:cxnSpLocks/>
-            </p:cNvCxnSpPr>
-            <p:nvPr/>
-          </p:nvCxnSpPr>
-          <p:spPr>
-            <a:xfrm>
-              <a:off x="2923292" y="3512150"/>
-              <a:ext cx="0" cy="219892"/>
-            </a:xfrm>
-            <a:prstGeom prst="straightConnector1">
-              <a:avLst/>
-            </a:prstGeom>
-            <a:ln>
-              <a:solidFill>
-                <a:schemeClr val="bg1">
-                  <a:lumMod val="85000"/>
-                </a:schemeClr>
-              </a:solidFill>
-              <a:tailEnd type="triangle"/>
-            </a:ln>
-          </p:spPr>
-          <p:style>
-            <a:lnRef idx="1">
-              <a:schemeClr val="accent1"/>
-            </a:lnRef>
-            <a:fillRef idx="0">
-              <a:schemeClr val="accent1"/>
-            </a:fillRef>
-            <a:effectRef idx="0">
-              <a:schemeClr val="accent1"/>
-            </a:effectRef>
-            <a:fontRef idx="minor">
-              <a:schemeClr val="tx1"/>
-            </a:fontRef>
-          </p:style>
-        </p:cxnSp>
-        <p:sp>
-          <p:nvSpPr>
-            <p:cNvPr id="26" name="Retângulo 25">
-              <a:extLst>
-                <a:ext uri="{FF2B5EF4-FFF2-40B4-BE49-F238E27FC236}">
-                  <a16:creationId xmlns:a16="http://schemas.microsoft.com/office/drawing/2014/main" id="{19668794-FDFF-4EC9-B4EF-22F02702FD6D}"/>
-                </a:ext>
-              </a:extLst>
-            </p:cNvPr>
-            <p:cNvSpPr/>
-            <p:nvPr/>
-          </p:nvSpPr>
-          <p:spPr>
-            <a:xfrm>
-              <a:off x="1663153" y="5395652"/>
-              <a:ext cx="2520279" cy="362007"/>
-            </a:xfrm>
-            <a:prstGeom prst="rect">
-              <a:avLst/>
-            </a:prstGeom>
-            <a:solidFill>
-              <a:schemeClr val="accent1">
-                <a:lumMod val="50000"/>
-              </a:schemeClr>
-            </a:solidFill>
-            <a:ln>
-              <a:solidFill>
-                <a:schemeClr val="accent1">
-                  <a:lumMod val="75000"/>
-                </a:schemeClr>
-              </a:solidFill>
-            </a:ln>
-          </p:spPr>
-          <p:style>
-            <a:lnRef idx="1">
-              <a:schemeClr val="accent2"/>
-            </a:lnRef>
-            <a:fillRef idx="2">
-              <a:schemeClr val="accent2"/>
-            </a:fillRef>
-            <a:effectRef idx="1">
-              <a:schemeClr val="accent2"/>
-            </a:effectRef>
-            <a:fontRef idx="minor">
-              <a:schemeClr val="dk1"/>
-            </a:fontRef>
-          </p:style>
-          <p:txBody>
-            <a:bodyPr rtlCol="0" anchor="ctr"/>
-            <a:lstStyle/>
-            <a:p>
-              <a:pPr algn="ctr"/>
-              <a:r>
-                <a:rPr lang="pt-BR" sz="1200" dirty="0">
-                  <a:solidFill>
-                    <a:schemeClr val="bg1">
-                      <a:lumMod val="85000"/>
-                    </a:schemeClr>
-                  </a:solidFill>
-                </a:rPr>
-                <a:t>Desenho da cena</a:t>
-              </a:r>
-            </a:p>
-          </p:txBody>
-        </p:sp>
-      </p:grpSp>
       <p:sp>
         <p:nvSpPr>
           <p:cNvPr id="31" name="Retângulo 30">
@@ -9392,8 +9644,8 @@
         </p:nvSpPr>
         <p:spPr>
           <a:xfrm>
-            <a:off x="7495785" y="2924944"/>
-            <a:ext cx="3136720" cy="2031325"/>
+            <a:off x="8411809" y="3148683"/>
+            <a:ext cx="3136720" cy="2308324"/>
           </a:xfrm>
           <a:prstGeom prst="rect">
             <a:avLst/>
@@ -9414,18 +9666,17 @@
                   </a:schemeClr>
                 </a:solidFill>
               </a:rPr>
-              <a:t>Como o computador é mais rápido que nossas reações, vários ciclos se passam do momento em que pressionamos </a:t>
-            </a:r>
-            <a:r>
-              <a:rPr lang="pt-BR">
+              <a:t>O computador é mais rápido que nossas </a:t>
+            </a:r>
+            <a:br>
+              <a:rPr lang="pt-BR" dirty="0">
                 <a:solidFill>
                   <a:schemeClr val="bg1">
                     <a:lumMod val="75000"/>
                   </a:schemeClr>
                 </a:solidFill>
               </a:rPr>
-              <a:t>um botão </a:t>
-            </a:r>
+            </a:br>
             <a:r>
               <a:rPr lang="pt-BR" dirty="0">
                 <a:solidFill>
@@ -9434,11 +9685,1643 @@
                   </a:schemeClr>
                 </a:solidFill>
               </a:rPr>
-              <a:t>até o momento da sua liberação</a:t>
+              <a:t>reações</a:t>
+            </a:r>
+          </a:p>
+          <a:p>
+            <a:pPr algn="ctr"/>
+            <a:endParaRPr lang="pt-BR" dirty="0">
+              <a:solidFill>
+                <a:schemeClr val="bg1">
+                  <a:lumMod val="75000"/>
+                </a:schemeClr>
+              </a:solidFill>
+            </a:endParaRPr>
+          </a:p>
+          <a:p>
+            <a:pPr algn="ctr"/>
+            <a:endParaRPr lang="pt-BR" dirty="0">
+              <a:solidFill>
+                <a:schemeClr val="bg1">
+                  <a:lumMod val="75000"/>
+                </a:schemeClr>
+              </a:solidFill>
+            </a:endParaRPr>
+          </a:p>
+          <a:p>
+            <a:pPr algn="ctr"/>
+            <a:r>
+              <a:rPr lang="pt-BR" dirty="0">
+                <a:solidFill>
+                  <a:schemeClr val="bg1">
+                    <a:lumMod val="75000"/>
+                  </a:schemeClr>
+                </a:solidFill>
+              </a:rPr>
+              <a:t>Vários ciclos se passam em cada pressionamento de tecla ou botão</a:t>
             </a:r>
           </a:p>
         </p:txBody>
       </p:sp>
+      <p:sp>
+        <p:nvSpPr>
+          <p:cNvPr id="29" name="Retângulo Arredondado 3">
+            <a:extLst>
+              <a:ext uri="{FF2B5EF4-FFF2-40B4-BE49-F238E27FC236}">
+                <a16:creationId xmlns:a16="http://schemas.microsoft.com/office/drawing/2014/main" id="{30C0D0D7-87D4-42A9-926A-B8BC7F87C0F7}"/>
+              </a:ext>
+            </a:extLst>
+          </p:cNvPr>
+          <p:cNvSpPr/>
+          <p:nvPr/>
+        </p:nvSpPr>
+        <p:spPr>
+          <a:xfrm>
+            <a:off x="1181691" y="2990887"/>
+            <a:ext cx="2047728" cy="702078"/>
+          </a:xfrm>
+          <a:prstGeom prst="roundRect">
+            <a:avLst/>
+          </a:prstGeom>
+          <a:solidFill>
+            <a:schemeClr val="accent1">
+              <a:lumMod val="50000"/>
+            </a:schemeClr>
+          </a:solidFill>
+          <a:ln>
+            <a:solidFill>
+              <a:schemeClr val="accent1">
+                <a:lumMod val="75000"/>
+              </a:schemeClr>
+            </a:solidFill>
+          </a:ln>
+        </p:spPr>
+        <p:style>
+          <a:lnRef idx="1">
+            <a:schemeClr val="accent2"/>
+          </a:lnRef>
+          <a:fillRef idx="2">
+            <a:schemeClr val="accent2"/>
+          </a:fillRef>
+          <a:effectRef idx="1">
+            <a:schemeClr val="accent2"/>
+          </a:effectRef>
+          <a:fontRef idx="minor">
+            <a:schemeClr val="dk1"/>
+          </a:fontRef>
+        </p:style>
+        <p:txBody>
+          <a:bodyPr rtlCol="0" anchor="ctr"/>
+          <a:lstStyle/>
+          <a:p>
+            <a:pPr algn="ctr"/>
+            <a:r>
+              <a:rPr lang="pt-BR" sz="1400" dirty="0">
+                <a:solidFill>
+                  <a:schemeClr val="bg1">
+                    <a:lumMod val="85000"/>
+                  </a:schemeClr>
+                </a:solidFill>
+              </a:rPr>
+              <a:t>Inicialização</a:t>
+            </a:r>
+            <a:endParaRPr lang="pt-BR" sz="1100" dirty="0">
+              <a:solidFill>
+                <a:schemeClr val="bg1">
+                  <a:lumMod val="85000"/>
+                </a:schemeClr>
+              </a:solidFill>
+            </a:endParaRPr>
+          </a:p>
+          <a:p>
+            <a:pPr algn="ctr"/>
+            <a:r>
+              <a:rPr lang="pt-BR" sz="1050" dirty="0">
+                <a:solidFill>
+                  <a:schemeClr val="tx1"/>
+                </a:solidFill>
+              </a:rPr>
+              <a:t>Carregamento de arquivos</a:t>
+            </a:r>
+          </a:p>
+          <a:p>
+            <a:pPr algn="ctr"/>
+            <a:r>
+              <a:rPr lang="pt-BR" sz="1050" dirty="0">
+                <a:solidFill>
+                  <a:schemeClr val="tx1"/>
+                </a:solidFill>
+              </a:rPr>
+              <a:t>Alocação de memória</a:t>
+            </a:r>
+          </a:p>
+        </p:txBody>
+      </p:sp>
+      <p:sp>
+        <p:nvSpPr>
+          <p:cNvPr id="30" name="Retângulo Arredondado 4">
+            <a:extLst>
+              <a:ext uri="{FF2B5EF4-FFF2-40B4-BE49-F238E27FC236}">
+                <a16:creationId xmlns:a16="http://schemas.microsoft.com/office/drawing/2014/main" id="{B5CB98EA-86EA-4323-86FF-05C4D8812D4D}"/>
+              </a:ext>
+            </a:extLst>
+          </p:cNvPr>
+          <p:cNvSpPr/>
+          <p:nvPr/>
+        </p:nvSpPr>
+        <p:spPr>
+          <a:xfrm>
+            <a:off x="3487337" y="2996717"/>
+            <a:ext cx="2398767" cy="2693056"/>
+          </a:xfrm>
+          <a:prstGeom prst="roundRect">
+            <a:avLst>
+              <a:gd name="adj" fmla="val 4335"/>
+            </a:avLst>
+          </a:prstGeom>
+          <a:solidFill>
+            <a:schemeClr val="accent1">
+              <a:lumMod val="50000"/>
+              <a:alpha val="30000"/>
+            </a:schemeClr>
+          </a:solidFill>
+          <a:ln>
+            <a:solidFill>
+              <a:schemeClr val="accent1">
+                <a:lumMod val="75000"/>
+              </a:schemeClr>
+            </a:solidFill>
+          </a:ln>
+        </p:spPr>
+        <p:style>
+          <a:lnRef idx="1">
+            <a:schemeClr val="accent2"/>
+          </a:lnRef>
+          <a:fillRef idx="2">
+            <a:schemeClr val="accent2"/>
+          </a:fillRef>
+          <a:effectRef idx="1">
+            <a:schemeClr val="accent2"/>
+          </a:effectRef>
+          <a:fontRef idx="minor">
+            <a:schemeClr val="dk1"/>
+          </a:fontRef>
+        </p:style>
+        <p:txBody>
+          <a:bodyPr rtlCol="0" anchor="ctr"/>
+          <a:lstStyle/>
+          <a:p>
+            <a:pPr algn="ctr"/>
+            <a:endParaRPr lang="pt-BR" sz="1100" dirty="0">
+              <a:solidFill>
+                <a:schemeClr val="bg1">
+                  <a:lumMod val="85000"/>
+                </a:schemeClr>
+              </a:solidFill>
+            </a:endParaRPr>
+          </a:p>
+        </p:txBody>
+      </p:sp>
+      <p:sp>
+        <p:nvSpPr>
+          <p:cNvPr id="33" name="Retângulo Arredondado 5">
+            <a:extLst>
+              <a:ext uri="{FF2B5EF4-FFF2-40B4-BE49-F238E27FC236}">
+                <a16:creationId xmlns:a16="http://schemas.microsoft.com/office/drawing/2014/main" id="{8A0D7960-7B59-4E86-B262-A13755067C34}"/>
+              </a:ext>
+            </a:extLst>
+          </p:cNvPr>
+          <p:cNvSpPr/>
+          <p:nvPr/>
+        </p:nvSpPr>
+        <p:spPr>
+          <a:xfrm>
+            <a:off x="3662857" y="3902182"/>
+            <a:ext cx="2047728" cy="380292"/>
+          </a:xfrm>
+          <a:prstGeom prst="roundRect">
+            <a:avLst/>
+          </a:prstGeom>
+          <a:solidFill>
+            <a:schemeClr val="accent1">
+              <a:lumMod val="50000"/>
+            </a:schemeClr>
+          </a:solidFill>
+          <a:ln>
+            <a:solidFill>
+              <a:schemeClr val="accent1">
+                <a:lumMod val="75000"/>
+              </a:schemeClr>
+            </a:solidFill>
+          </a:ln>
+        </p:spPr>
+        <p:style>
+          <a:lnRef idx="1">
+            <a:schemeClr val="accent2"/>
+          </a:lnRef>
+          <a:fillRef idx="2">
+            <a:schemeClr val="accent2"/>
+          </a:fillRef>
+          <a:effectRef idx="1">
+            <a:schemeClr val="accent2"/>
+          </a:effectRef>
+          <a:fontRef idx="minor">
+            <a:schemeClr val="dk1"/>
+          </a:fontRef>
+        </p:style>
+        <p:txBody>
+          <a:bodyPr tIns="36000" bIns="0" rtlCol="0" anchor="ctr"/>
+          <a:lstStyle/>
+          <a:p>
+            <a:pPr algn="ctr"/>
+            <a:r>
+              <a:rPr lang="pt-BR" sz="1100" dirty="0">
+                <a:solidFill>
+                  <a:schemeClr val="bg1">
+                    <a:lumMod val="85000"/>
+                  </a:schemeClr>
+                </a:solidFill>
+              </a:rPr>
+              <a:t>Entrada do usuário</a:t>
+            </a:r>
+          </a:p>
+        </p:txBody>
+      </p:sp>
+      <p:sp>
+        <p:nvSpPr>
+          <p:cNvPr id="34" name="Retângulo Arredondado 6">
+            <a:extLst>
+              <a:ext uri="{FF2B5EF4-FFF2-40B4-BE49-F238E27FC236}">
+                <a16:creationId xmlns:a16="http://schemas.microsoft.com/office/drawing/2014/main" id="{A47FB74B-2303-4F53-9849-15A98C29F7D4}"/>
+              </a:ext>
+            </a:extLst>
+          </p:cNvPr>
+          <p:cNvSpPr/>
+          <p:nvPr/>
+        </p:nvSpPr>
+        <p:spPr>
+          <a:xfrm>
+            <a:off x="3662857" y="4461137"/>
+            <a:ext cx="2047728" cy="585065"/>
+          </a:xfrm>
+          <a:prstGeom prst="roundRect">
+            <a:avLst/>
+          </a:prstGeom>
+          <a:solidFill>
+            <a:schemeClr val="accent1">
+              <a:lumMod val="50000"/>
+            </a:schemeClr>
+          </a:solidFill>
+          <a:ln>
+            <a:solidFill>
+              <a:schemeClr val="accent1">
+                <a:lumMod val="75000"/>
+              </a:schemeClr>
+            </a:solidFill>
+          </a:ln>
+        </p:spPr>
+        <p:style>
+          <a:lnRef idx="1">
+            <a:schemeClr val="accent2"/>
+          </a:lnRef>
+          <a:fillRef idx="2">
+            <a:schemeClr val="accent2"/>
+          </a:fillRef>
+          <a:effectRef idx="1">
+            <a:schemeClr val="accent2"/>
+          </a:effectRef>
+          <a:fontRef idx="minor">
+            <a:schemeClr val="dk1"/>
+          </a:fontRef>
+        </p:style>
+        <p:txBody>
+          <a:bodyPr rtlCol="0" anchor="ctr"/>
+          <a:lstStyle/>
+          <a:p>
+            <a:pPr algn="ctr"/>
+            <a:r>
+              <a:rPr lang="pt-BR" sz="1100" dirty="0">
+                <a:solidFill>
+                  <a:schemeClr val="bg1">
+                    <a:lumMod val="85000"/>
+                  </a:schemeClr>
+                </a:solidFill>
+              </a:rPr>
+              <a:t>Atualização do Jogo</a:t>
+            </a:r>
+          </a:p>
+          <a:p>
+            <a:pPr algn="ctr"/>
+            <a:r>
+              <a:rPr lang="pt-BR" sz="1050" dirty="0">
+                <a:solidFill>
+                  <a:schemeClr val="tx1"/>
+                </a:solidFill>
+              </a:rPr>
+              <a:t>AI, Detecção de Colisão, Física</a:t>
+            </a:r>
+          </a:p>
+        </p:txBody>
+      </p:sp>
+      <p:sp>
+        <p:nvSpPr>
+          <p:cNvPr id="35" name="Retângulo Arredondado 7">
+            <a:extLst>
+              <a:ext uri="{FF2B5EF4-FFF2-40B4-BE49-F238E27FC236}">
+                <a16:creationId xmlns:a16="http://schemas.microsoft.com/office/drawing/2014/main" id="{C6D58677-9A88-45D5-A1E1-49372B1B165E}"/>
+              </a:ext>
+            </a:extLst>
+          </p:cNvPr>
+          <p:cNvSpPr/>
+          <p:nvPr/>
+        </p:nvSpPr>
+        <p:spPr>
+          <a:xfrm>
+            <a:off x="3662858" y="3429390"/>
+            <a:ext cx="2047727" cy="294131"/>
+          </a:xfrm>
+          <a:prstGeom prst="roundRect">
+            <a:avLst/>
+          </a:prstGeom>
+          <a:solidFill>
+            <a:schemeClr val="accent1">
+              <a:lumMod val="50000"/>
+            </a:schemeClr>
+          </a:solidFill>
+          <a:ln>
+            <a:solidFill>
+              <a:schemeClr val="accent1">
+                <a:lumMod val="75000"/>
+              </a:schemeClr>
+            </a:solidFill>
+          </a:ln>
+        </p:spPr>
+        <p:style>
+          <a:lnRef idx="1">
+            <a:schemeClr val="accent2"/>
+          </a:lnRef>
+          <a:fillRef idx="2">
+            <a:schemeClr val="accent2"/>
+          </a:fillRef>
+          <a:effectRef idx="1">
+            <a:schemeClr val="accent2"/>
+          </a:effectRef>
+          <a:fontRef idx="minor">
+            <a:schemeClr val="dk1"/>
+          </a:fontRef>
+        </p:style>
+        <p:txBody>
+          <a:bodyPr tIns="36000" bIns="0" rtlCol="0" anchor="ctr"/>
+          <a:lstStyle/>
+          <a:p>
+            <a:pPr algn="ctr"/>
+            <a:r>
+              <a:rPr lang="pt-BR" sz="1100" dirty="0">
+                <a:solidFill>
+                  <a:schemeClr val="bg1">
+                    <a:lumMod val="85000"/>
+                  </a:schemeClr>
+                </a:solidFill>
+              </a:rPr>
+              <a:t>Eventos do Windows</a:t>
+            </a:r>
+          </a:p>
+        </p:txBody>
+      </p:sp>
+      <p:sp>
+        <p:nvSpPr>
+          <p:cNvPr id="36" name="Retângulo Arredondado 8">
+            <a:extLst>
+              <a:ext uri="{FF2B5EF4-FFF2-40B4-BE49-F238E27FC236}">
+                <a16:creationId xmlns:a16="http://schemas.microsoft.com/office/drawing/2014/main" id="{60370CE7-7D39-4F8E-BAA3-22410B1B5D2A}"/>
+              </a:ext>
+            </a:extLst>
+          </p:cNvPr>
+          <p:cNvSpPr/>
+          <p:nvPr/>
+        </p:nvSpPr>
+        <p:spPr>
+          <a:xfrm>
+            <a:off x="1415717" y="4655614"/>
+            <a:ext cx="1579676" cy="717602"/>
+          </a:xfrm>
+          <a:prstGeom prst="roundRect">
+            <a:avLst/>
+          </a:prstGeom>
+          <a:solidFill>
+            <a:schemeClr val="accent1">
+              <a:lumMod val="50000"/>
+            </a:schemeClr>
+          </a:solidFill>
+          <a:ln>
+            <a:solidFill>
+              <a:schemeClr val="accent1">
+                <a:lumMod val="75000"/>
+              </a:schemeClr>
+            </a:solidFill>
+          </a:ln>
+        </p:spPr>
+        <p:style>
+          <a:lnRef idx="1">
+            <a:schemeClr val="accent2"/>
+          </a:lnRef>
+          <a:fillRef idx="2">
+            <a:schemeClr val="accent2"/>
+          </a:fillRef>
+          <a:effectRef idx="1">
+            <a:schemeClr val="accent2"/>
+          </a:effectRef>
+          <a:fontRef idx="minor">
+            <a:schemeClr val="dk1"/>
+          </a:fontRef>
+        </p:style>
+        <p:txBody>
+          <a:bodyPr rtlCol="0" anchor="ctr"/>
+          <a:lstStyle/>
+          <a:p>
+            <a:pPr algn="ctr"/>
+            <a:r>
+              <a:rPr lang="pt-BR" sz="1400" dirty="0">
+                <a:solidFill>
+                  <a:schemeClr val="bg1">
+                    <a:lumMod val="85000"/>
+                  </a:schemeClr>
+                </a:solidFill>
+              </a:rPr>
+              <a:t>Finalização</a:t>
+            </a:r>
+            <a:br>
+              <a:rPr lang="pt-BR" sz="1100" dirty="0">
+                <a:solidFill>
+                  <a:schemeClr val="bg1">
+                    <a:lumMod val="85000"/>
+                  </a:schemeClr>
+                </a:solidFill>
+              </a:rPr>
+            </a:br>
+            <a:r>
+              <a:rPr lang="pt-BR" sz="1050" dirty="0">
+                <a:solidFill>
+                  <a:schemeClr val="tx1"/>
+                </a:solidFill>
+              </a:rPr>
+              <a:t>Fecha arquivos</a:t>
+            </a:r>
+            <a:br>
+              <a:rPr lang="pt-BR" sz="1050" dirty="0">
+                <a:solidFill>
+                  <a:schemeClr val="tx1"/>
+                </a:solidFill>
+              </a:rPr>
+            </a:br>
+            <a:r>
+              <a:rPr lang="pt-BR" sz="1050" dirty="0">
+                <a:solidFill>
+                  <a:schemeClr val="tx1"/>
+                </a:solidFill>
+              </a:rPr>
+              <a:t>Libera memória</a:t>
+            </a:r>
+          </a:p>
+        </p:txBody>
+      </p:sp>
+      <p:sp>
+        <p:nvSpPr>
+          <p:cNvPr id="37" name="Retângulo Arredondado 9">
+            <a:extLst>
+              <a:ext uri="{FF2B5EF4-FFF2-40B4-BE49-F238E27FC236}">
+                <a16:creationId xmlns:a16="http://schemas.microsoft.com/office/drawing/2014/main" id="{0B671BDC-70AA-43AD-8568-CAAF506A882E}"/>
+              </a:ext>
+            </a:extLst>
+          </p:cNvPr>
+          <p:cNvSpPr/>
+          <p:nvPr/>
+        </p:nvSpPr>
+        <p:spPr>
+          <a:xfrm>
+            <a:off x="6364083" y="3642046"/>
+            <a:ext cx="1228637" cy="265684"/>
+          </a:xfrm>
+          <a:prstGeom prst="roundRect">
+            <a:avLst/>
+          </a:prstGeom>
+          <a:solidFill>
+            <a:schemeClr val="accent1">
+              <a:lumMod val="50000"/>
+            </a:schemeClr>
+          </a:solidFill>
+          <a:ln>
+            <a:solidFill>
+              <a:schemeClr val="accent1">
+                <a:lumMod val="75000"/>
+              </a:schemeClr>
+            </a:solidFill>
+          </a:ln>
+        </p:spPr>
+        <p:style>
+          <a:lnRef idx="1">
+            <a:schemeClr val="accent2"/>
+          </a:lnRef>
+          <a:fillRef idx="2">
+            <a:schemeClr val="accent2"/>
+          </a:fillRef>
+          <a:effectRef idx="1">
+            <a:schemeClr val="accent2"/>
+          </a:effectRef>
+          <a:fontRef idx="minor">
+            <a:schemeClr val="dk1"/>
+          </a:fontRef>
+        </p:style>
+        <p:txBody>
+          <a:bodyPr tIns="36000" bIns="0" rtlCol="0" anchor="ctr"/>
+          <a:lstStyle/>
+          <a:p>
+            <a:pPr algn="ctr"/>
+            <a:r>
+              <a:rPr lang="pt-BR" sz="1100" dirty="0">
+                <a:solidFill>
+                  <a:schemeClr val="bg1">
+                    <a:lumMod val="85000"/>
+                  </a:schemeClr>
+                </a:solidFill>
+              </a:rPr>
+              <a:t>Teclado</a:t>
+            </a:r>
+          </a:p>
+        </p:txBody>
+      </p:sp>
+      <p:sp>
+        <p:nvSpPr>
+          <p:cNvPr id="38" name="Retângulo Arredondado 10">
+            <a:extLst>
+              <a:ext uri="{FF2B5EF4-FFF2-40B4-BE49-F238E27FC236}">
+                <a16:creationId xmlns:a16="http://schemas.microsoft.com/office/drawing/2014/main" id="{7DCC268D-20B6-44C0-8AB0-1E78B03D496C}"/>
+              </a:ext>
+            </a:extLst>
+          </p:cNvPr>
+          <p:cNvSpPr/>
+          <p:nvPr/>
+        </p:nvSpPr>
+        <p:spPr>
+          <a:xfrm>
+            <a:off x="6364083" y="3959486"/>
+            <a:ext cx="1228637" cy="265684"/>
+          </a:xfrm>
+          <a:prstGeom prst="roundRect">
+            <a:avLst/>
+          </a:prstGeom>
+          <a:solidFill>
+            <a:schemeClr val="accent1">
+              <a:lumMod val="50000"/>
+            </a:schemeClr>
+          </a:solidFill>
+          <a:ln>
+            <a:solidFill>
+              <a:schemeClr val="accent1">
+                <a:lumMod val="75000"/>
+              </a:schemeClr>
+            </a:solidFill>
+          </a:ln>
+        </p:spPr>
+        <p:style>
+          <a:lnRef idx="1">
+            <a:schemeClr val="accent2"/>
+          </a:lnRef>
+          <a:fillRef idx="2">
+            <a:schemeClr val="accent2"/>
+          </a:fillRef>
+          <a:effectRef idx="1">
+            <a:schemeClr val="accent2"/>
+          </a:effectRef>
+          <a:fontRef idx="minor">
+            <a:schemeClr val="dk1"/>
+          </a:fontRef>
+        </p:style>
+        <p:txBody>
+          <a:bodyPr tIns="36000" bIns="0" rtlCol="0" anchor="ctr"/>
+          <a:lstStyle/>
+          <a:p>
+            <a:pPr algn="ctr"/>
+            <a:r>
+              <a:rPr lang="pt-BR" sz="1100" dirty="0">
+                <a:solidFill>
+                  <a:schemeClr val="bg1">
+                    <a:lumMod val="85000"/>
+                  </a:schemeClr>
+                </a:solidFill>
+              </a:rPr>
+              <a:t>Mouse</a:t>
+            </a:r>
+          </a:p>
+        </p:txBody>
+      </p:sp>
+      <p:sp>
+        <p:nvSpPr>
+          <p:cNvPr id="39" name="Retângulo Arredondado 11">
+            <a:extLst>
+              <a:ext uri="{FF2B5EF4-FFF2-40B4-BE49-F238E27FC236}">
+                <a16:creationId xmlns:a16="http://schemas.microsoft.com/office/drawing/2014/main" id="{81D55924-A84A-459C-A24C-2D664EBC097D}"/>
+              </a:ext>
+            </a:extLst>
+          </p:cNvPr>
+          <p:cNvSpPr/>
+          <p:nvPr/>
+        </p:nvSpPr>
+        <p:spPr>
+          <a:xfrm>
+            <a:off x="6364083" y="4282474"/>
+            <a:ext cx="1228637" cy="265684"/>
+          </a:xfrm>
+          <a:prstGeom prst="roundRect">
+            <a:avLst/>
+          </a:prstGeom>
+          <a:solidFill>
+            <a:schemeClr val="accent1">
+              <a:lumMod val="50000"/>
+            </a:schemeClr>
+          </a:solidFill>
+          <a:ln>
+            <a:solidFill>
+              <a:schemeClr val="accent1">
+                <a:lumMod val="75000"/>
+              </a:schemeClr>
+            </a:solidFill>
+          </a:ln>
+        </p:spPr>
+        <p:style>
+          <a:lnRef idx="1">
+            <a:schemeClr val="accent2"/>
+          </a:lnRef>
+          <a:fillRef idx="2">
+            <a:schemeClr val="accent2"/>
+          </a:fillRef>
+          <a:effectRef idx="1">
+            <a:schemeClr val="accent2"/>
+          </a:effectRef>
+          <a:fontRef idx="minor">
+            <a:schemeClr val="dk1"/>
+          </a:fontRef>
+        </p:style>
+        <p:txBody>
+          <a:bodyPr tIns="36000" bIns="0" rtlCol="0" anchor="ctr"/>
+          <a:lstStyle/>
+          <a:p>
+            <a:pPr algn="ctr"/>
+            <a:r>
+              <a:rPr lang="pt-BR" sz="1100" dirty="0">
+                <a:solidFill>
+                  <a:schemeClr val="bg1">
+                    <a:lumMod val="85000"/>
+                  </a:schemeClr>
+                </a:solidFill>
+              </a:rPr>
+              <a:t>Controle</a:t>
+            </a:r>
+          </a:p>
+        </p:txBody>
+      </p:sp>
+      <p:cxnSp>
+        <p:nvCxnSpPr>
+          <p:cNvPr id="40" name="Conector angulado 13">
+            <a:extLst>
+              <a:ext uri="{FF2B5EF4-FFF2-40B4-BE49-F238E27FC236}">
+                <a16:creationId xmlns:a16="http://schemas.microsoft.com/office/drawing/2014/main" id="{E6037298-8704-4F70-86FB-B0307D9A11C8}"/>
+              </a:ext>
+            </a:extLst>
+          </p:cNvPr>
+          <p:cNvCxnSpPr/>
+          <p:nvPr/>
+        </p:nvCxnSpPr>
+        <p:spPr>
+          <a:xfrm rot="10800000" flipV="1">
+            <a:off x="5710584" y="3774888"/>
+            <a:ext cx="653499" cy="184598"/>
+          </a:xfrm>
+          <a:prstGeom prst="bentConnector3">
+            <a:avLst/>
+          </a:prstGeom>
+          <a:ln w="28575">
+            <a:solidFill>
+              <a:schemeClr val="bg1">
+                <a:lumMod val="85000"/>
+              </a:schemeClr>
+            </a:solidFill>
+            <a:tailEnd type="triangle"/>
+          </a:ln>
+        </p:spPr>
+        <p:style>
+          <a:lnRef idx="1">
+            <a:schemeClr val="accent1"/>
+          </a:lnRef>
+          <a:fillRef idx="0">
+            <a:schemeClr val="accent1"/>
+          </a:fillRef>
+          <a:effectRef idx="0">
+            <a:schemeClr val="accent1"/>
+          </a:effectRef>
+          <a:fontRef idx="minor">
+            <a:schemeClr val="tx1"/>
+          </a:fontRef>
+        </p:style>
+      </p:cxnSp>
+      <p:cxnSp>
+        <p:nvCxnSpPr>
+          <p:cNvPr id="41" name="Conector angulado 15">
+            <a:extLst>
+              <a:ext uri="{FF2B5EF4-FFF2-40B4-BE49-F238E27FC236}">
+                <a16:creationId xmlns:a16="http://schemas.microsoft.com/office/drawing/2014/main" id="{3EC6A144-F42F-42F3-9E05-DD5ED1142273}"/>
+              </a:ext>
+            </a:extLst>
+          </p:cNvPr>
+          <p:cNvCxnSpPr/>
+          <p:nvPr/>
+        </p:nvCxnSpPr>
+        <p:spPr>
+          <a:xfrm rot="10800000">
+            <a:off x="5718398" y="4212733"/>
+            <a:ext cx="645686" cy="202585"/>
+          </a:xfrm>
+          <a:prstGeom prst="bentConnector3">
+            <a:avLst/>
+          </a:prstGeom>
+          <a:ln w="28575">
+            <a:solidFill>
+              <a:schemeClr val="bg1">
+                <a:lumMod val="85000"/>
+              </a:schemeClr>
+            </a:solidFill>
+            <a:tailEnd type="triangle"/>
+          </a:ln>
+        </p:spPr>
+        <p:style>
+          <a:lnRef idx="1">
+            <a:schemeClr val="accent1"/>
+          </a:lnRef>
+          <a:fillRef idx="0">
+            <a:schemeClr val="accent1"/>
+          </a:fillRef>
+          <a:effectRef idx="0">
+            <a:schemeClr val="accent1"/>
+          </a:effectRef>
+          <a:fontRef idx="minor">
+            <a:schemeClr val="tx1"/>
+          </a:fontRef>
+        </p:style>
+      </p:cxnSp>
+      <p:cxnSp>
+        <p:nvCxnSpPr>
+          <p:cNvPr id="42" name="Conector de seta reta 17">
+            <a:extLst>
+              <a:ext uri="{FF2B5EF4-FFF2-40B4-BE49-F238E27FC236}">
+                <a16:creationId xmlns:a16="http://schemas.microsoft.com/office/drawing/2014/main" id="{E540245D-3EC7-45AD-B997-FF975A657EB1}"/>
+              </a:ext>
+            </a:extLst>
+          </p:cNvPr>
+          <p:cNvCxnSpPr/>
+          <p:nvPr/>
+        </p:nvCxnSpPr>
+        <p:spPr>
+          <a:xfrm flipH="1">
+            <a:off x="5710584" y="4092328"/>
+            <a:ext cx="653499" cy="0"/>
+          </a:xfrm>
+          <a:prstGeom prst="straightConnector1">
+            <a:avLst/>
+          </a:prstGeom>
+          <a:ln w="28575">
+            <a:solidFill>
+              <a:schemeClr val="bg1">
+                <a:lumMod val="85000"/>
+              </a:schemeClr>
+            </a:solidFill>
+            <a:tailEnd type="triangle"/>
+          </a:ln>
+        </p:spPr>
+        <p:style>
+          <a:lnRef idx="1">
+            <a:schemeClr val="accent1"/>
+          </a:lnRef>
+          <a:fillRef idx="0">
+            <a:schemeClr val="accent1"/>
+          </a:fillRef>
+          <a:effectRef idx="0">
+            <a:schemeClr val="accent1"/>
+          </a:effectRef>
+          <a:fontRef idx="minor">
+            <a:schemeClr val="tx1"/>
+          </a:fontRef>
+        </p:style>
+      </p:cxnSp>
+      <p:grpSp>
+        <p:nvGrpSpPr>
+          <p:cNvPr id="43" name="Grupo 27">
+            <a:extLst>
+              <a:ext uri="{FF2B5EF4-FFF2-40B4-BE49-F238E27FC236}">
+                <a16:creationId xmlns:a16="http://schemas.microsoft.com/office/drawing/2014/main" id="{96AA2252-DA64-4167-B545-62FF75DB2540}"/>
+              </a:ext>
+            </a:extLst>
+          </p:cNvPr>
+          <p:cNvGrpSpPr/>
+          <p:nvPr/>
+        </p:nvGrpSpPr>
+        <p:grpSpPr>
+          <a:xfrm>
+            <a:off x="6317916" y="2346075"/>
+            <a:ext cx="1404156" cy="819091"/>
+            <a:chOff x="6516216" y="5517232"/>
+            <a:chExt cx="1728192" cy="1008112"/>
+          </a:xfrm>
+        </p:grpSpPr>
+        <p:sp>
+          <p:nvSpPr>
+            <p:cNvPr id="56" name="Retângulo de cantos arredondados 23">
+              <a:extLst>
+                <a:ext uri="{FF2B5EF4-FFF2-40B4-BE49-F238E27FC236}">
+                  <a16:creationId xmlns:a16="http://schemas.microsoft.com/office/drawing/2014/main" id="{A14F9373-1078-419E-9D5B-F9C07543F790}"/>
+                </a:ext>
+              </a:extLst>
+            </p:cNvPr>
+            <p:cNvSpPr/>
+            <p:nvPr/>
+          </p:nvSpPr>
+          <p:spPr>
+            <a:xfrm>
+              <a:off x="6516216" y="5517232"/>
+              <a:ext cx="1728192" cy="1008112"/>
+            </a:xfrm>
+            <a:prstGeom prst="roundRect">
+              <a:avLst/>
+            </a:prstGeom>
+            <a:ln>
+              <a:noFill/>
+            </a:ln>
+            <a:effectLst/>
+            <a:scene3d>
+              <a:camera prst="orthographicFront">
+                <a:rot lat="0" lon="0" rev="0"/>
+              </a:camera>
+              <a:lightRig rig="chilly" dir="t">
+                <a:rot lat="0" lon="0" rev="18480000"/>
+              </a:lightRig>
+            </a:scene3d>
+            <a:sp3d prstMaterial="clear">
+              <a:bevelT h="63500"/>
+            </a:sp3d>
+          </p:spPr>
+          <p:style>
+            <a:lnRef idx="1">
+              <a:schemeClr val="dk1"/>
+            </a:lnRef>
+            <a:fillRef idx="2">
+              <a:schemeClr val="dk1"/>
+            </a:fillRef>
+            <a:effectRef idx="1">
+              <a:schemeClr val="dk1"/>
+            </a:effectRef>
+            <a:fontRef idx="minor">
+              <a:schemeClr val="dk1"/>
+            </a:fontRef>
+          </p:style>
+          <p:txBody>
+            <a:bodyPr rtlCol="0" anchor="ctr"/>
+            <a:lstStyle/>
+            <a:p>
+              <a:pPr algn="ctr"/>
+              <a:endParaRPr lang="pt-BR" sz="1600" dirty="0"/>
+            </a:p>
+          </p:txBody>
+        </p:sp>
+        <p:sp>
+          <p:nvSpPr>
+            <p:cNvPr id="57" name="Triângulo isósceles 56">
+              <a:extLst>
+                <a:ext uri="{FF2B5EF4-FFF2-40B4-BE49-F238E27FC236}">
+                  <a16:creationId xmlns:a16="http://schemas.microsoft.com/office/drawing/2014/main" id="{600970F2-9EBB-483B-95C2-67AB158A13AE}"/>
+                </a:ext>
+              </a:extLst>
+            </p:cNvPr>
+            <p:cNvSpPr/>
+            <p:nvPr/>
+          </p:nvSpPr>
+          <p:spPr>
+            <a:xfrm>
+              <a:off x="6717574" y="5646582"/>
+              <a:ext cx="302698" cy="302698"/>
+            </a:xfrm>
+            <a:prstGeom prst="triangle">
+              <a:avLst/>
+            </a:prstGeom>
+            <a:solidFill>
+              <a:srgbClr val="0070C0"/>
+            </a:solidFill>
+            <a:ln>
+              <a:solidFill>
+                <a:srgbClr val="0070C0"/>
+              </a:solidFill>
+            </a:ln>
+          </p:spPr>
+          <p:style>
+            <a:lnRef idx="1">
+              <a:schemeClr val="accent1"/>
+            </a:lnRef>
+            <a:fillRef idx="2">
+              <a:schemeClr val="accent1"/>
+            </a:fillRef>
+            <a:effectRef idx="1">
+              <a:schemeClr val="accent1"/>
+            </a:effectRef>
+            <a:fontRef idx="minor">
+              <a:schemeClr val="dk1"/>
+            </a:fontRef>
+          </p:style>
+          <p:txBody>
+            <a:bodyPr rtlCol="0" anchor="ctr"/>
+            <a:lstStyle/>
+            <a:p>
+              <a:pPr algn="ctr"/>
+              <a:endParaRPr lang="pt-BR" sz="1600"/>
+            </a:p>
+          </p:txBody>
+        </p:sp>
+        <p:sp>
+          <p:nvSpPr>
+            <p:cNvPr id="58" name="Elipse 57">
+              <a:extLst>
+                <a:ext uri="{FF2B5EF4-FFF2-40B4-BE49-F238E27FC236}">
+                  <a16:creationId xmlns:a16="http://schemas.microsoft.com/office/drawing/2014/main" id="{6759A542-A2C9-4E1E-828A-5E8C385C5E2F}"/>
+                </a:ext>
+              </a:extLst>
+            </p:cNvPr>
+            <p:cNvSpPr/>
+            <p:nvPr/>
+          </p:nvSpPr>
+          <p:spPr>
+            <a:xfrm>
+              <a:off x="7068169" y="5985995"/>
+              <a:ext cx="312142" cy="308058"/>
+            </a:xfrm>
+            <a:prstGeom prst="ellipse">
+              <a:avLst/>
+            </a:prstGeom>
+            <a:solidFill>
+              <a:srgbClr val="FF0000"/>
+            </a:solidFill>
+            <a:ln>
+              <a:solidFill>
+                <a:srgbClr val="FF0000"/>
+              </a:solidFill>
+            </a:ln>
+          </p:spPr>
+          <p:style>
+            <a:lnRef idx="1">
+              <a:schemeClr val="accent1"/>
+            </a:lnRef>
+            <a:fillRef idx="2">
+              <a:schemeClr val="accent1"/>
+            </a:fillRef>
+            <a:effectRef idx="1">
+              <a:schemeClr val="accent1"/>
+            </a:effectRef>
+            <a:fontRef idx="minor">
+              <a:schemeClr val="dk1"/>
+            </a:fontRef>
+          </p:style>
+          <p:txBody>
+            <a:bodyPr rtlCol="0" anchor="ctr"/>
+            <a:lstStyle/>
+            <a:p>
+              <a:pPr algn="ctr"/>
+              <a:endParaRPr lang="pt-BR" sz="1600"/>
+            </a:p>
+          </p:txBody>
+        </p:sp>
+        <p:sp>
+          <p:nvSpPr>
+            <p:cNvPr id="59" name="CaixaDeTexto 58">
+              <a:extLst>
+                <a:ext uri="{FF2B5EF4-FFF2-40B4-BE49-F238E27FC236}">
+                  <a16:creationId xmlns:a16="http://schemas.microsoft.com/office/drawing/2014/main" id="{987EBFD2-E77D-4E2F-8006-F9A3DDE0ABD3}"/>
+                </a:ext>
+              </a:extLst>
+            </p:cNvPr>
+            <p:cNvSpPr txBox="1"/>
+            <p:nvPr/>
+          </p:nvSpPr>
+          <p:spPr>
+            <a:xfrm>
+              <a:off x="7380312" y="5734997"/>
+              <a:ext cx="722486" cy="416682"/>
+            </a:xfrm>
+            <a:prstGeom prst="rect">
+              <a:avLst/>
+            </a:prstGeom>
+            <a:noFill/>
+          </p:spPr>
+          <p:txBody>
+            <a:bodyPr wrap="none" rtlCol="0">
+              <a:spAutoFit/>
+            </a:bodyPr>
+            <a:lstStyle/>
+            <a:p>
+              <a:r>
+                <a:rPr lang="pt-BR" sz="1600" dirty="0">
+                  <a:solidFill>
+                    <a:schemeClr val="bg1">
+                      <a:lumMod val="85000"/>
+                    </a:schemeClr>
+                  </a:solidFill>
+                </a:rPr>
+                <a:t>ABC</a:t>
+              </a:r>
+            </a:p>
+          </p:txBody>
+        </p:sp>
+      </p:grpSp>
+      <p:cxnSp>
+        <p:nvCxnSpPr>
+          <p:cNvPr id="44" name="Conector de seta reta 28">
+            <a:extLst>
+              <a:ext uri="{FF2B5EF4-FFF2-40B4-BE49-F238E27FC236}">
+                <a16:creationId xmlns:a16="http://schemas.microsoft.com/office/drawing/2014/main" id="{C17E4EAD-DD18-43D6-BCAF-62C3EC56AC3A}"/>
+              </a:ext>
+            </a:extLst>
+          </p:cNvPr>
+          <p:cNvCxnSpPr>
+            <a:cxnSpLocks/>
+            <a:endCxn id="54" idx="1"/>
+          </p:cNvCxnSpPr>
+          <p:nvPr/>
+        </p:nvCxnSpPr>
+        <p:spPr>
+          <a:xfrm flipV="1">
+            <a:off x="5707044" y="5392958"/>
+            <a:ext cx="657039" cy="4284"/>
+          </a:xfrm>
+          <a:prstGeom prst="straightConnector1">
+            <a:avLst/>
+          </a:prstGeom>
+          <a:ln w="28575">
+            <a:solidFill>
+              <a:schemeClr val="bg1">
+                <a:lumMod val="85000"/>
+              </a:schemeClr>
+            </a:solidFill>
+            <a:tailEnd type="triangle"/>
+          </a:ln>
+        </p:spPr>
+        <p:style>
+          <a:lnRef idx="1">
+            <a:schemeClr val="accent1"/>
+          </a:lnRef>
+          <a:fillRef idx="0">
+            <a:schemeClr val="accent1"/>
+          </a:fillRef>
+          <a:effectRef idx="0">
+            <a:schemeClr val="accent1"/>
+          </a:effectRef>
+          <a:fontRef idx="minor">
+            <a:schemeClr val="tx1"/>
+          </a:fontRef>
+        </p:style>
+      </p:cxnSp>
+      <p:cxnSp>
+        <p:nvCxnSpPr>
+          <p:cNvPr id="45" name="Conector angulado 31">
+            <a:extLst>
+              <a:ext uri="{FF2B5EF4-FFF2-40B4-BE49-F238E27FC236}">
+                <a16:creationId xmlns:a16="http://schemas.microsoft.com/office/drawing/2014/main" id="{A6D0E107-F8F2-4815-9A00-467EA0101AE5}"/>
+              </a:ext>
+            </a:extLst>
+          </p:cNvPr>
+          <p:cNvCxnSpPr>
+            <a:cxnSpLocks/>
+            <a:stCxn id="54" idx="3"/>
+            <a:endCxn id="56" idx="3"/>
+          </p:cNvCxnSpPr>
+          <p:nvPr/>
+        </p:nvCxnSpPr>
+        <p:spPr>
+          <a:xfrm flipV="1">
+            <a:off x="7592720" y="2755621"/>
+            <a:ext cx="129352" cy="2637337"/>
+          </a:xfrm>
+          <a:prstGeom prst="bentConnector3">
+            <a:avLst>
+              <a:gd name="adj1" fmla="val 437090"/>
+            </a:avLst>
+          </a:prstGeom>
+          <a:ln w="28575">
+            <a:solidFill>
+              <a:schemeClr val="bg1">
+                <a:lumMod val="85000"/>
+              </a:schemeClr>
+            </a:solidFill>
+            <a:tailEnd type="triangle"/>
+          </a:ln>
+        </p:spPr>
+        <p:style>
+          <a:lnRef idx="1">
+            <a:schemeClr val="accent1"/>
+          </a:lnRef>
+          <a:fillRef idx="0">
+            <a:schemeClr val="accent1"/>
+          </a:fillRef>
+          <a:effectRef idx="0">
+            <a:schemeClr val="accent1"/>
+          </a:effectRef>
+          <a:fontRef idx="minor">
+            <a:schemeClr val="tx1"/>
+          </a:fontRef>
+        </p:style>
+      </p:cxnSp>
+      <p:cxnSp>
+        <p:nvCxnSpPr>
+          <p:cNvPr id="47" name="Conector angulado 45">
+            <a:extLst>
+              <a:ext uri="{FF2B5EF4-FFF2-40B4-BE49-F238E27FC236}">
+                <a16:creationId xmlns:a16="http://schemas.microsoft.com/office/drawing/2014/main" id="{518EBFA5-F3E9-49FA-8D90-E8EE3030279A}"/>
+              </a:ext>
+            </a:extLst>
+          </p:cNvPr>
+          <p:cNvCxnSpPr>
+            <a:cxnSpLocks/>
+            <a:stCxn id="33" idx="1"/>
+            <a:endCxn id="36" idx="0"/>
+          </p:cNvCxnSpPr>
+          <p:nvPr/>
+        </p:nvCxnSpPr>
+        <p:spPr>
+          <a:xfrm rot="10800000" flipV="1">
+            <a:off x="2205555" y="4092328"/>
+            <a:ext cx="1457302" cy="563286"/>
+          </a:xfrm>
+          <a:prstGeom prst="bentConnector2">
+            <a:avLst/>
+          </a:prstGeom>
+          <a:ln w="28575">
+            <a:solidFill>
+              <a:schemeClr val="bg1">
+                <a:lumMod val="85000"/>
+              </a:schemeClr>
+            </a:solidFill>
+            <a:tailEnd type="triangle"/>
+          </a:ln>
+        </p:spPr>
+        <p:style>
+          <a:lnRef idx="1">
+            <a:schemeClr val="accent1"/>
+          </a:lnRef>
+          <a:fillRef idx="0">
+            <a:schemeClr val="accent1"/>
+          </a:fillRef>
+          <a:effectRef idx="0">
+            <a:schemeClr val="accent1"/>
+          </a:effectRef>
+          <a:fontRef idx="minor">
+            <a:schemeClr val="tx1"/>
+          </a:fontRef>
+        </p:style>
+      </p:cxnSp>
+      <p:sp>
+        <p:nvSpPr>
+          <p:cNvPr id="48" name="CaixaDeTexto 47">
+            <a:extLst>
+              <a:ext uri="{FF2B5EF4-FFF2-40B4-BE49-F238E27FC236}">
+                <a16:creationId xmlns:a16="http://schemas.microsoft.com/office/drawing/2014/main" id="{7FACB9C3-8117-4C4C-A35B-4C6A2CFF5286}"/>
+              </a:ext>
+            </a:extLst>
+          </p:cNvPr>
+          <p:cNvSpPr txBox="1"/>
+          <p:nvPr/>
+        </p:nvSpPr>
+        <p:spPr>
+          <a:xfrm>
+            <a:off x="2947792" y="4164345"/>
+            <a:ext cx="526106" cy="276999"/>
+          </a:xfrm>
+          <a:prstGeom prst="rect">
+            <a:avLst/>
+          </a:prstGeom>
+          <a:noFill/>
+        </p:spPr>
+        <p:txBody>
+          <a:bodyPr wrap="none" rtlCol="0">
+            <a:spAutoFit/>
+          </a:bodyPr>
+          <a:lstStyle/>
+          <a:p>
+            <a:r>
+              <a:rPr lang="pt-BR" sz="1200" dirty="0">
+                <a:solidFill>
+                  <a:schemeClr val="bg1">
+                    <a:lumMod val="85000"/>
+                  </a:schemeClr>
+                </a:solidFill>
+              </a:rPr>
+              <a:t>Sair?</a:t>
+            </a:r>
+          </a:p>
+        </p:txBody>
+      </p:sp>
+      <p:cxnSp>
+        <p:nvCxnSpPr>
+          <p:cNvPr id="49" name="Conector de seta reta 49">
+            <a:extLst>
+              <a:ext uri="{FF2B5EF4-FFF2-40B4-BE49-F238E27FC236}">
+                <a16:creationId xmlns:a16="http://schemas.microsoft.com/office/drawing/2014/main" id="{35A39429-475C-4A6A-8EE8-FA04BDE1535C}"/>
+              </a:ext>
+            </a:extLst>
+          </p:cNvPr>
+          <p:cNvCxnSpPr/>
+          <p:nvPr/>
+        </p:nvCxnSpPr>
+        <p:spPr>
+          <a:xfrm>
+            <a:off x="4686721" y="4282474"/>
+            <a:ext cx="0" cy="178662"/>
+          </a:xfrm>
+          <a:prstGeom prst="straightConnector1">
+            <a:avLst/>
+          </a:prstGeom>
+          <a:ln w="28575">
+            <a:solidFill>
+              <a:schemeClr val="bg1">
+                <a:lumMod val="85000"/>
+              </a:schemeClr>
+            </a:solidFill>
+            <a:tailEnd type="triangle"/>
+          </a:ln>
+        </p:spPr>
+        <p:style>
+          <a:lnRef idx="1">
+            <a:schemeClr val="accent1"/>
+          </a:lnRef>
+          <a:fillRef idx="0">
+            <a:schemeClr val="accent1"/>
+          </a:fillRef>
+          <a:effectRef idx="0">
+            <a:schemeClr val="accent1"/>
+          </a:effectRef>
+          <a:fontRef idx="minor">
+            <a:schemeClr val="tx1"/>
+          </a:fontRef>
+        </p:style>
+      </p:cxnSp>
+      <p:sp>
+        <p:nvSpPr>
+          <p:cNvPr id="50" name="CaixaDeTexto 49">
+            <a:extLst>
+              <a:ext uri="{FF2B5EF4-FFF2-40B4-BE49-F238E27FC236}">
+                <a16:creationId xmlns:a16="http://schemas.microsoft.com/office/drawing/2014/main" id="{11A8C15A-4921-4F13-950F-4D49C98894ED}"/>
+              </a:ext>
+            </a:extLst>
+          </p:cNvPr>
+          <p:cNvSpPr txBox="1"/>
+          <p:nvPr/>
+        </p:nvSpPr>
+        <p:spPr>
+          <a:xfrm>
+            <a:off x="3967644" y="3056981"/>
+            <a:ext cx="1556836" cy="338554"/>
+          </a:xfrm>
+          <a:prstGeom prst="rect">
+            <a:avLst/>
+          </a:prstGeom>
+          <a:noFill/>
+        </p:spPr>
+        <p:txBody>
+          <a:bodyPr wrap="none" rtlCol="0">
+            <a:spAutoFit/>
+          </a:bodyPr>
+          <a:lstStyle/>
+          <a:p>
+            <a:r>
+              <a:rPr lang="pt-BR" sz="1600" dirty="0">
+                <a:solidFill>
+                  <a:schemeClr val="bg1">
+                    <a:lumMod val="85000"/>
+                  </a:schemeClr>
+                </a:solidFill>
+              </a:rPr>
+              <a:t>Laço Principal</a:t>
+            </a:r>
+          </a:p>
+        </p:txBody>
+      </p:sp>
+      <p:cxnSp>
+        <p:nvCxnSpPr>
+          <p:cNvPr id="51" name="Conector de seta reta 75">
+            <a:extLst>
+              <a:ext uri="{FF2B5EF4-FFF2-40B4-BE49-F238E27FC236}">
+                <a16:creationId xmlns:a16="http://schemas.microsoft.com/office/drawing/2014/main" id="{29D291E9-21D9-483E-9BD1-8004DF1F34C8}"/>
+              </a:ext>
+            </a:extLst>
+          </p:cNvPr>
+          <p:cNvCxnSpPr/>
+          <p:nvPr/>
+        </p:nvCxnSpPr>
+        <p:spPr>
+          <a:xfrm>
+            <a:off x="4686721" y="5046202"/>
+            <a:ext cx="0" cy="196889"/>
+          </a:xfrm>
+          <a:prstGeom prst="straightConnector1">
+            <a:avLst/>
+          </a:prstGeom>
+          <a:ln w="28575">
+            <a:solidFill>
+              <a:schemeClr val="bg1">
+                <a:lumMod val="85000"/>
+              </a:schemeClr>
+            </a:solidFill>
+            <a:tailEnd type="triangle"/>
+          </a:ln>
+        </p:spPr>
+        <p:style>
+          <a:lnRef idx="1">
+            <a:schemeClr val="accent1"/>
+          </a:lnRef>
+          <a:fillRef idx="0">
+            <a:schemeClr val="accent1"/>
+          </a:fillRef>
+          <a:effectRef idx="0">
+            <a:schemeClr val="accent1"/>
+          </a:effectRef>
+          <a:fontRef idx="minor">
+            <a:schemeClr val="tx1"/>
+          </a:fontRef>
+        </p:style>
+      </p:cxnSp>
+      <p:cxnSp>
+        <p:nvCxnSpPr>
+          <p:cNvPr id="52" name="Conector de seta reta 80">
+            <a:extLst>
+              <a:ext uri="{FF2B5EF4-FFF2-40B4-BE49-F238E27FC236}">
+                <a16:creationId xmlns:a16="http://schemas.microsoft.com/office/drawing/2014/main" id="{41499995-0B6B-4628-97E6-7758C3E7BDC8}"/>
+              </a:ext>
+            </a:extLst>
+          </p:cNvPr>
+          <p:cNvCxnSpPr/>
+          <p:nvPr/>
+        </p:nvCxnSpPr>
+        <p:spPr>
+          <a:xfrm>
+            <a:off x="4683181" y="3723520"/>
+            <a:ext cx="0" cy="178662"/>
+          </a:xfrm>
+          <a:prstGeom prst="straightConnector1">
+            <a:avLst/>
+          </a:prstGeom>
+          <a:ln w="28575">
+            <a:solidFill>
+              <a:schemeClr val="bg1">
+                <a:lumMod val="85000"/>
+              </a:schemeClr>
+            </a:solidFill>
+            <a:tailEnd type="triangle"/>
+          </a:ln>
+        </p:spPr>
+        <p:style>
+          <a:lnRef idx="1">
+            <a:schemeClr val="accent1"/>
+          </a:lnRef>
+          <a:fillRef idx="0">
+            <a:schemeClr val="accent1"/>
+          </a:fillRef>
+          <a:effectRef idx="0">
+            <a:schemeClr val="accent1"/>
+          </a:effectRef>
+          <a:fontRef idx="minor">
+            <a:schemeClr val="tx1"/>
+          </a:fontRef>
+        </p:style>
+      </p:cxnSp>
+      <p:sp>
+        <p:nvSpPr>
+          <p:cNvPr id="53" name="Retângulo Arredondado 87">
+            <a:extLst>
+              <a:ext uri="{FF2B5EF4-FFF2-40B4-BE49-F238E27FC236}">
+                <a16:creationId xmlns:a16="http://schemas.microsoft.com/office/drawing/2014/main" id="{784BF9B6-F6EC-4C77-9728-2A0C8BA86832}"/>
+              </a:ext>
+            </a:extLst>
+          </p:cNvPr>
+          <p:cNvSpPr/>
+          <p:nvPr/>
+        </p:nvSpPr>
+        <p:spPr>
+          <a:xfrm>
+            <a:off x="3659318" y="5253865"/>
+            <a:ext cx="2047727" cy="294131"/>
+          </a:xfrm>
+          <a:prstGeom prst="roundRect">
+            <a:avLst/>
+          </a:prstGeom>
+          <a:solidFill>
+            <a:schemeClr val="accent1">
+              <a:lumMod val="50000"/>
+            </a:schemeClr>
+          </a:solidFill>
+          <a:ln>
+            <a:solidFill>
+              <a:schemeClr val="accent1">
+                <a:lumMod val="75000"/>
+              </a:schemeClr>
+            </a:solidFill>
+          </a:ln>
+        </p:spPr>
+        <p:style>
+          <a:lnRef idx="1">
+            <a:schemeClr val="accent2"/>
+          </a:lnRef>
+          <a:fillRef idx="2">
+            <a:schemeClr val="accent2"/>
+          </a:fillRef>
+          <a:effectRef idx="1">
+            <a:schemeClr val="accent2"/>
+          </a:effectRef>
+          <a:fontRef idx="minor">
+            <a:schemeClr val="dk1"/>
+          </a:fontRef>
+        </p:style>
+        <p:txBody>
+          <a:bodyPr tIns="36000" bIns="0" rtlCol="0" anchor="ctr"/>
+          <a:lstStyle/>
+          <a:p>
+            <a:pPr algn="ctr"/>
+            <a:r>
+              <a:rPr lang="pt-BR" sz="1100" dirty="0">
+                <a:solidFill>
+                  <a:schemeClr val="bg1">
+                    <a:lumMod val="85000"/>
+                  </a:schemeClr>
+                </a:solidFill>
+              </a:rPr>
+              <a:t>Desenho da cena</a:t>
+            </a:r>
+          </a:p>
+        </p:txBody>
+      </p:sp>
+      <p:sp>
+        <p:nvSpPr>
+          <p:cNvPr id="54" name="Retângulo Arredondado 90">
+            <a:extLst>
+              <a:ext uri="{FF2B5EF4-FFF2-40B4-BE49-F238E27FC236}">
+                <a16:creationId xmlns:a16="http://schemas.microsoft.com/office/drawing/2014/main" id="{F6BF2EEF-0876-4DC1-B604-3D90FC342666}"/>
+              </a:ext>
+            </a:extLst>
+          </p:cNvPr>
+          <p:cNvSpPr/>
+          <p:nvPr/>
+        </p:nvSpPr>
+        <p:spPr>
+          <a:xfrm>
+            <a:off x="6364083" y="5154649"/>
+            <a:ext cx="1228637" cy="476617"/>
+          </a:xfrm>
+          <a:prstGeom prst="roundRect">
+            <a:avLst/>
+          </a:prstGeom>
+          <a:solidFill>
+            <a:schemeClr val="accent2">
+              <a:lumMod val="50000"/>
+            </a:schemeClr>
+          </a:solidFill>
+          <a:ln>
+            <a:solidFill>
+              <a:schemeClr val="accent1">
+                <a:lumMod val="75000"/>
+              </a:schemeClr>
+            </a:solidFill>
+          </a:ln>
+        </p:spPr>
+        <p:style>
+          <a:lnRef idx="1">
+            <a:schemeClr val="accent2"/>
+          </a:lnRef>
+          <a:fillRef idx="2">
+            <a:schemeClr val="accent2"/>
+          </a:fillRef>
+          <a:effectRef idx="1">
+            <a:schemeClr val="accent2"/>
+          </a:effectRef>
+          <a:fontRef idx="minor">
+            <a:schemeClr val="dk1"/>
+          </a:fontRef>
+        </p:style>
+        <p:txBody>
+          <a:bodyPr rtlCol="0" anchor="ctr"/>
+          <a:lstStyle/>
+          <a:p>
+            <a:pPr algn="ctr"/>
+            <a:r>
+              <a:rPr lang="pt-BR" sz="1100" dirty="0">
+                <a:solidFill>
+                  <a:schemeClr val="bg1">
+                    <a:lumMod val="85000"/>
+                  </a:schemeClr>
+                </a:solidFill>
+              </a:rPr>
+              <a:t>Controle de FPS</a:t>
+            </a:r>
+          </a:p>
+        </p:txBody>
+      </p:sp>
+      <p:cxnSp>
+        <p:nvCxnSpPr>
+          <p:cNvPr id="60" name="Conector angulado 45">
+            <a:extLst>
+              <a:ext uri="{FF2B5EF4-FFF2-40B4-BE49-F238E27FC236}">
+                <a16:creationId xmlns:a16="http://schemas.microsoft.com/office/drawing/2014/main" id="{EA78BE36-27E0-46A1-9BBD-ACB77CF7EFB0}"/>
+              </a:ext>
+            </a:extLst>
+          </p:cNvPr>
+          <p:cNvCxnSpPr>
+            <a:cxnSpLocks/>
+            <a:stCxn id="29" idx="0"/>
+          </p:cNvCxnSpPr>
+          <p:nvPr/>
+        </p:nvCxnSpPr>
+        <p:spPr>
+          <a:xfrm rot="16200000" flipH="1">
+            <a:off x="3264070" y="1932372"/>
+            <a:ext cx="3134" cy="2120165"/>
+          </a:xfrm>
+          <a:prstGeom prst="bentConnector3">
+            <a:avLst>
+              <a:gd name="adj1" fmla="val -7294193"/>
+            </a:avLst>
+          </a:prstGeom>
+          <a:ln w="28575">
+            <a:solidFill>
+              <a:schemeClr val="bg1">
+                <a:lumMod val="85000"/>
+              </a:schemeClr>
+            </a:solidFill>
+            <a:tailEnd type="triangle"/>
+          </a:ln>
+        </p:spPr>
+        <p:style>
+          <a:lnRef idx="1">
+            <a:schemeClr val="accent1"/>
+          </a:lnRef>
+          <a:fillRef idx="0">
+            <a:schemeClr val="accent1"/>
+          </a:fillRef>
+          <a:effectRef idx="0">
+            <a:schemeClr val="accent1"/>
+          </a:effectRef>
+          <a:fontRef idx="minor">
+            <a:schemeClr val="tx1"/>
+          </a:fontRef>
+        </p:style>
+      </p:cxnSp>
+      <p:cxnSp>
+        <p:nvCxnSpPr>
+          <p:cNvPr id="66" name="Conector angulado 45">
+            <a:extLst>
+              <a:ext uri="{FF2B5EF4-FFF2-40B4-BE49-F238E27FC236}">
+                <a16:creationId xmlns:a16="http://schemas.microsoft.com/office/drawing/2014/main" id="{BEA682C9-9FC2-47F1-82B6-B83C1CF89D05}"/>
+              </a:ext>
+            </a:extLst>
+          </p:cNvPr>
+          <p:cNvCxnSpPr>
+            <a:cxnSpLocks/>
+            <a:stCxn id="56" idx="1"/>
+          </p:cNvCxnSpPr>
+          <p:nvPr/>
+        </p:nvCxnSpPr>
+        <p:spPr>
+          <a:xfrm rot="10800000" flipV="1">
+            <a:off x="5093626" y="2755620"/>
+            <a:ext cx="1224290" cy="238129"/>
+          </a:xfrm>
+          <a:prstGeom prst="bentConnector2">
+            <a:avLst/>
+          </a:prstGeom>
+          <a:ln w="28575">
+            <a:solidFill>
+              <a:schemeClr val="bg1">
+                <a:lumMod val="85000"/>
+              </a:schemeClr>
+            </a:solidFill>
+            <a:tailEnd type="triangle"/>
+          </a:ln>
+        </p:spPr>
+        <p:style>
+          <a:lnRef idx="1">
+            <a:schemeClr val="accent1"/>
+          </a:lnRef>
+          <a:fillRef idx="0">
+            <a:schemeClr val="accent1"/>
+          </a:fillRef>
+          <a:effectRef idx="0">
+            <a:schemeClr val="accent1"/>
+          </a:effectRef>
+          <a:fontRef idx="minor">
+            <a:schemeClr val="tx1"/>
+          </a:fontRef>
+        </p:style>
+      </p:cxnSp>
     </p:spTree>
     <p:extLst>
       <p:ext uri="{BB962C8B-B14F-4D97-AF65-F5344CB8AC3E}">
@@ -9449,6 +11332,9 @@
   <p:clrMapOvr>
     <a:masterClrMapping/>
   </p:clrMapOvr>
+  <p:transition spd="slow">
+    <p:wipe/>
+  </p:transition>
 </p:sld>
 </file>
 
@@ -9502,7 +11388,26 @@
                   </a:schemeClr>
                 </a:solidFill>
               </a:rPr>
-              <a:t>registrado várias vezes</a:t>
+              <a:t>registrado </a:t>
+            </a:r>
+            <a:br>
+              <a:rPr lang="pt-BR" dirty="0">
+                <a:solidFill>
+                  <a:schemeClr val="accent1">
+                    <a:lumMod val="75000"/>
+                  </a:schemeClr>
+                </a:solidFill>
+              </a:rPr>
+            </a:br>
+            <a:r>
+              <a:rPr lang="pt-BR" dirty="0">
+                <a:solidFill>
+                  <a:schemeClr val="accent1">
+                    <a:lumMod val="75000"/>
+                  </a:schemeClr>
+                </a:solidFill>
+              </a:rPr>
+              <a:t>várias vezes</a:t>
             </a:r>
             <a:r>
               <a:rPr lang="pt-BR" dirty="0"/>
@@ -9556,14 +11461,29 @@
                   </a:schemeClr>
                 </a:solidFill>
               </a:rPr>
-              <a:t>está liberado</a:t>
+              <a:t>foi liberado</a:t>
             </a:r>
           </a:p>
           <a:p>
             <a:pPr lvl="2"/>
             <a:r>
               <a:rPr lang="pt-BR" dirty="0"/>
-              <a:t>O Windows captura 256 Virtual Key Codes (VK_)</a:t>
+              <a:t>O Windows captura 256 Virtual Key Codes (</a:t>
+            </a:r>
+            <a:r>
+              <a:rPr lang="pt-BR" dirty="0">
+                <a:solidFill>
+                  <a:schemeClr val="accent2">
+                    <a:lumMod val="60000"/>
+                    <a:lumOff val="40000"/>
+                  </a:schemeClr>
+                </a:solidFill>
+              </a:rPr>
+              <a:t>VK_</a:t>
+            </a:r>
+            <a:r>
+              <a:rPr lang="pt-BR" dirty="0"/>
+              <a:t>)</a:t>
             </a:r>
           </a:p>
           <a:p>
@@ -9682,33 +11602,69 @@
                 </a:solidFill>
                 <a:latin typeface="Consolas" panose="020B0609020204030204" pitchFamily="49" charset="0"/>
               </a:rPr>
+              <a:t> windowKeys[256];   </a:t>
+            </a:r>
+            <a:r>
+              <a:rPr lang="pt-BR" sz="1600" dirty="0">
+                <a:solidFill>
+                  <a:schemeClr val="tx1">
+                    <a:lumMod val="75000"/>
+                    <a:lumOff val="25000"/>
+                  </a:schemeClr>
+                </a:solidFill>
+                <a:latin typeface="Consolas" panose="020B0609020204030204" pitchFamily="49" charset="0"/>
+              </a:rPr>
+              <a:t>// estado do teclado e botões do mouse</a:t>
+            </a:r>
+          </a:p>
+          <a:p>
+            <a:r>
+              <a:rPr lang="pt-BR" sz="1600" dirty="0" err="1">
+                <a:solidFill>
+                  <a:schemeClr val="accent1">
+                    <a:lumMod val="75000"/>
+                  </a:schemeClr>
+                </a:solidFill>
+                <a:latin typeface="Consolas" panose="020B0609020204030204" pitchFamily="49" charset="0"/>
+              </a:rPr>
+              <a:t>static</a:t>
+            </a:r>
+            <a:r>
+              <a:rPr lang="pt-BR" sz="1600" dirty="0">
+                <a:solidFill>
+                  <a:schemeClr val="bg1">
+                    <a:lumMod val="75000"/>
+                  </a:schemeClr>
+                </a:solidFill>
+                <a:latin typeface="Consolas" panose="020B0609020204030204" pitchFamily="49" charset="0"/>
+              </a:rPr>
               <a:t> </a:t>
             </a:r>
             <a:r>
               <a:rPr lang="pt-BR" sz="1600" dirty="0" err="1">
                 <a:solidFill>
+                  <a:schemeClr val="accent1">
+                    <a:lumMod val="75000"/>
+                  </a:schemeClr>
+                </a:solidFill>
+                <a:latin typeface="Consolas" panose="020B0609020204030204" pitchFamily="49" charset="0"/>
+              </a:rPr>
+              <a:t>bool</a:t>
+            </a:r>
+            <a:r>
+              <a:rPr lang="pt-BR" sz="1600" dirty="0">
+                <a:solidFill>
                   <a:schemeClr val="bg1">
                     <a:lumMod val="75000"/>
                   </a:schemeClr>
                 </a:solidFill>
                 <a:latin typeface="Consolas" panose="020B0609020204030204" pitchFamily="49" charset="0"/>
               </a:rPr>
-              <a:t>windowKeys</a:t>
+              <a:t> windowCtrl[256];   </a:t>
             </a:r>
             <a:r>
               <a:rPr lang="pt-BR" sz="1600" dirty="0">
                 <a:solidFill>
-                  <a:schemeClr val="bg1">
-                    <a:lumMod val="75000"/>
-                  </a:schemeClr>
-                </a:solidFill>
-                <a:latin typeface="Consolas" panose="020B0609020204030204" pitchFamily="49" charset="0"/>
-              </a:rPr>
-              <a:t>[256];   </a:t>
-            </a:r>
-            <a:r>
-              <a:rPr lang="pt-BR" sz="1600" dirty="0">
-                <a:solidFill>
                   <a:schemeClr val="tx1">
                     <a:lumMod val="75000"/>
                     <a:lumOff val="25000"/>
@@ -9716,87 +11672,7 @@
                 </a:solidFill>
                 <a:latin typeface="Consolas" panose="020B0609020204030204" pitchFamily="49" charset="0"/>
               </a:rPr>
-              <a:t>// estado das teclas do teclado e botões do mouse</a:t>
-            </a:r>
-          </a:p>
-          <a:p>
-            <a:r>
-              <a:rPr lang="pt-BR" sz="1600" dirty="0" err="1">
-                <a:solidFill>
-                  <a:schemeClr val="accent1">
-                    <a:lumMod val="75000"/>
-                  </a:schemeClr>
-                </a:solidFill>
-                <a:latin typeface="Consolas" panose="020B0609020204030204" pitchFamily="49" charset="0"/>
-              </a:rPr>
-              <a:t>static</a:t>
-            </a:r>
-            <a:r>
-              <a:rPr lang="pt-BR" sz="1600" dirty="0">
-                <a:solidFill>
-                  <a:schemeClr val="bg1">
-                    <a:lumMod val="75000"/>
-                  </a:schemeClr>
-                </a:solidFill>
-                <a:latin typeface="Consolas" panose="020B0609020204030204" pitchFamily="49" charset="0"/>
-              </a:rPr>
-              <a:t> </a:t>
-            </a:r>
-            <a:r>
-              <a:rPr lang="pt-BR" sz="1600" dirty="0" err="1">
-                <a:solidFill>
-                  <a:schemeClr val="accent1">
-                    <a:lumMod val="75000"/>
-                  </a:schemeClr>
-                </a:solidFill>
-                <a:latin typeface="Consolas" panose="020B0609020204030204" pitchFamily="49" charset="0"/>
-              </a:rPr>
-              <a:t>bool</a:t>
-            </a:r>
-            <a:r>
-              <a:rPr lang="pt-BR" sz="1600" dirty="0">
-                <a:solidFill>
-                  <a:schemeClr val="bg1">
-                    <a:lumMod val="75000"/>
-                  </a:schemeClr>
-                </a:solidFill>
-                <a:latin typeface="Consolas" panose="020B0609020204030204" pitchFamily="49" charset="0"/>
-              </a:rPr>
-              <a:t> </a:t>
-            </a:r>
-            <a:r>
-              <a:rPr lang="pt-BR" sz="1600" dirty="0" err="1">
-                <a:solidFill>
-                  <a:schemeClr val="bg1">
-                    <a:lumMod val="75000"/>
-                  </a:schemeClr>
-                </a:solidFill>
-                <a:latin typeface="Consolas" panose="020B0609020204030204" pitchFamily="49" charset="0"/>
-              </a:rPr>
-              <a:t>windowCtrl</a:t>
-            </a:r>
-            <a:r>
-              <a:rPr lang="pt-BR" sz="1600" dirty="0">
-                <a:solidFill>
-                  <a:schemeClr val="bg1">
-                    <a:lumMod val="75000"/>
-                  </a:schemeClr>
-                </a:solidFill>
-                <a:latin typeface="Consolas" panose="020B0609020204030204" pitchFamily="49" charset="0"/>
-              </a:rPr>
-              <a:t>[256];   </a:t>
-            </a:r>
-            <a:r>
-              <a:rPr lang="pt-BR" sz="1600" dirty="0">
-                <a:solidFill>
-                  <a:schemeClr val="tx1">
-                    <a:lumMod val="75000"/>
-                    <a:lumOff val="25000"/>
-                  </a:schemeClr>
-                </a:solidFill>
-                <a:latin typeface="Consolas" panose="020B0609020204030204" pitchFamily="49" charset="0"/>
-              </a:rPr>
-              <a:t>// controle da liberação de teclas</a:t>
+              <a:t>// controle de liberação de teclas</a:t>
             </a:r>
             <a:endParaRPr lang="pt-BR" sz="1600" dirty="0">
               <a:solidFill>
@@ -9819,6 +11695,9 @@
   <p:clrMapOvr>
     <a:masterClrMapping/>
   </p:clrMapOvr>
+  <p:transition spd="slow">
+    <p:wipe/>
+  </p:transition>
 </p:sld>
 </file>
 
@@ -9872,7 +11751,7 @@
                   </a:schemeClr>
                 </a:solidFill>
               </a:rPr>
-              <a:t>KeyCtrl</a:t>
+              <a:t>KeyPress</a:t>
             </a:r>
             <a:r>
               <a:rPr lang="pt-BR" dirty="0"/>
@@ -9990,7 +11869,7 @@
                 </a:solidFill>
                 <a:latin typeface="Consolas" panose="020B0609020204030204" pitchFamily="49" charset="0"/>
               </a:rPr>
-              <a:t>KeyCtrl</a:t>
+              <a:t>KeyPress</a:t>
             </a:r>
             <a:r>
               <a:rPr lang="en-US" sz="1400" dirty="0">
@@ -10094,29 +11973,7 @@
                 </a:solidFill>
                 <a:latin typeface="Consolas" panose="020B0609020204030204" pitchFamily="49" charset="0"/>
               </a:rPr>
-              <a:t> (</a:t>
-            </a:r>
-            <a:r>
-              <a:rPr lang="pt-BR" sz="1400" dirty="0" err="1">
-                <a:solidFill>
-                  <a:schemeClr val="bg1">
-                    <a:lumMod val="75000"/>
-                  </a:schemeClr>
-                </a:solidFill>
-                <a:latin typeface="Consolas" panose="020B0609020204030204" pitchFamily="49" charset="0"/>
-              </a:rPr>
-              <a:t>windowCtrl</a:t>
-            </a:r>
-            <a:r>
-              <a:rPr lang="pt-BR" sz="1400" dirty="0">
-                <a:solidFill>
-                  <a:schemeClr val="bg1">
-                    <a:lumMod val="75000"/>
-                  </a:schemeClr>
-                </a:solidFill>
-                <a:latin typeface="Consolas" panose="020B0609020204030204" pitchFamily="49" charset="0"/>
-              </a:rPr>
-              <a:t>[</a:t>
+              <a:t> (windowCtrl[</a:t>
             </a:r>
             <a:r>
               <a:rPr lang="pt-BR" sz="1400" dirty="0" err="1">
@@ -10258,29 +12115,7 @@
                 </a:solidFill>
                 <a:latin typeface="Consolas" panose="020B0609020204030204" pitchFamily="49" charset="0"/>
               </a:rPr>
-              <a:t>            </a:t>
-            </a:r>
-            <a:r>
-              <a:rPr lang="pt-BR" sz="1400" dirty="0" err="1">
-                <a:solidFill>
-                  <a:schemeClr val="bg1">
-                    <a:lumMod val="75000"/>
-                  </a:schemeClr>
-                </a:solidFill>
-                <a:latin typeface="Consolas" panose="020B0609020204030204" pitchFamily="49" charset="0"/>
-              </a:rPr>
-              <a:t>windowCtrl</a:t>
-            </a:r>
-            <a:r>
-              <a:rPr lang="pt-BR" sz="1400" dirty="0">
-                <a:solidFill>
-                  <a:schemeClr val="bg1">
-                    <a:lumMod val="75000"/>
-                  </a:schemeClr>
-                </a:solidFill>
-                <a:latin typeface="Consolas" panose="020B0609020204030204" pitchFamily="49" charset="0"/>
-              </a:rPr>
-              <a:t>[</a:t>
+              <a:t>            windowCtrl[</a:t>
             </a:r>
             <a:r>
               <a:rPr lang="pt-BR" sz="1400" dirty="0" err="1">
@@ -10536,29 +12371,7 @@
                 </a:solidFill>
                 <a:latin typeface="Consolas" panose="020B0609020204030204" pitchFamily="49" charset="0"/>
               </a:rPr>
-              <a:t>        </a:t>
-            </a:r>
-            <a:r>
-              <a:rPr lang="pt-BR" sz="1400" dirty="0" err="1">
-                <a:solidFill>
-                  <a:schemeClr val="bg1">
-                    <a:lumMod val="75000"/>
-                  </a:schemeClr>
-                </a:solidFill>
-                <a:latin typeface="Consolas" panose="020B0609020204030204" pitchFamily="49" charset="0"/>
-              </a:rPr>
-              <a:t>windowCtrl</a:t>
-            </a:r>
-            <a:r>
-              <a:rPr lang="pt-BR" sz="1400" dirty="0">
-                <a:solidFill>
-                  <a:schemeClr val="bg1">
-                    <a:lumMod val="75000"/>
-                  </a:schemeClr>
-                </a:solidFill>
-                <a:latin typeface="Consolas" panose="020B0609020204030204" pitchFamily="49" charset="0"/>
-              </a:rPr>
-              <a:t>[</a:t>
+              <a:t>        windowCtrl[</a:t>
             </a:r>
             <a:r>
               <a:rPr lang="pt-BR" sz="1400" dirty="0" err="1">
@@ -10710,6 +12523,9 @@
   <p:clrMapOvr>
     <a:masterClrMapping/>
   </p:clrMapOvr>
+  <p:transition spd="slow">
+    <p:wipe/>
+  </p:transition>
 </p:sld>
 </file>
 
@@ -10784,6 +12600,10 @@
           </a:p>
           <a:p>
             <a:pPr lvl="2"/>
+            <a:endParaRPr lang="pt-BR" dirty="0"/>
+          </a:p>
+          <a:p>
+            <a:pPr lvl="2"/>
             <a:r>
               <a:rPr lang="pt-BR" dirty="0"/>
               <a:t>Com os seguintes VK Codes:</a:t>
@@ -10837,8 +12657,8 @@
         </p:nvSpPr>
         <p:spPr>
           <a:xfrm>
-            <a:off x="1199456" y="2105561"/>
-            <a:ext cx="8856984" cy="1323439"/>
+            <a:off x="1199456" y="2174650"/>
+            <a:ext cx="9721080" cy="1569660"/>
           </a:xfrm>
           <a:prstGeom prst="rect">
             <a:avLst/>
@@ -10951,7 +12771,7 @@
                 </a:solidFill>
                 <a:latin typeface="Consolas" panose="020B0609020204030204" pitchFamily="49" charset="0"/>
               </a:rPr>
-              <a:t>  </a:t>
+              <a:t>   </a:t>
             </a:r>
             <a:r>
               <a:rPr lang="pt-BR" sz="1600" dirty="0">
@@ -11068,7 +12888,7 @@
                 </a:solidFill>
                 <a:latin typeface="Consolas" panose="020B0609020204030204" pitchFamily="49" charset="0"/>
               </a:rPr>
-              <a:t>    </a:t>
+              <a:t>     </a:t>
             </a:r>
             <a:r>
               <a:rPr lang="pt-BR" sz="1600" dirty="0">
@@ -11116,7 +12936,7 @@
                 </a:solidFill>
                 <a:latin typeface="Consolas" panose="020B0609020204030204" pitchFamily="49" charset="0"/>
               </a:rPr>
-              <a:t>KeyCtrl</a:t>
+              <a:t>KeyPress</a:t>
             </a:r>
             <a:r>
               <a:rPr lang="pt-BR" sz="1600" dirty="0">
@@ -11197,8 +13017,28 @@
                 </a:solidFill>
                 <a:latin typeface="Consolas" panose="020B0609020204030204" pitchFamily="49" charset="0"/>
               </a:rPr>
-              <a:t>// registra pressionamento somente após liberação</a:t>
-            </a:r>
+              <a:t>// registra um pressionamento por vez</a:t>
+            </a:r>
+            <a:br>
+              <a:rPr lang="pt-BR" sz="1600" dirty="0">
+                <a:solidFill>
+                  <a:schemeClr val="tx1">
+                    <a:lumMod val="75000"/>
+                    <a:lumOff val="25000"/>
+                  </a:schemeClr>
+                </a:solidFill>
+                <a:latin typeface="Consolas" panose="020B0609020204030204" pitchFamily="49" charset="0"/>
+              </a:rPr>
+            </a:br>
+            <a:endParaRPr lang="pt-BR" sz="1600" dirty="0">
+              <a:solidFill>
+                <a:schemeClr val="tx1">
+                  <a:lumMod val="75000"/>
+                  <a:lumOff val="25000"/>
+                </a:schemeClr>
+              </a:solidFill>
+              <a:latin typeface="Consolas" panose="020B0609020204030204" pitchFamily="49" charset="0"/>
+            </a:endParaRPr>
           </a:p>
           <a:p>
             <a:r>
@@ -11244,7 +13084,7 @@
                 </a:solidFill>
                 <a:latin typeface="Consolas" panose="020B0609020204030204" pitchFamily="49" charset="0"/>
               </a:rPr>
-              <a:t>();            </a:t>
+              <a:t>();             </a:t>
             </a:r>
             <a:r>
               <a:rPr lang="pt-BR" sz="1600" dirty="0">
@@ -11303,7 +13143,7 @@
                 </a:solidFill>
                 <a:latin typeface="Consolas" panose="020B0609020204030204" pitchFamily="49" charset="0"/>
               </a:rPr>
-              <a:t>();            </a:t>
+              <a:t>();             </a:t>
             </a:r>
             <a:r>
               <a:rPr lang="pt-BR" sz="1600" dirty="0">
@@ -11342,7 +13182,7 @@
         </p:nvSpPr>
         <p:spPr>
           <a:xfrm>
-            <a:off x="1559496" y="4302647"/>
+            <a:off x="1559496" y="4653136"/>
             <a:ext cx="3326552" cy="830997"/>
           </a:xfrm>
           <a:prstGeom prst="rect">
@@ -11455,6 +13295,9 @@
   <p:clrMapOvr>
     <a:masterClrMapping/>
   </p:clrMapOvr>
+  <p:transition spd="slow">
+    <p:wipe/>
+  </p:transition>
 </p:sld>
 </file>
 
@@ -11880,6 +13723,9 @@
   <p:clrMapOvr>
     <a:masterClrMapping/>
   </p:clrMapOvr>
+  <p:transition spd="slow">
+    <p:wipe/>
+  </p:transition>
 </p:sld>
 </file>
 
@@ -11924,7 +13770,7 @@
           <a:p>
             <a:r>
               <a:rPr lang="pt-BR" dirty="0"/>
-              <a:t>Biblioteca </a:t>
+              <a:t>A </a:t>
             </a:r>
             <a:r>
               <a:rPr lang="pt-BR" dirty="0">
@@ -12062,6 +13908,9 @@
   <p:clrMapOvr>
     <a:masterClrMapping/>
   </p:clrMapOvr>
+  <p:transition spd="slow">
+    <p:wipe/>
+  </p:transition>
 </p:sld>
 </file>
 
